--- a/报告/coflow survey.pptx
+++ b/报告/coflow survey.pptx
@@ -5,12 +5,28 @@
     <p:sldMasterId id="2147483656" r:id="rId1"/>
   </p:sldMasterIdLst>
   <p:notesMasterIdLst>
-    <p:notesMasterId r:id="rId5"/>
+    <p:notesMasterId r:id="rId21"/>
   </p:notesMasterIdLst>
   <p:sldIdLst>
     <p:sldId id="256" r:id="rId2"/>
     <p:sldId id="260" r:id="rId3"/>
-    <p:sldId id="259" r:id="rId4"/>
+    <p:sldId id="261" r:id="rId4"/>
+    <p:sldId id="262" r:id="rId5"/>
+    <p:sldId id="263" r:id="rId6"/>
+    <p:sldId id="267" r:id="rId7"/>
+    <p:sldId id="268" r:id="rId8"/>
+    <p:sldId id="269" r:id="rId9"/>
+    <p:sldId id="264" r:id="rId10"/>
+    <p:sldId id="266" r:id="rId11"/>
+    <p:sldId id="277" r:id="rId12"/>
+    <p:sldId id="265" r:id="rId13"/>
+    <p:sldId id="276" r:id="rId14"/>
+    <p:sldId id="272" r:id="rId15"/>
+    <p:sldId id="271" r:id="rId16"/>
+    <p:sldId id="278" r:id="rId17"/>
+    <p:sldId id="273" r:id="rId18"/>
+    <p:sldId id="275" r:id="rId19"/>
+    <p:sldId id="259" r:id="rId20"/>
   </p:sldIdLst>
   <p:sldSz cx="9144000" cy="6858000" type="screen4x3"/>
   <p:notesSz cx="6797675" cy="9874250"/>
@@ -630,6 +646,11 @@
         </p:txBody>
       </p:sp>
     </p:spTree>
+    <p:extLst>
+      <p:ext uri="{BB962C8B-B14F-4D97-AF65-F5344CB8AC3E}">
+        <p14:creationId xmlns:p14="http://schemas.microsoft.com/office/powerpoint/2010/main" val="514672369"/>
+      </p:ext>
+    </p:extLst>
   </p:cSld>
   <p:clrMap bg1="lt1" tx1="dk1" bg2="lt2" tx2="dk2" accent1="accent1" accent2="accent2" accent3="accent3" accent4="accent4" accent5="accent5" accent6="accent6" hlink="hlink" folHlink="folHlink"/>
   <p:notesStyle>
@@ -969,6 +990,11 @@
         </p:txBody>
       </p:sp>
     </p:spTree>
+    <p:extLst>
+      <p:ext uri="{BB962C8B-B14F-4D97-AF65-F5344CB8AC3E}">
+        <p14:creationId xmlns:p14="http://schemas.microsoft.com/office/powerpoint/2010/main" val="34375667"/>
+      </p:ext>
+    </p:extLst>
   </p:cSld>
   <p:clrMapOvr>
     <a:masterClrMapping/>
@@ -6263,7 +6289,7 @@
 </p:sld>
 </file>
 
-<file path=ppt/slides/slide2.xml><?xml version="1.0" encoding="utf-8"?>
+<file path=ppt/slides/slide10.xml><?xml version="1.0" encoding="utf-8"?>
 <p:sld xmlns:a="http://schemas.openxmlformats.org/drawingml/2006/main" xmlns:r="http://schemas.openxmlformats.org/officeDocument/2006/relationships" xmlns:p="http://schemas.openxmlformats.org/presentationml/2006/main">
   <p:cSld>
     <p:spTree>
@@ -6295,7 +6321,11 @@
           <a:bodyPr/>
           <a:lstStyle/>
           <a:p>
-            <a:endParaRPr lang="en-US"/>
+            <a:r>
+              <a:rPr lang="en-US" altLang="zh-CN" dirty="0"/>
+              <a:t>Information-agnostic</a:t>
+            </a:r>
+            <a:endParaRPr lang="en-US" altLang="zh-CN" dirty="0"/>
           </a:p>
         </p:txBody>
       </p:sp>
@@ -6314,7 +6344,266 @@
           <a:bodyPr/>
           <a:lstStyle/>
           <a:p>
-            <a:endParaRPr lang="en-US"/>
+            <a:r>
+              <a:rPr lang="en-US" sz="1800" dirty="0">
+                <a:latin typeface="Times New Roman" charset="0"/>
+                <a:ea typeface="Times New Roman" charset="0"/>
+                <a:cs typeface="Times New Roman" charset="0"/>
+              </a:rPr>
+              <a:t>CODA: Toward Automatically Identifying and Scheduling </a:t>
+            </a:r>
+            <a:r>
+              <a:rPr lang="en-US" sz="1800" dirty="0" err="1">
+                <a:latin typeface="Times New Roman" charset="0"/>
+                <a:ea typeface="Times New Roman" charset="0"/>
+                <a:cs typeface="Times New Roman" charset="0"/>
+              </a:rPr>
+              <a:t>Coflows</a:t>
+            </a:r>
+            <a:r>
+              <a:rPr lang="en-US" sz="1800" dirty="0">
+                <a:latin typeface="Times New Roman" charset="0"/>
+                <a:ea typeface="Times New Roman" charset="0"/>
+                <a:cs typeface="Times New Roman" charset="0"/>
+              </a:rPr>
+              <a:t> in the Dark </a:t>
+            </a:r>
+            <a:endParaRPr lang="zh-CN" altLang="en-US" sz="1800" dirty="0" smtClean="0">
+              <a:latin typeface="Times New Roman" charset="0"/>
+              <a:ea typeface="Times New Roman" charset="0"/>
+              <a:cs typeface="Times New Roman" charset="0"/>
+            </a:endParaRPr>
+          </a:p>
+          <a:p>
+            <a:r>
+              <a:rPr lang="nl-NL" sz="1800" dirty="0">
+                <a:latin typeface="Times New Roman" charset="0"/>
+                <a:ea typeface="Times New Roman" charset="0"/>
+                <a:cs typeface="Times New Roman" charset="0"/>
+              </a:rPr>
+              <a:t>Hong Zhang, Li Chen, </a:t>
+            </a:r>
+            <a:r>
+              <a:rPr lang="nl-NL" sz="1800" dirty="0" err="1">
+                <a:latin typeface="Times New Roman" charset="0"/>
+                <a:ea typeface="Times New Roman" charset="0"/>
+                <a:cs typeface="Times New Roman" charset="0"/>
+              </a:rPr>
+              <a:t>Bairen</a:t>
+            </a:r>
+            <a:r>
+              <a:rPr lang="nl-NL" sz="1800" dirty="0">
+                <a:latin typeface="Times New Roman" charset="0"/>
+                <a:ea typeface="Times New Roman" charset="0"/>
+                <a:cs typeface="Times New Roman" charset="0"/>
+              </a:rPr>
+              <a:t> </a:t>
+            </a:r>
+            <a:r>
+              <a:rPr lang="nl-NL" sz="1800" dirty="0" err="1">
+                <a:latin typeface="Times New Roman" charset="0"/>
+                <a:ea typeface="Times New Roman" charset="0"/>
+                <a:cs typeface="Times New Roman" charset="0"/>
+              </a:rPr>
+              <a:t>Yi</a:t>
+            </a:r>
+            <a:r>
+              <a:rPr lang="nl-NL" sz="1800" dirty="0">
+                <a:latin typeface="Times New Roman" charset="0"/>
+                <a:ea typeface="Times New Roman" charset="0"/>
+                <a:cs typeface="Times New Roman" charset="0"/>
+              </a:rPr>
+              <a:t>, Kai Chen, </a:t>
+            </a:r>
+            <a:r>
+              <a:rPr lang="nl-NL" sz="1800" dirty="0" err="1">
+                <a:latin typeface="Times New Roman" charset="0"/>
+                <a:ea typeface="Times New Roman" charset="0"/>
+                <a:cs typeface="Times New Roman" charset="0"/>
+              </a:rPr>
+              <a:t>Mosharaf</a:t>
+            </a:r>
+            <a:r>
+              <a:rPr lang="nl-NL" sz="1800" dirty="0">
+                <a:latin typeface="Times New Roman" charset="0"/>
+                <a:ea typeface="Times New Roman" charset="0"/>
+                <a:cs typeface="Times New Roman" charset="0"/>
+              </a:rPr>
+              <a:t> </a:t>
+            </a:r>
+            <a:r>
+              <a:rPr lang="nl-NL" sz="1800" dirty="0" err="1">
+                <a:latin typeface="Times New Roman" charset="0"/>
+                <a:ea typeface="Times New Roman" charset="0"/>
+                <a:cs typeface="Times New Roman" charset="0"/>
+              </a:rPr>
+              <a:t>Chowdhury</a:t>
+            </a:r>
+            <a:r>
+              <a:rPr lang="nl-NL" sz="1800" dirty="0">
+                <a:latin typeface="Times New Roman" charset="0"/>
+                <a:ea typeface="Times New Roman" charset="0"/>
+                <a:cs typeface="Times New Roman" charset="0"/>
+              </a:rPr>
+              <a:t>, </a:t>
+            </a:r>
+            <a:r>
+              <a:rPr lang="nl-NL" sz="1800" dirty="0" err="1">
+                <a:latin typeface="Times New Roman" charset="0"/>
+                <a:ea typeface="Times New Roman" charset="0"/>
+                <a:cs typeface="Times New Roman" charset="0"/>
+              </a:rPr>
+              <a:t>Yanhui</a:t>
+            </a:r>
+            <a:r>
+              <a:rPr lang="nl-NL" sz="1800" dirty="0">
+                <a:latin typeface="Times New Roman" charset="0"/>
+                <a:ea typeface="Times New Roman" charset="0"/>
+                <a:cs typeface="Times New Roman" charset="0"/>
+              </a:rPr>
+              <a:t> </a:t>
+            </a:r>
+            <a:r>
+              <a:rPr lang="nl-NL" sz="1800" dirty="0" err="1">
+                <a:latin typeface="Times New Roman" charset="0"/>
+                <a:ea typeface="Times New Roman" charset="0"/>
+                <a:cs typeface="Times New Roman" charset="0"/>
+              </a:rPr>
+              <a:t>Geng</a:t>
+            </a:r>
+            <a:r>
+              <a:rPr lang="en-US" sz="1800" dirty="0" smtClean="0">
+                <a:latin typeface="Times New Roman" charset="0"/>
+                <a:ea typeface="Times New Roman" charset="0"/>
+                <a:cs typeface="Times New Roman" charset="0"/>
+              </a:rPr>
+              <a:t> </a:t>
+            </a:r>
+            <a:endParaRPr lang="en-US" sz="1800" dirty="0">
+              <a:latin typeface="Times New Roman" charset="0"/>
+              <a:ea typeface="Times New Roman" charset="0"/>
+              <a:cs typeface="Times New Roman" charset="0"/>
+            </a:endParaRPr>
+          </a:p>
+          <a:p>
+            <a:r>
+              <a:rPr lang="en-US" altLang="zh-CN" sz="1800" dirty="0" smtClean="0">
+                <a:latin typeface="Times New Roman" charset="0"/>
+                <a:ea typeface="Times New Roman" charset="0"/>
+                <a:cs typeface="Times New Roman" charset="0"/>
+              </a:rPr>
+              <a:t>SIGCOMM</a:t>
+            </a:r>
+            <a:r>
+              <a:rPr lang="zh-CN" altLang="en-US" sz="1800" dirty="0" smtClean="0">
+                <a:latin typeface="Times New Roman" charset="0"/>
+                <a:ea typeface="Times New Roman" charset="0"/>
+                <a:cs typeface="Times New Roman" charset="0"/>
+              </a:rPr>
+              <a:t> </a:t>
+            </a:r>
+            <a:r>
+              <a:rPr lang="en-US" altLang="zh-CN" sz="1800" dirty="0" smtClean="0">
+                <a:latin typeface="Times New Roman" charset="0"/>
+                <a:ea typeface="Times New Roman" charset="0"/>
+                <a:cs typeface="Times New Roman" charset="0"/>
+              </a:rPr>
+              <a:t>2016</a:t>
+            </a:r>
+          </a:p>
+          <a:p>
+            <a:endParaRPr lang="en-US" altLang="zh-CN" sz="1800" dirty="0">
+              <a:latin typeface="Times New Roman" charset="0"/>
+              <a:ea typeface="Times New Roman" charset="0"/>
+              <a:cs typeface="Times New Roman" charset="0"/>
+            </a:endParaRPr>
+          </a:p>
+          <a:p>
+            <a:r>
+              <a:rPr lang="en-US" altLang="zh-CN" sz="1800" dirty="0" smtClean="0">
+                <a:latin typeface="Times New Roman" charset="0"/>
+                <a:ea typeface="Times New Roman" charset="0"/>
+                <a:cs typeface="Times New Roman" charset="0"/>
+              </a:rPr>
+              <a:t>inter-</a:t>
+            </a:r>
+            <a:r>
+              <a:rPr lang="en-US" altLang="zh-CN" sz="1800" dirty="0" err="1" smtClean="0">
+                <a:latin typeface="Times New Roman" charset="0"/>
+                <a:ea typeface="Times New Roman" charset="0"/>
+                <a:cs typeface="Times New Roman" charset="0"/>
+              </a:rPr>
+              <a:t>coflow</a:t>
+            </a:r>
+            <a:r>
+              <a:rPr lang="zh-CN" altLang="en-US" sz="1800" dirty="0" smtClean="0">
+                <a:latin typeface="Times New Roman" charset="0"/>
+                <a:ea typeface="Times New Roman" charset="0"/>
+                <a:cs typeface="Times New Roman" charset="0"/>
+              </a:rPr>
+              <a:t> </a:t>
+            </a:r>
+            <a:r>
+              <a:rPr lang="en-US" altLang="zh-CN" sz="1800" dirty="0" smtClean="0">
+                <a:latin typeface="Times New Roman" charset="0"/>
+                <a:ea typeface="Times New Roman" charset="0"/>
+                <a:cs typeface="Times New Roman" charset="0"/>
+              </a:rPr>
+              <a:t>LAS </a:t>
+            </a:r>
+            <a:endParaRPr lang="en-US" altLang="zh-CN" sz="1800" dirty="0">
+              <a:latin typeface="Times New Roman" charset="0"/>
+              <a:ea typeface="Times New Roman" charset="0"/>
+              <a:cs typeface="Times New Roman" charset="0"/>
+            </a:endParaRPr>
+          </a:p>
+          <a:p>
+            <a:r>
+              <a:rPr lang="en-US" altLang="zh-CN" sz="1800" dirty="0" smtClean="0">
+                <a:latin typeface="Times New Roman" charset="0"/>
+                <a:ea typeface="Times New Roman" charset="0"/>
+                <a:cs typeface="Times New Roman" charset="0"/>
+              </a:rPr>
+              <a:t>intra-</a:t>
+            </a:r>
+            <a:r>
+              <a:rPr lang="en-US" altLang="zh-CN" sz="1800" dirty="0" err="1" smtClean="0">
+                <a:latin typeface="Times New Roman" charset="0"/>
+                <a:ea typeface="Times New Roman" charset="0"/>
+                <a:cs typeface="Times New Roman" charset="0"/>
+              </a:rPr>
+              <a:t>coflow</a:t>
+            </a:r>
+            <a:r>
+              <a:rPr lang="zh-CN" altLang="en-US" sz="1800" dirty="0" smtClean="0">
+                <a:latin typeface="Times New Roman" charset="0"/>
+                <a:ea typeface="Times New Roman" charset="0"/>
+                <a:cs typeface="Times New Roman" charset="0"/>
+              </a:rPr>
+              <a:t> </a:t>
+            </a:r>
+            <a:r>
+              <a:rPr lang="en-US" altLang="zh-CN" sz="1800" dirty="0" smtClean="0">
+                <a:latin typeface="Times New Roman" charset="0"/>
+                <a:ea typeface="Times New Roman" charset="0"/>
+                <a:cs typeface="Times New Roman" charset="0"/>
+              </a:rPr>
+              <a:t>LAS</a:t>
+            </a:r>
+          </a:p>
+          <a:p>
+            <a:endParaRPr lang="en-US" altLang="zh-CN" sz="1800" dirty="0">
+              <a:latin typeface="Times New Roman" charset="0"/>
+              <a:ea typeface="Times New Roman" charset="0"/>
+              <a:cs typeface="Times New Roman" charset="0"/>
+            </a:endParaRPr>
+          </a:p>
+          <a:p>
+            <a:endParaRPr lang="en-US" altLang="zh-CN" sz="1800" dirty="0" smtClean="0">
+              <a:latin typeface="Times New Roman" charset="0"/>
+              <a:ea typeface="Times New Roman" charset="0"/>
+              <a:cs typeface="Times New Roman" charset="0"/>
+            </a:endParaRPr>
           </a:p>
         </p:txBody>
       </p:sp>
@@ -6370,26 +6659,2688 @@
               <a:pPr>
                 <a:defRPr/>
               </a:pPr>
-              <a:t>2</a:t>
+              <a:t>10</a:t>
             </a:fld>
             <a:endParaRPr lang="en-US" altLang="zh-CN"/>
           </a:p>
         </p:txBody>
       </p:sp>
+      <p:pic>
+        <p:nvPicPr>
+          <p:cNvPr id="6" name="图片 5"/>
+          <p:cNvPicPr>
+            <a:picLocks noChangeAspect="1"/>
+          </p:cNvPicPr>
+          <p:nvPr/>
+        </p:nvPicPr>
+        <p:blipFill>
+          <a:blip r:embed="rId2"/>
+          <a:stretch>
+            <a:fillRect/>
+          </a:stretch>
+        </p:blipFill>
+        <p:spPr>
+          <a:xfrm>
+            <a:off x="3832461" y="3140968"/>
+            <a:ext cx="4426566" cy="1838275"/>
+          </a:xfrm>
+          <a:prstGeom prst="rect">
+            <a:avLst/>
+          </a:prstGeom>
+        </p:spPr>
+      </p:pic>
     </p:spTree>
     <p:extLst>
       <p:ext uri="{BB962C8B-B14F-4D97-AF65-F5344CB8AC3E}">
-        <p14:creationId xmlns:p14="http://schemas.microsoft.com/office/powerpoint/2010/main" val="1931507430"/>
+        <p14:creationId xmlns:p14="http://schemas.microsoft.com/office/powerpoint/2010/main" val="1952791835"/>
       </p:ext>
     </p:extLst>
   </p:cSld>
   <p:clrMapOvr>
     <a:masterClrMapping/>
   </p:clrMapOvr>
+  <p:timing>
+    <p:tnLst>
+      <p:par>
+        <p:cTn id="1" dur="indefinite" restart="never" nodeType="tmRoot"/>
+      </p:par>
+    </p:tnLst>
+  </p:timing>
 </p:sld>
 </file>
 
-<file path=ppt/slides/slide3.xml><?xml version="1.0" encoding="utf-8"?>
+<file path=ppt/slides/slide11.xml><?xml version="1.0" encoding="utf-8"?>
+<p:sld xmlns:a="http://schemas.openxmlformats.org/drawingml/2006/main" xmlns:r="http://schemas.openxmlformats.org/officeDocument/2006/relationships" xmlns:p="http://schemas.openxmlformats.org/presentationml/2006/main">
+  <p:cSld>
+    <p:spTree>
+      <p:nvGrpSpPr>
+        <p:cNvPr id="1" name=""/>
+        <p:cNvGrpSpPr/>
+        <p:nvPr/>
+      </p:nvGrpSpPr>
+      <p:grpSpPr>
+        <a:xfrm>
+          <a:off x="0" y="0"/>
+          <a:ext cx="0" cy="0"/>
+          <a:chOff x="0" y="0"/>
+          <a:chExt cx="0" cy="0"/>
+        </a:xfrm>
+      </p:grpSpPr>
+      <p:sp>
+        <p:nvSpPr>
+          <p:cNvPr id="2" name="标题 1"/>
+          <p:cNvSpPr>
+            <a:spLocks noGrp="1"/>
+          </p:cNvSpPr>
+          <p:nvPr>
+            <p:ph type="title"/>
+          </p:nvPr>
+        </p:nvSpPr>
+        <p:spPr/>
+        <p:txBody>
+          <a:bodyPr/>
+          <a:lstStyle/>
+          <a:p>
+            <a:r>
+              <a:rPr lang="en-US" altLang="zh-CN" dirty="0"/>
+              <a:t>Information-agnostic</a:t>
+            </a:r>
+            <a:endParaRPr lang="en-US" altLang="zh-CN" dirty="0"/>
+          </a:p>
+        </p:txBody>
+      </p:sp>
+      <p:sp>
+        <p:nvSpPr>
+          <p:cNvPr id="3" name="内容占位符 2"/>
+          <p:cNvSpPr>
+            <a:spLocks noGrp="1"/>
+          </p:cNvSpPr>
+          <p:nvPr>
+            <p:ph idx="1"/>
+          </p:nvPr>
+        </p:nvSpPr>
+        <p:spPr/>
+        <p:txBody>
+          <a:bodyPr/>
+          <a:lstStyle/>
+          <a:p>
+            <a:r>
+              <a:rPr lang="en-US" sz="1800" dirty="0" err="1">
+                <a:latin typeface="Times New Roman" charset="0"/>
+                <a:ea typeface="Times New Roman" charset="0"/>
+                <a:cs typeface="Times New Roman" charset="0"/>
+              </a:rPr>
+              <a:t>Coflow</a:t>
+            </a:r>
+            <a:r>
+              <a:rPr lang="en-US" sz="1800" dirty="0">
+                <a:latin typeface="Times New Roman" charset="0"/>
+                <a:ea typeface="Times New Roman" charset="0"/>
+                <a:cs typeface="Times New Roman" charset="0"/>
+              </a:rPr>
+              <a:t> Scheduling in Input-Queued Switches Optimal Delay Scaling and Algorithms </a:t>
+            </a:r>
+            <a:endParaRPr lang="zh-CN" altLang="en-US" sz="1800" dirty="0" smtClean="0">
+              <a:latin typeface="Times New Roman" charset="0"/>
+              <a:ea typeface="Times New Roman" charset="0"/>
+              <a:cs typeface="Times New Roman" charset="0"/>
+            </a:endParaRPr>
+          </a:p>
+          <a:p>
+            <a:r>
+              <a:rPr lang="en-US" sz="1800" dirty="0" err="1">
+                <a:latin typeface="Times New Roman" charset="0"/>
+                <a:ea typeface="Times New Roman" charset="0"/>
+                <a:cs typeface="Times New Roman" charset="0"/>
+              </a:rPr>
+              <a:t>Qingkai</a:t>
+            </a:r>
+            <a:r>
+              <a:rPr lang="en-US" sz="1800" dirty="0">
+                <a:latin typeface="Times New Roman" charset="0"/>
+                <a:ea typeface="Times New Roman" charset="0"/>
+                <a:cs typeface="Times New Roman" charset="0"/>
+              </a:rPr>
+              <a:t> Liang and </a:t>
+            </a:r>
+            <a:r>
+              <a:rPr lang="en-US" sz="1800" dirty="0" err="1">
+                <a:latin typeface="Times New Roman" charset="0"/>
+                <a:ea typeface="Times New Roman" charset="0"/>
+                <a:cs typeface="Times New Roman" charset="0"/>
+              </a:rPr>
+              <a:t>Eytan</a:t>
+            </a:r>
+            <a:r>
+              <a:rPr lang="en-US" sz="1800" dirty="0">
+                <a:latin typeface="Times New Roman" charset="0"/>
+                <a:ea typeface="Times New Roman" charset="0"/>
+                <a:cs typeface="Times New Roman" charset="0"/>
+              </a:rPr>
+              <a:t> </a:t>
+            </a:r>
+            <a:r>
+              <a:rPr lang="en-US" sz="1800" dirty="0" err="1">
+                <a:latin typeface="Times New Roman" charset="0"/>
+                <a:ea typeface="Times New Roman" charset="0"/>
+                <a:cs typeface="Times New Roman" charset="0"/>
+              </a:rPr>
+              <a:t>Modiano</a:t>
+            </a:r>
+            <a:r>
+              <a:rPr lang="en-US" sz="1800" dirty="0">
+                <a:latin typeface="Times New Roman" charset="0"/>
+                <a:ea typeface="Times New Roman" charset="0"/>
+                <a:cs typeface="Times New Roman" charset="0"/>
+              </a:rPr>
+              <a:t> </a:t>
+            </a:r>
+          </a:p>
+          <a:p>
+            <a:r>
+              <a:rPr lang="en-US" altLang="zh-CN" sz="1800" dirty="0" smtClean="0">
+                <a:latin typeface="Times New Roman" charset="0"/>
+                <a:ea typeface="Times New Roman" charset="0"/>
+                <a:cs typeface="Times New Roman" charset="0"/>
+              </a:rPr>
+              <a:t>INFOCOM</a:t>
+            </a:r>
+            <a:r>
+              <a:rPr lang="zh-CN" altLang="en-US" sz="1800" dirty="0" smtClean="0">
+                <a:latin typeface="Times New Roman" charset="0"/>
+                <a:ea typeface="Times New Roman" charset="0"/>
+                <a:cs typeface="Times New Roman" charset="0"/>
+              </a:rPr>
+              <a:t> </a:t>
+            </a:r>
+            <a:r>
+              <a:rPr lang="en-US" altLang="zh-CN" sz="1800" dirty="0" smtClean="0">
+                <a:latin typeface="Times New Roman" charset="0"/>
+                <a:ea typeface="Times New Roman" charset="0"/>
+                <a:cs typeface="Times New Roman" charset="0"/>
+              </a:rPr>
+              <a:t>2017</a:t>
+            </a:r>
+          </a:p>
+          <a:p>
+            <a:endParaRPr lang="en-US" altLang="zh-CN" sz="1800" dirty="0">
+              <a:latin typeface="Times New Roman" charset="0"/>
+              <a:ea typeface="Times New Roman" charset="0"/>
+              <a:cs typeface="Times New Roman" charset="0"/>
+            </a:endParaRPr>
+          </a:p>
+          <a:p>
+            <a:r>
+              <a:rPr lang="en-US" altLang="zh-CN" sz="1800" dirty="0">
+                <a:latin typeface="Times New Roman" charset="0"/>
+                <a:ea typeface="Times New Roman" charset="0"/>
+                <a:cs typeface="Times New Roman" charset="0"/>
+              </a:rPr>
+              <a:t>O(</a:t>
+            </a:r>
+            <a:r>
+              <a:rPr lang="en-US" altLang="zh-CN" sz="1800" dirty="0" err="1">
+                <a:latin typeface="Times New Roman" charset="0"/>
+                <a:ea typeface="Times New Roman" charset="0"/>
+                <a:cs typeface="Times New Roman" charset="0"/>
+              </a:rPr>
+              <a:t>logN</a:t>
+            </a:r>
+            <a:r>
+              <a:rPr lang="en-US" altLang="zh-CN" sz="1800" dirty="0">
+                <a:latin typeface="Times New Roman" charset="0"/>
+                <a:ea typeface="Times New Roman" charset="0"/>
+                <a:cs typeface="Times New Roman" charset="0"/>
+              </a:rPr>
+              <a:t>) </a:t>
+            </a:r>
+            <a:r>
+              <a:rPr lang="en-US" altLang="zh-CN" sz="1800" dirty="0" smtClean="0">
+                <a:latin typeface="Times New Roman" charset="0"/>
+                <a:ea typeface="Times New Roman" charset="0"/>
+                <a:cs typeface="Times New Roman" charset="0"/>
+              </a:rPr>
+              <a:t> for  probability </a:t>
+            </a:r>
+            <a:r>
+              <a:rPr lang="de-DE" altLang="zh-CN" sz="1800" dirty="0" smtClean="0">
+                <a:latin typeface="Times New Roman" charset="0"/>
+                <a:ea typeface="Times New Roman" charset="0"/>
+                <a:cs typeface="Times New Roman" charset="0"/>
+              </a:rPr>
+              <a:t>1 </a:t>
+            </a:r>
+            <a:r>
+              <a:rPr lang="de-DE" altLang="zh-CN" sz="1800" dirty="0">
+                <a:latin typeface="Times New Roman" charset="0"/>
+                <a:ea typeface="Times New Roman" charset="0"/>
+                <a:cs typeface="Times New Roman" charset="0"/>
+              </a:rPr>
+              <a:t>− </a:t>
+            </a:r>
+            <a:r>
+              <a:rPr lang="de-DE" altLang="zh-CN" sz="1800" dirty="0" smtClean="0">
+                <a:latin typeface="Times New Roman" charset="0"/>
+                <a:ea typeface="Times New Roman" charset="0"/>
+                <a:cs typeface="Times New Roman" charset="0"/>
+              </a:rPr>
+              <a:t>O</a:t>
+            </a:r>
+            <a:r>
+              <a:rPr lang="en-US" altLang="zh-CN" sz="1800" dirty="0" smtClean="0">
+                <a:latin typeface="Times New Roman" charset="0"/>
+                <a:ea typeface="Times New Roman" charset="0"/>
+                <a:cs typeface="Times New Roman" charset="0"/>
+              </a:rPr>
+              <a:t>(1/N</a:t>
+            </a:r>
+            <a:r>
+              <a:rPr lang="en-US" altLang="zh-CN" sz="1800" baseline="30000" dirty="0" smtClean="0">
+                <a:latin typeface="Times New Roman" charset="0"/>
+                <a:ea typeface="Times New Roman" charset="0"/>
+                <a:cs typeface="Times New Roman" charset="0"/>
+              </a:rPr>
+              <a:t>2</a:t>
+            </a:r>
+            <a:r>
+              <a:rPr lang="en-US" altLang="zh-CN" sz="1800" dirty="0" smtClean="0">
+                <a:latin typeface="Times New Roman" charset="0"/>
+                <a:ea typeface="Times New Roman" charset="0"/>
+                <a:cs typeface="Times New Roman" charset="0"/>
+              </a:rPr>
+              <a:t>)</a:t>
+            </a:r>
+            <a:endParaRPr lang="de-DE" altLang="zh-CN" sz="1800" dirty="0">
+              <a:latin typeface="Times New Roman" charset="0"/>
+              <a:ea typeface="Times New Roman" charset="0"/>
+              <a:cs typeface="Times New Roman" charset="0"/>
+            </a:endParaRPr>
+          </a:p>
+          <a:p>
+            <a:endParaRPr lang="en-US" altLang="zh-CN" sz="1800" dirty="0">
+              <a:latin typeface="Times New Roman" charset="0"/>
+              <a:ea typeface="Times New Roman" charset="0"/>
+              <a:cs typeface="Times New Roman" charset="0"/>
+            </a:endParaRPr>
+          </a:p>
+          <a:p>
+            <a:endParaRPr lang="en-US" altLang="zh-CN" sz="1800" dirty="0">
+              <a:latin typeface="Times New Roman" charset="0"/>
+              <a:ea typeface="Times New Roman" charset="0"/>
+              <a:cs typeface="Times New Roman" charset="0"/>
+            </a:endParaRPr>
+          </a:p>
+          <a:p>
+            <a:endParaRPr lang="en-US" altLang="zh-CN" sz="1800" dirty="0" smtClean="0">
+              <a:latin typeface="Times New Roman" charset="0"/>
+              <a:ea typeface="Times New Roman" charset="0"/>
+              <a:cs typeface="Times New Roman" charset="0"/>
+            </a:endParaRPr>
+          </a:p>
+        </p:txBody>
+      </p:sp>
+      <p:sp>
+        <p:nvSpPr>
+          <p:cNvPr id="4" name="日期占位符 3"/>
+          <p:cNvSpPr>
+            <a:spLocks noGrp="1"/>
+          </p:cNvSpPr>
+          <p:nvPr>
+            <p:ph type="dt" sz="half" idx="10"/>
+          </p:nvPr>
+        </p:nvSpPr>
+        <p:spPr/>
+        <p:txBody>
+          <a:bodyPr/>
+          <a:lstStyle/>
+          <a:p>
+            <a:pPr>
+              <a:defRPr/>
+            </a:pPr>
+            <a:fld id="{1EF8A7FA-5522-479A-8698-B2B03B063E4C}" type="datetime1">
+              <a:rPr lang="zh-CN" altLang="en-US" smtClean="0"/>
+              <a:pPr>
+                <a:defRPr/>
+              </a:pPr>
+              <a:t>2018/11/7</a:t>
+            </a:fld>
+            <a:endParaRPr lang="en-US" altLang="zh-CN"/>
+          </a:p>
+        </p:txBody>
+      </p:sp>
+      <p:sp>
+        <p:nvSpPr>
+          <p:cNvPr id="5" name="灯片编号占位符 4"/>
+          <p:cNvSpPr>
+            <a:spLocks noGrp="1"/>
+          </p:cNvSpPr>
+          <p:nvPr>
+            <p:ph type="sldNum" sz="quarter" idx="12"/>
+          </p:nvPr>
+        </p:nvSpPr>
+        <p:spPr/>
+        <p:txBody>
+          <a:bodyPr/>
+          <a:lstStyle/>
+          <a:p>
+            <a:pPr>
+              <a:defRPr/>
+            </a:pPr>
+            <a:fld id="{4446BC8E-503C-458B-B3B7-290611512584}" type="slidenum">
+              <a:rPr lang="en-US" altLang="zh-CN" smtClean="0"/>
+              <a:pPr>
+                <a:defRPr/>
+              </a:pPr>
+              <a:t>11</a:t>
+            </a:fld>
+            <a:endParaRPr lang="en-US" altLang="zh-CN"/>
+          </a:p>
+        </p:txBody>
+      </p:sp>
+    </p:spTree>
+    <p:extLst>
+      <p:ext uri="{BB962C8B-B14F-4D97-AF65-F5344CB8AC3E}">
+        <p14:creationId xmlns:p14="http://schemas.microsoft.com/office/powerpoint/2010/main" val="835783399"/>
+      </p:ext>
+    </p:extLst>
+  </p:cSld>
+  <p:clrMapOvr>
+    <a:masterClrMapping/>
+  </p:clrMapOvr>
+  <p:timing>
+    <p:tnLst>
+      <p:par>
+        <p:cTn id="1" dur="indefinite" restart="never" nodeType="tmRoot"/>
+      </p:par>
+    </p:tnLst>
+  </p:timing>
+</p:sld>
+</file>
+
+<file path=ppt/slides/slide12.xml><?xml version="1.0" encoding="utf-8"?>
+<p:sld xmlns:a="http://schemas.openxmlformats.org/drawingml/2006/main" xmlns:r="http://schemas.openxmlformats.org/officeDocument/2006/relationships" xmlns:p="http://schemas.openxmlformats.org/presentationml/2006/main">
+  <p:cSld>
+    <p:spTree>
+      <p:nvGrpSpPr>
+        <p:cNvPr id="1" name=""/>
+        <p:cNvGrpSpPr/>
+        <p:nvPr/>
+      </p:nvGrpSpPr>
+      <p:grpSpPr>
+        <a:xfrm>
+          <a:off x="0" y="0"/>
+          <a:ext cx="0" cy="0"/>
+          <a:chOff x="0" y="0"/>
+          <a:chExt cx="0" cy="0"/>
+        </a:xfrm>
+      </p:grpSpPr>
+      <p:sp>
+        <p:nvSpPr>
+          <p:cNvPr id="2" name="标题 1"/>
+          <p:cNvSpPr>
+            <a:spLocks noGrp="1"/>
+          </p:cNvSpPr>
+          <p:nvPr>
+            <p:ph type="title"/>
+          </p:nvPr>
+        </p:nvSpPr>
+        <p:spPr/>
+        <p:txBody>
+          <a:bodyPr/>
+          <a:lstStyle/>
+          <a:p>
+            <a:r>
+              <a:rPr lang="en-US" altLang="zh-CN" dirty="0" smtClean="0"/>
+              <a:t>decentralized</a:t>
+            </a:r>
+            <a:endParaRPr lang="en-US" altLang="zh-CN" dirty="0"/>
+          </a:p>
+        </p:txBody>
+      </p:sp>
+      <p:sp>
+        <p:nvSpPr>
+          <p:cNvPr id="3" name="内容占位符 2"/>
+          <p:cNvSpPr>
+            <a:spLocks noGrp="1"/>
+          </p:cNvSpPr>
+          <p:nvPr>
+            <p:ph idx="1"/>
+          </p:nvPr>
+        </p:nvSpPr>
+        <p:spPr/>
+        <p:txBody>
+          <a:bodyPr/>
+          <a:lstStyle/>
+          <a:p>
+            <a:r>
+              <a:rPr lang="en-US" sz="1800" dirty="0">
+                <a:latin typeface="Times New Roman" charset="0"/>
+                <a:ea typeface="Times New Roman" charset="0"/>
+                <a:cs typeface="Times New Roman" charset="0"/>
+              </a:rPr>
+              <a:t>Stream: Decentralized Opportunistic Inter-</a:t>
+            </a:r>
+            <a:r>
+              <a:rPr lang="en-US" sz="1800" dirty="0" err="1">
+                <a:latin typeface="Times New Roman" charset="0"/>
+                <a:ea typeface="Times New Roman" charset="0"/>
+                <a:cs typeface="Times New Roman" charset="0"/>
+              </a:rPr>
+              <a:t>Coflow</a:t>
+            </a:r>
+            <a:r>
+              <a:rPr lang="en-US" sz="1800" dirty="0">
+                <a:latin typeface="Times New Roman" charset="0"/>
+                <a:ea typeface="Times New Roman" charset="0"/>
+                <a:cs typeface="Times New Roman" charset="0"/>
+              </a:rPr>
+              <a:t> Scheduling for Datacenter Networks </a:t>
+            </a:r>
+            <a:endParaRPr lang="zh-CN" altLang="en-US" sz="1800" dirty="0" smtClean="0">
+              <a:latin typeface="Times New Roman" charset="0"/>
+              <a:ea typeface="Times New Roman" charset="0"/>
+              <a:cs typeface="Times New Roman" charset="0"/>
+            </a:endParaRPr>
+          </a:p>
+          <a:p>
+            <a:r>
+              <a:rPr lang="en-US" sz="1800" dirty="0" err="1" smtClean="0">
+                <a:latin typeface="Times New Roman" charset="0"/>
+                <a:ea typeface="Times New Roman" charset="0"/>
+                <a:cs typeface="Times New Roman" charset="0"/>
+              </a:rPr>
+              <a:t>Hengky</a:t>
+            </a:r>
+            <a:r>
+              <a:rPr lang="en-US" sz="1800" dirty="0" smtClean="0">
+                <a:latin typeface="Times New Roman" charset="0"/>
+                <a:ea typeface="Times New Roman" charset="0"/>
+                <a:cs typeface="Times New Roman" charset="0"/>
+              </a:rPr>
+              <a:t> </a:t>
+            </a:r>
+            <a:r>
+              <a:rPr lang="en-US" sz="1800" dirty="0" err="1" smtClean="0">
+                <a:latin typeface="Times New Roman" charset="0"/>
+                <a:ea typeface="Times New Roman" charset="0"/>
+                <a:cs typeface="Times New Roman" charset="0"/>
+              </a:rPr>
+              <a:t>Susanto</a:t>
+            </a:r>
+            <a:r>
+              <a:rPr lang="en-US" sz="1800" dirty="0" smtClean="0">
+                <a:latin typeface="Times New Roman" charset="0"/>
+                <a:ea typeface="Times New Roman" charset="0"/>
+                <a:cs typeface="Times New Roman" charset="0"/>
+              </a:rPr>
+              <a:t>, </a:t>
+            </a:r>
+            <a:r>
+              <a:rPr lang="en-US" sz="1800" dirty="0" err="1" smtClean="0">
+                <a:latin typeface="Times New Roman" charset="0"/>
+                <a:ea typeface="Times New Roman" charset="0"/>
+                <a:cs typeface="Times New Roman" charset="0"/>
+              </a:rPr>
+              <a:t>Hao</a:t>
+            </a:r>
+            <a:r>
+              <a:rPr lang="en-US" sz="1800" dirty="0" smtClean="0">
+                <a:latin typeface="Times New Roman" charset="0"/>
+                <a:ea typeface="Times New Roman" charset="0"/>
+                <a:cs typeface="Times New Roman" charset="0"/>
+              </a:rPr>
+              <a:t> </a:t>
+            </a:r>
+            <a:r>
+              <a:rPr lang="en-US" sz="1800" dirty="0" err="1" smtClean="0">
+                <a:latin typeface="Times New Roman" charset="0"/>
+                <a:ea typeface="Times New Roman" charset="0"/>
+                <a:cs typeface="Times New Roman" charset="0"/>
+              </a:rPr>
+              <a:t>Jin</a:t>
+            </a:r>
+            <a:r>
+              <a:rPr lang="en-US" sz="1800" dirty="0" smtClean="0">
+                <a:latin typeface="Times New Roman" charset="0"/>
+                <a:ea typeface="Times New Roman" charset="0"/>
+                <a:cs typeface="Times New Roman" charset="0"/>
+              </a:rPr>
+              <a:t>, and Kai Chen </a:t>
+            </a:r>
+            <a:endParaRPr lang="en-US" sz="1800" dirty="0">
+              <a:latin typeface="Times New Roman" charset="0"/>
+              <a:ea typeface="Times New Roman" charset="0"/>
+              <a:cs typeface="Times New Roman" charset="0"/>
+            </a:endParaRPr>
+          </a:p>
+          <a:p>
+            <a:r>
+              <a:rPr lang="en-US" altLang="zh-CN" sz="1800" dirty="0" smtClean="0">
+                <a:latin typeface="Times New Roman" charset="0"/>
+                <a:ea typeface="Times New Roman" charset="0"/>
+                <a:cs typeface="Times New Roman" charset="0"/>
+              </a:rPr>
+              <a:t>ICNP</a:t>
+            </a:r>
+            <a:r>
+              <a:rPr lang="zh-CN" altLang="en-US" sz="1800" dirty="0" smtClean="0">
+                <a:latin typeface="Times New Roman" charset="0"/>
+                <a:ea typeface="Times New Roman" charset="0"/>
+                <a:cs typeface="Times New Roman" charset="0"/>
+              </a:rPr>
+              <a:t> </a:t>
+            </a:r>
+            <a:r>
+              <a:rPr lang="en-US" altLang="zh-CN" sz="1800" dirty="0" smtClean="0">
+                <a:latin typeface="Times New Roman" charset="0"/>
+                <a:ea typeface="Times New Roman" charset="0"/>
+                <a:cs typeface="Times New Roman" charset="0"/>
+              </a:rPr>
+              <a:t>2016</a:t>
+            </a:r>
+          </a:p>
+          <a:p>
+            <a:endParaRPr lang="en-US" altLang="zh-CN" sz="1800" dirty="0">
+              <a:latin typeface="Times New Roman" charset="0"/>
+              <a:ea typeface="Times New Roman" charset="0"/>
+              <a:cs typeface="Times New Roman" charset="0"/>
+            </a:endParaRPr>
+          </a:p>
+          <a:p>
+            <a:r>
+              <a:rPr lang="en-US" altLang="zh-CN" sz="1800" dirty="0" smtClean="0">
+                <a:latin typeface="Times New Roman" charset="0"/>
+                <a:ea typeface="Times New Roman" charset="0"/>
+                <a:cs typeface="Times New Roman" charset="0"/>
+              </a:rPr>
+              <a:t>inter-</a:t>
+            </a:r>
+            <a:r>
+              <a:rPr lang="en-US" altLang="zh-CN" sz="1800" dirty="0" err="1" smtClean="0">
+                <a:latin typeface="Times New Roman" charset="0"/>
+                <a:ea typeface="Times New Roman" charset="0"/>
+                <a:cs typeface="Times New Roman" charset="0"/>
+              </a:rPr>
+              <a:t>coflow</a:t>
+            </a:r>
+            <a:r>
+              <a:rPr lang="zh-CN" altLang="en-US" sz="1800" dirty="0" smtClean="0">
+                <a:latin typeface="Times New Roman" charset="0"/>
+                <a:ea typeface="Times New Roman" charset="0"/>
+                <a:cs typeface="Times New Roman" charset="0"/>
+              </a:rPr>
+              <a:t> </a:t>
+            </a:r>
+            <a:r>
+              <a:rPr lang="en-US" altLang="zh-CN" sz="1800" dirty="0" smtClean="0">
+                <a:latin typeface="Times New Roman" charset="0"/>
+                <a:ea typeface="Times New Roman" charset="0"/>
+                <a:cs typeface="Times New Roman" charset="0"/>
+              </a:rPr>
+              <a:t>LAS </a:t>
+            </a:r>
+            <a:endParaRPr lang="en-US" altLang="zh-CN" sz="1800" dirty="0">
+              <a:latin typeface="Times New Roman" charset="0"/>
+              <a:ea typeface="Times New Roman" charset="0"/>
+              <a:cs typeface="Times New Roman" charset="0"/>
+            </a:endParaRPr>
+          </a:p>
+          <a:p>
+            <a:r>
+              <a:rPr lang="en-US" altLang="zh-CN" sz="1800" dirty="0" smtClean="0">
+                <a:latin typeface="Times New Roman" charset="0"/>
+                <a:ea typeface="Times New Roman" charset="0"/>
+                <a:cs typeface="Times New Roman" charset="0"/>
+              </a:rPr>
+              <a:t>intra-</a:t>
+            </a:r>
+            <a:r>
+              <a:rPr lang="en-US" altLang="zh-CN" sz="1800" dirty="0" err="1" smtClean="0">
+                <a:latin typeface="Times New Roman" charset="0"/>
+                <a:ea typeface="Times New Roman" charset="0"/>
+                <a:cs typeface="Times New Roman" charset="0"/>
+              </a:rPr>
+              <a:t>coflow</a:t>
+            </a:r>
+            <a:r>
+              <a:rPr lang="zh-CN" altLang="en-US" sz="1800" dirty="0" smtClean="0">
+                <a:latin typeface="Times New Roman" charset="0"/>
+                <a:ea typeface="Times New Roman" charset="0"/>
+                <a:cs typeface="Times New Roman" charset="0"/>
+              </a:rPr>
+              <a:t> </a:t>
+            </a:r>
+            <a:r>
+              <a:rPr lang="en-US" altLang="zh-CN" sz="1800" dirty="0" smtClean="0">
+                <a:latin typeface="Times New Roman" charset="0"/>
+                <a:ea typeface="Times New Roman" charset="0"/>
+                <a:cs typeface="Times New Roman" charset="0"/>
+              </a:rPr>
+              <a:t>LAS</a:t>
+            </a:r>
+          </a:p>
+          <a:p>
+            <a:endParaRPr lang="en-US" altLang="zh-CN" sz="1800" dirty="0">
+              <a:latin typeface="Times New Roman" charset="0"/>
+              <a:ea typeface="Times New Roman" charset="0"/>
+              <a:cs typeface="Times New Roman" charset="0"/>
+            </a:endParaRPr>
+          </a:p>
+          <a:p>
+            <a:r>
+              <a:rPr lang="en-US" altLang="zh-CN" sz="1800" dirty="0" smtClean="0">
+                <a:latin typeface="Times New Roman" charset="0"/>
+                <a:ea typeface="Times New Roman" charset="0"/>
+                <a:cs typeface="Times New Roman" charset="0"/>
+              </a:rPr>
+              <a:t>Many-one pattern</a:t>
+            </a:r>
+          </a:p>
+        </p:txBody>
+      </p:sp>
+      <p:sp>
+        <p:nvSpPr>
+          <p:cNvPr id="4" name="日期占位符 3"/>
+          <p:cNvSpPr>
+            <a:spLocks noGrp="1"/>
+          </p:cNvSpPr>
+          <p:nvPr>
+            <p:ph type="dt" sz="half" idx="10"/>
+          </p:nvPr>
+        </p:nvSpPr>
+        <p:spPr/>
+        <p:txBody>
+          <a:bodyPr/>
+          <a:lstStyle/>
+          <a:p>
+            <a:pPr>
+              <a:defRPr/>
+            </a:pPr>
+            <a:fld id="{1EF8A7FA-5522-479A-8698-B2B03B063E4C}" type="datetime1">
+              <a:rPr lang="zh-CN" altLang="en-US" smtClean="0"/>
+              <a:pPr>
+                <a:defRPr/>
+              </a:pPr>
+              <a:t>2018/11/7</a:t>
+            </a:fld>
+            <a:endParaRPr lang="en-US" altLang="zh-CN"/>
+          </a:p>
+        </p:txBody>
+      </p:sp>
+      <p:sp>
+        <p:nvSpPr>
+          <p:cNvPr id="5" name="灯片编号占位符 4"/>
+          <p:cNvSpPr>
+            <a:spLocks noGrp="1"/>
+          </p:cNvSpPr>
+          <p:nvPr>
+            <p:ph type="sldNum" sz="quarter" idx="12"/>
+          </p:nvPr>
+        </p:nvSpPr>
+        <p:spPr/>
+        <p:txBody>
+          <a:bodyPr/>
+          <a:lstStyle/>
+          <a:p>
+            <a:pPr>
+              <a:defRPr/>
+            </a:pPr>
+            <a:fld id="{4446BC8E-503C-458B-B3B7-290611512584}" type="slidenum">
+              <a:rPr lang="en-US" altLang="zh-CN" smtClean="0"/>
+              <a:pPr>
+                <a:defRPr/>
+              </a:pPr>
+              <a:t>12</a:t>
+            </a:fld>
+            <a:endParaRPr lang="en-US" altLang="zh-CN"/>
+          </a:p>
+        </p:txBody>
+      </p:sp>
+      <p:pic>
+        <p:nvPicPr>
+          <p:cNvPr id="8" name="图片 7"/>
+          <p:cNvPicPr>
+            <a:picLocks noChangeAspect="1"/>
+          </p:cNvPicPr>
+          <p:nvPr/>
+        </p:nvPicPr>
+        <p:blipFill>
+          <a:blip r:embed="rId2"/>
+          <a:stretch>
+            <a:fillRect/>
+          </a:stretch>
+        </p:blipFill>
+        <p:spPr>
+          <a:xfrm>
+            <a:off x="2852999" y="2564904"/>
+            <a:ext cx="6075566" cy="3384376"/>
+          </a:xfrm>
+          <a:prstGeom prst="rect">
+            <a:avLst/>
+          </a:prstGeom>
+        </p:spPr>
+      </p:pic>
+    </p:spTree>
+    <p:extLst>
+      <p:ext uri="{BB962C8B-B14F-4D97-AF65-F5344CB8AC3E}">
+        <p14:creationId xmlns:p14="http://schemas.microsoft.com/office/powerpoint/2010/main" val="313475182"/>
+      </p:ext>
+    </p:extLst>
+  </p:cSld>
+  <p:clrMapOvr>
+    <a:masterClrMapping/>
+  </p:clrMapOvr>
+  <p:timing>
+    <p:tnLst>
+      <p:par>
+        <p:cTn id="1" dur="indefinite" restart="never" nodeType="tmRoot"/>
+      </p:par>
+    </p:tnLst>
+  </p:timing>
+</p:sld>
+</file>
+
+<file path=ppt/slides/slide13.xml><?xml version="1.0" encoding="utf-8"?>
+<p:sld xmlns:a="http://schemas.openxmlformats.org/drawingml/2006/main" xmlns:r="http://schemas.openxmlformats.org/officeDocument/2006/relationships" xmlns:p="http://schemas.openxmlformats.org/presentationml/2006/main">
+  <p:cSld>
+    <p:spTree>
+      <p:nvGrpSpPr>
+        <p:cNvPr id="1" name=""/>
+        <p:cNvGrpSpPr/>
+        <p:nvPr/>
+      </p:nvGrpSpPr>
+      <p:grpSpPr>
+        <a:xfrm>
+          <a:off x="0" y="0"/>
+          <a:ext cx="0" cy="0"/>
+          <a:chOff x="0" y="0"/>
+          <a:chExt cx="0" cy="0"/>
+        </a:xfrm>
+      </p:grpSpPr>
+      <p:sp>
+        <p:nvSpPr>
+          <p:cNvPr id="2" name="标题 1"/>
+          <p:cNvSpPr>
+            <a:spLocks noGrp="1"/>
+          </p:cNvSpPr>
+          <p:nvPr>
+            <p:ph type="title"/>
+          </p:nvPr>
+        </p:nvSpPr>
+        <p:spPr/>
+        <p:txBody>
+          <a:bodyPr/>
+          <a:lstStyle/>
+          <a:p>
+            <a:r>
+              <a:rPr lang="en-US" altLang="zh-CN" dirty="0" smtClean="0"/>
+              <a:t>Multi-stage</a:t>
+            </a:r>
+            <a:endParaRPr lang="en-US" altLang="zh-CN" dirty="0"/>
+          </a:p>
+        </p:txBody>
+      </p:sp>
+      <p:sp>
+        <p:nvSpPr>
+          <p:cNvPr id="3" name="内容占位符 2"/>
+          <p:cNvSpPr>
+            <a:spLocks noGrp="1"/>
+          </p:cNvSpPr>
+          <p:nvPr>
+            <p:ph idx="1"/>
+          </p:nvPr>
+        </p:nvSpPr>
+        <p:spPr/>
+        <p:txBody>
+          <a:bodyPr/>
+          <a:lstStyle/>
+          <a:p>
+            <a:r>
+              <a:rPr lang="en-US" sz="1800" dirty="0">
+                <a:latin typeface="Times New Roman" charset="0"/>
+                <a:ea typeface="Times New Roman" charset="0"/>
+                <a:cs typeface="Times New Roman" charset="0"/>
+              </a:rPr>
+              <a:t>Scheduling </a:t>
+            </a:r>
+            <a:r>
+              <a:rPr lang="en-US" sz="1800" dirty="0" err="1">
+                <a:latin typeface="Times New Roman" charset="0"/>
+                <a:ea typeface="Times New Roman" charset="0"/>
+                <a:cs typeface="Times New Roman" charset="0"/>
+              </a:rPr>
+              <a:t>Coflows</a:t>
+            </a:r>
+            <a:r>
+              <a:rPr lang="en-US" sz="1800" dirty="0">
+                <a:latin typeface="Times New Roman" charset="0"/>
+                <a:ea typeface="Times New Roman" charset="0"/>
+                <a:cs typeface="Times New Roman" charset="0"/>
+              </a:rPr>
+              <a:t> of Multi-stage Jobs to Minimize the Total Weighted Job Completion Time </a:t>
+            </a:r>
+            <a:endParaRPr lang="zh-CN" altLang="en-US" sz="1800" dirty="0" smtClean="0">
+              <a:latin typeface="Times New Roman" charset="0"/>
+              <a:ea typeface="Times New Roman" charset="0"/>
+              <a:cs typeface="Times New Roman" charset="0"/>
+            </a:endParaRPr>
+          </a:p>
+          <a:p>
+            <a:r>
+              <a:rPr lang="en-US" sz="1800" dirty="0" err="1">
+                <a:latin typeface="Times New Roman" charset="0"/>
+                <a:ea typeface="Times New Roman" charset="0"/>
+                <a:cs typeface="Times New Roman" charset="0"/>
+              </a:rPr>
+              <a:t>Bingchuan</a:t>
+            </a:r>
+            <a:r>
+              <a:rPr lang="en-US" sz="1800" dirty="0">
+                <a:latin typeface="Times New Roman" charset="0"/>
+                <a:ea typeface="Times New Roman" charset="0"/>
+                <a:cs typeface="Times New Roman" charset="0"/>
+              </a:rPr>
+              <a:t> Tian, Chen Tian, </a:t>
+            </a:r>
+            <a:r>
+              <a:rPr lang="en-US" sz="1800" dirty="0" err="1">
+                <a:latin typeface="Times New Roman" charset="0"/>
+                <a:ea typeface="Times New Roman" charset="0"/>
+                <a:cs typeface="Times New Roman" charset="0"/>
+              </a:rPr>
+              <a:t>Haipeng</a:t>
+            </a:r>
+            <a:r>
+              <a:rPr lang="en-US" sz="1800" dirty="0">
+                <a:latin typeface="Times New Roman" charset="0"/>
+                <a:ea typeface="Times New Roman" charset="0"/>
+                <a:cs typeface="Times New Roman" charset="0"/>
+              </a:rPr>
+              <a:t> Dai, and </a:t>
+            </a:r>
+            <a:r>
+              <a:rPr lang="en-US" sz="1800" dirty="0" err="1">
+                <a:latin typeface="Times New Roman" charset="0"/>
+                <a:ea typeface="Times New Roman" charset="0"/>
+                <a:cs typeface="Times New Roman" charset="0"/>
+              </a:rPr>
+              <a:t>Bingquan</a:t>
+            </a:r>
+            <a:r>
+              <a:rPr lang="en-US" sz="1800" dirty="0">
+                <a:latin typeface="Times New Roman" charset="0"/>
+                <a:ea typeface="Times New Roman" charset="0"/>
+                <a:cs typeface="Times New Roman" charset="0"/>
+              </a:rPr>
+              <a:t> </a:t>
+            </a:r>
+            <a:r>
+              <a:rPr lang="en-US" sz="1800" dirty="0" smtClean="0">
+                <a:latin typeface="Times New Roman" charset="0"/>
+                <a:ea typeface="Times New Roman" charset="0"/>
+                <a:cs typeface="Times New Roman" charset="0"/>
+              </a:rPr>
+              <a:t>Wang </a:t>
+            </a:r>
+            <a:endParaRPr lang="en-US" sz="1800" dirty="0">
+              <a:latin typeface="Times New Roman" charset="0"/>
+              <a:ea typeface="Times New Roman" charset="0"/>
+              <a:cs typeface="Times New Roman" charset="0"/>
+            </a:endParaRPr>
+          </a:p>
+          <a:p>
+            <a:r>
+              <a:rPr lang="en-US" altLang="zh-CN" sz="1800" dirty="0" smtClean="0">
+                <a:latin typeface="Times New Roman" charset="0"/>
+                <a:ea typeface="Times New Roman" charset="0"/>
+                <a:cs typeface="Times New Roman" charset="0"/>
+              </a:rPr>
+              <a:t>INFOCOM</a:t>
+            </a:r>
+            <a:r>
+              <a:rPr lang="zh-CN" altLang="en-US" sz="1800" dirty="0" smtClean="0">
+                <a:latin typeface="Times New Roman" charset="0"/>
+                <a:ea typeface="Times New Roman" charset="0"/>
+                <a:cs typeface="Times New Roman" charset="0"/>
+              </a:rPr>
+              <a:t> </a:t>
+            </a:r>
+            <a:r>
+              <a:rPr lang="en-US" altLang="zh-CN" sz="1800" dirty="0" smtClean="0">
+                <a:latin typeface="Times New Roman" charset="0"/>
+                <a:ea typeface="Times New Roman" charset="0"/>
+                <a:cs typeface="Times New Roman" charset="0"/>
+              </a:rPr>
+              <a:t>2018</a:t>
+            </a:r>
+          </a:p>
+          <a:p>
+            <a:endParaRPr lang="en-US" altLang="zh-CN" sz="1800" dirty="0" smtClean="0">
+              <a:latin typeface="Times New Roman" charset="0"/>
+              <a:ea typeface="Times New Roman" charset="0"/>
+              <a:cs typeface="Times New Roman" charset="0"/>
+            </a:endParaRPr>
+          </a:p>
+          <a:p>
+            <a:endParaRPr lang="en-US" altLang="zh-CN" sz="1800" dirty="0">
+              <a:latin typeface="Times New Roman" charset="0"/>
+              <a:ea typeface="Times New Roman" charset="0"/>
+              <a:cs typeface="Times New Roman" charset="0"/>
+            </a:endParaRPr>
+          </a:p>
+          <a:p>
+            <a:r>
+              <a:rPr lang="en-US" altLang="zh-CN" sz="1800" dirty="0">
+                <a:latin typeface="Times New Roman" charset="0"/>
+                <a:ea typeface="Times New Roman" charset="0"/>
+                <a:cs typeface="Times New Roman" charset="0"/>
+              </a:rPr>
+              <a:t>approximation </a:t>
+            </a:r>
+            <a:r>
+              <a:rPr lang="en-US" altLang="zh-CN" sz="1800" dirty="0" smtClean="0">
+                <a:latin typeface="Times New Roman" charset="0"/>
+                <a:ea typeface="Times New Roman" charset="0"/>
+                <a:cs typeface="Times New Roman" charset="0"/>
+              </a:rPr>
+              <a:t> 2M+1</a:t>
+            </a:r>
+            <a:endParaRPr lang="en-US" altLang="zh-CN" sz="1800" dirty="0">
+              <a:latin typeface="Times New Roman" charset="0"/>
+              <a:ea typeface="Times New Roman" charset="0"/>
+              <a:cs typeface="Times New Roman" charset="0"/>
+            </a:endParaRPr>
+          </a:p>
+        </p:txBody>
+      </p:sp>
+      <p:sp>
+        <p:nvSpPr>
+          <p:cNvPr id="4" name="日期占位符 3"/>
+          <p:cNvSpPr>
+            <a:spLocks noGrp="1"/>
+          </p:cNvSpPr>
+          <p:nvPr>
+            <p:ph type="dt" sz="half" idx="10"/>
+          </p:nvPr>
+        </p:nvSpPr>
+        <p:spPr/>
+        <p:txBody>
+          <a:bodyPr/>
+          <a:lstStyle/>
+          <a:p>
+            <a:pPr>
+              <a:defRPr/>
+            </a:pPr>
+            <a:fld id="{1EF8A7FA-5522-479A-8698-B2B03B063E4C}" type="datetime1">
+              <a:rPr lang="zh-CN" altLang="en-US" smtClean="0"/>
+              <a:pPr>
+                <a:defRPr/>
+              </a:pPr>
+              <a:t>2018/11/7</a:t>
+            </a:fld>
+            <a:endParaRPr lang="en-US" altLang="zh-CN"/>
+          </a:p>
+        </p:txBody>
+      </p:sp>
+      <p:sp>
+        <p:nvSpPr>
+          <p:cNvPr id="5" name="灯片编号占位符 4"/>
+          <p:cNvSpPr>
+            <a:spLocks noGrp="1"/>
+          </p:cNvSpPr>
+          <p:nvPr>
+            <p:ph type="sldNum" sz="quarter" idx="12"/>
+          </p:nvPr>
+        </p:nvSpPr>
+        <p:spPr/>
+        <p:txBody>
+          <a:bodyPr/>
+          <a:lstStyle/>
+          <a:p>
+            <a:pPr>
+              <a:defRPr/>
+            </a:pPr>
+            <a:fld id="{4446BC8E-503C-458B-B3B7-290611512584}" type="slidenum">
+              <a:rPr lang="en-US" altLang="zh-CN" smtClean="0"/>
+              <a:pPr>
+                <a:defRPr/>
+              </a:pPr>
+              <a:t>13</a:t>
+            </a:fld>
+            <a:endParaRPr lang="en-US" altLang="zh-CN"/>
+          </a:p>
+        </p:txBody>
+      </p:sp>
+    </p:spTree>
+    <p:extLst>
+      <p:ext uri="{BB962C8B-B14F-4D97-AF65-F5344CB8AC3E}">
+        <p14:creationId xmlns:p14="http://schemas.microsoft.com/office/powerpoint/2010/main" val="1220948292"/>
+      </p:ext>
+    </p:extLst>
+  </p:cSld>
+  <p:clrMapOvr>
+    <a:masterClrMapping/>
+  </p:clrMapOvr>
+  <p:timing>
+    <p:tnLst>
+      <p:par>
+        <p:cTn id="1" dur="indefinite" restart="never" nodeType="tmRoot"/>
+      </p:par>
+    </p:tnLst>
+  </p:timing>
+</p:sld>
+</file>
+
+<file path=ppt/slides/slide14.xml><?xml version="1.0" encoding="utf-8"?>
+<p:sld xmlns:a="http://schemas.openxmlformats.org/drawingml/2006/main" xmlns:r="http://schemas.openxmlformats.org/officeDocument/2006/relationships" xmlns:p="http://schemas.openxmlformats.org/presentationml/2006/main">
+  <p:cSld>
+    <p:spTree>
+      <p:nvGrpSpPr>
+        <p:cNvPr id="1" name=""/>
+        <p:cNvGrpSpPr/>
+        <p:nvPr/>
+      </p:nvGrpSpPr>
+      <p:grpSpPr>
+        <a:xfrm>
+          <a:off x="0" y="0"/>
+          <a:ext cx="0" cy="0"/>
+          <a:chOff x="0" y="0"/>
+          <a:chExt cx="0" cy="0"/>
+        </a:xfrm>
+      </p:grpSpPr>
+      <p:sp>
+        <p:nvSpPr>
+          <p:cNvPr id="2" name="标题 1"/>
+          <p:cNvSpPr>
+            <a:spLocks noGrp="1"/>
+          </p:cNvSpPr>
+          <p:nvPr>
+            <p:ph type="title"/>
+          </p:nvPr>
+        </p:nvSpPr>
+        <p:spPr/>
+        <p:txBody>
+          <a:bodyPr/>
+          <a:lstStyle/>
+          <a:p>
+            <a:r>
+              <a:rPr lang="en-US" altLang="zh-CN" dirty="0" smtClean="0"/>
+              <a:t>Fairness</a:t>
+            </a:r>
+            <a:endParaRPr lang="en-US" altLang="zh-CN" dirty="0"/>
+          </a:p>
+        </p:txBody>
+      </p:sp>
+      <p:sp>
+        <p:nvSpPr>
+          <p:cNvPr id="3" name="内容占位符 2"/>
+          <p:cNvSpPr>
+            <a:spLocks noGrp="1"/>
+          </p:cNvSpPr>
+          <p:nvPr>
+            <p:ph idx="1"/>
+          </p:nvPr>
+        </p:nvSpPr>
+        <p:spPr/>
+        <p:txBody>
+          <a:bodyPr/>
+          <a:lstStyle/>
+          <a:p>
+            <a:r>
+              <a:rPr lang="en-US" sz="1800" dirty="0">
+                <a:latin typeface="Times New Roman" charset="0"/>
+                <a:ea typeface="Times New Roman" charset="0"/>
+                <a:cs typeface="Times New Roman" charset="0"/>
+              </a:rPr>
+              <a:t>HUG Multi-Resource Fairness for Correlated and Elastic Demands </a:t>
+            </a:r>
+            <a:endParaRPr lang="zh-CN" altLang="en-US" sz="1800" dirty="0" smtClean="0">
+              <a:latin typeface="Times New Roman" charset="0"/>
+              <a:ea typeface="Times New Roman" charset="0"/>
+              <a:cs typeface="Times New Roman" charset="0"/>
+            </a:endParaRPr>
+          </a:p>
+          <a:p>
+            <a:r>
+              <a:rPr lang="en-US" sz="1800" dirty="0" err="1">
+                <a:latin typeface="Times New Roman" charset="0"/>
+                <a:ea typeface="Times New Roman" charset="0"/>
+                <a:cs typeface="Times New Roman" charset="0"/>
+              </a:rPr>
+              <a:t>Mosharaf</a:t>
+            </a:r>
+            <a:r>
+              <a:rPr lang="en-US" sz="1800" dirty="0">
+                <a:latin typeface="Times New Roman" charset="0"/>
+                <a:ea typeface="Times New Roman" charset="0"/>
+                <a:cs typeface="Times New Roman" charset="0"/>
+              </a:rPr>
+              <a:t> Chowdhury, </a:t>
+            </a:r>
+            <a:r>
+              <a:rPr lang="en-US" sz="1800" dirty="0" err="1">
+                <a:latin typeface="Times New Roman" charset="0"/>
+                <a:ea typeface="Times New Roman" charset="0"/>
+                <a:cs typeface="Times New Roman" charset="0"/>
+              </a:rPr>
+              <a:t>Zhenhua</a:t>
+            </a:r>
+            <a:r>
+              <a:rPr lang="en-US" sz="1800" dirty="0">
+                <a:latin typeface="Times New Roman" charset="0"/>
+                <a:ea typeface="Times New Roman" charset="0"/>
+                <a:cs typeface="Times New Roman" charset="0"/>
+              </a:rPr>
+              <a:t> </a:t>
+            </a:r>
+            <a:r>
+              <a:rPr lang="en-US" sz="1800" dirty="0" smtClean="0">
+                <a:latin typeface="Times New Roman" charset="0"/>
+                <a:ea typeface="Times New Roman" charset="0"/>
+                <a:cs typeface="Times New Roman" charset="0"/>
+              </a:rPr>
+              <a:t>Liu</a:t>
+            </a:r>
+            <a:r>
+              <a:rPr lang="en-US" sz="1800" dirty="0">
+                <a:latin typeface="Times New Roman" charset="0"/>
+                <a:ea typeface="Times New Roman" charset="0"/>
+                <a:cs typeface="Times New Roman" charset="0"/>
+              </a:rPr>
+              <a:t>, Ali </a:t>
+            </a:r>
+            <a:r>
+              <a:rPr lang="en-US" sz="1800" dirty="0" err="1">
+                <a:latin typeface="Times New Roman" charset="0"/>
+                <a:ea typeface="Times New Roman" charset="0"/>
+                <a:cs typeface="Times New Roman" charset="0"/>
+              </a:rPr>
+              <a:t>Ghodsi</a:t>
+            </a:r>
+            <a:r>
+              <a:rPr lang="en-US" sz="1800" dirty="0">
+                <a:latin typeface="Times New Roman" charset="0"/>
+                <a:ea typeface="Times New Roman" charset="0"/>
+                <a:cs typeface="Times New Roman" charset="0"/>
+              </a:rPr>
+              <a:t> and Ion </a:t>
+            </a:r>
+            <a:r>
+              <a:rPr lang="en-US" sz="1800" dirty="0" err="1">
+                <a:latin typeface="Times New Roman" charset="0"/>
+                <a:ea typeface="Times New Roman" charset="0"/>
+                <a:cs typeface="Times New Roman" charset="0"/>
+              </a:rPr>
+              <a:t>Stoica</a:t>
+            </a:r>
+            <a:r>
+              <a:rPr lang="en-US" sz="1800" dirty="0">
+                <a:latin typeface="Times New Roman" charset="0"/>
+                <a:ea typeface="Times New Roman" charset="0"/>
+                <a:cs typeface="Times New Roman" charset="0"/>
+              </a:rPr>
+              <a:t> </a:t>
+            </a:r>
+          </a:p>
+          <a:p>
+            <a:r>
+              <a:rPr lang="en-US" altLang="zh-CN" sz="1800" dirty="0" smtClean="0">
+                <a:latin typeface="Times New Roman" charset="0"/>
+                <a:ea typeface="Times New Roman" charset="0"/>
+                <a:cs typeface="Times New Roman" charset="0"/>
+              </a:rPr>
+              <a:t>NSDI</a:t>
+            </a:r>
+            <a:r>
+              <a:rPr lang="zh-CN" altLang="en-US" sz="1800" dirty="0" smtClean="0">
+                <a:latin typeface="Times New Roman" charset="0"/>
+                <a:ea typeface="Times New Roman" charset="0"/>
+                <a:cs typeface="Times New Roman" charset="0"/>
+              </a:rPr>
+              <a:t> </a:t>
+            </a:r>
+            <a:r>
+              <a:rPr lang="en-US" altLang="zh-CN" sz="1800" dirty="0" smtClean="0">
+                <a:latin typeface="Times New Roman" charset="0"/>
+                <a:ea typeface="Times New Roman" charset="0"/>
+                <a:cs typeface="Times New Roman" charset="0"/>
+              </a:rPr>
+              <a:t>2016</a:t>
+            </a:r>
+          </a:p>
+          <a:p>
+            <a:endParaRPr lang="en-US" altLang="zh-CN" sz="1800" dirty="0">
+              <a:latin typeface="Times New Roman" charset="0"/>
+              <a:ea typeface="Times New Roman" charset="0"/>
+              <a:cs typeface="Times New Roman" charset="0"/>
+            </a:endParaRPr>
+          </a:p>
+          <a:p>
+            <a:r>
+              <a:rPr lang="en-US" altLang="zh-CN" sz="1800" dirty="0" smtClean="0">
+                <a:latin typeface="Times New Roman" charset="0"/>
+                <a:ea typeface="Times New Roman" charset="0"/>
+                <a:cs typeface="Times New Roman" charset="0"/>
+              </a:rPr>
+              <a:t>inter-</a:t>
+            </a:r>
+            <a:r>
+              <a:rPr lang="en-US" altLang="zh-CN" sz="1800" dirty="0" err="1" smtClean="0">
+                <a:latin typeface="Times New Roman" charset="0"/>
+                <a:ea typeface="Times New Roman" charset="0"/>
+                <a:cs typeface="Times New Roman" charset="0"/>
+              </a:rPr>
+              <a:t>coflow</a:t>
+            </a:r>
+            <a:r>
+              <a:rPr lang="zh-CN" altLang="en-US" sz="1800" dirty="0" smtClean="0">
+                <a:latin typeface="Times New Roman" charset="0"/>
+                <a:ea typeface="Times New Roman" charset="0"/>
+                <a:cs typeface="Times New Roman" charset="0"/>
+              </a:rPr>
+              <a:t> </a:t>
+            </a:r>
+            <a:r>
+              <a:rPr lang="en-US" altLang="zh-CN" sz="1800" dirty="0" smtClean="0">
+                <a:latin typeface="Times New Roman" charset="0"/>
+                <a:ea typeface="Times New Roman" charset="0"/>
+                <a:cs typeface="Times New Roman" charset="0"/>
+              </a:rPr>
+              <a:t>DRF </a:t>
+            </a:r>
+            <a:endParaRPr lang="en-US" altLang="zh-CN" sz="1800" dirty="0">
+              <a:latin typeface="Times New Roman" charset="0"/>
+              <a:ea typeface="Times New Roman" charset="0"/>
+              <a:cs typeface="Times New Roman" charset="0"/>
+            </a:endParaRPr>
+          </a:p>
+          <a:p>
+            <a:r>
+              <a:rPr lang="en-US" altLang="zh-CN" sz="1800" dirty="0" smtClean="0">
+                <a:latin typeface="Times New Roman" charset="0"/>
+                <a:ea typeface="Times New Roman" charset="0"/>
+                <a:cs typeface="Times New Roman" charset="0"/>
+              </a:rPr>
+              <a:t>intra-</a:t>
+            </a:r>
+            <a:r>
+              <a:rPr lang="en-US" altLang="zh-CN" sz="1800" dirty="0" err="1" smtClean="0">
+                <a:latin typeface="Times New Roman" charset="0"/>
+                <a:ea typeface="Times New Roman" charset="0"/>
+                <a:cs typeface="Times New Roman" charset="0"/>
+              </a:rPr>
+              <a:t>coflow</a:t>
+            </a:r>
+            <a:r>
+              <a:rPr lang="zh-CN" altLang="en-US" sz="1800" dirty="0" smtClean="0">
+                <a:latin typeface="Times New Roman" charset="0"/>
+                <a:ea typeface="Times New Roman" charset="0"/>
+                <a:cs typeface="Times New Roman" charset="0"/>
+              </a:rPr>
+              <a:t> </a:t>
+            </a:r>
+            <a:r>
+              <a:rPr lang="en-US" altLang="zh-CN" sz="1800" dirty="0" smtClean="0">
+                <a:latin typeface="Times New Roman" charset="0"/>
+                <a:ea typeface="Times New Roman" charset="0"/>
+                <a:cs typeface="Times New Roman" charset="0"/>
+              </a:rPr>
+              <a:t>fair sharing</a:t>
+            </a:r>
+          </a:p>
+          <a:p>
+            <a:endParaRPr lang="en-US" altLang="zh-CN" sz="1800" dirty="0">
+              <a:latin typeface="Times New Roman" charset="0"/>
+              <a:ea typeface="Times New Roman" charset="0"/>
+              <a:cs typeface="Times New Roman" charset="0"/>
+            </a:endParaRPr>
+          </a:p>
+        </p:txBody>
+      </p:sp>
+      <p:sp>
+        <p:nvSpPr>
+          <p:cNvPr id="4" name="日期占位符 3"/>
+          <p:cNvSpPr>
+            <a:spLocks noGrp="1"/>
+          </p:cNvSpPr>
+          <p:nvPr>
+            <p:ph type="dt" sz="half" idx="10"/>
+          </p:nvPr>
+        </p:nvSpPr>
+        <p:spPr/>
+        <p:txBody>
+          <a:bodyPr/>
+          <a:lstStyle/>
+          <a:p>
+            <a:pPr>
+              <a:defRPr/>
+            </a:pPr>
+            <a:fld id="{1EF8A7FA-5522-479A-8698-B2B03B063E4C}" type="datetime1">
+              <a:rPr lang="zh-CN" altLang="en-US" smtClean="0"/>
+              <a:pPr>
+                <a:defRPr/>
+              </a:pPr>
+              <a:t>2018/11/7</a:t>
+            </a:fld>
+            <a:endParaRPr lang="en-US" altLang="zh-CN"/>
+          </a:p>
+        </p:txBody>
+      </p:sp>
+      <p:sp>
+        <p:nvSpPr>
+          <p:cNvPr id="5" name="灯片编号占位符 4"/>
+          <p:cNvSpPr>
+            <a:spLocks noGrp="1"/>
+          </p:cNvSpPr>
+          <p:nvPr>
+            <p:ph type="sldNum" sz="quarter" idx="12"/>
+          </p:nvPr>
+        </p:nvSpPr>
+        <p:spPr/>
+        <p:txBody>
+          <a:bodyPr/>
+          <a:lstStyle/>
+          <a:p>
+            <a:pPr>
+              <a:defRPr/>
+            </a:pPr>
+            <a:fld id="{4446BC8E-503C-458B-B3B7-290611512584}" type="slidenum">
+              <a:rPr lang="en-US" altLang="zh-CN" smtClean="0"/>
+              <a:pPr>
+                <a:defRPr/>
+              </a:pPr>
+              <a:t>14</a:t>
+            </a:fld>
+            <a:endParaRPr lang="en-US" altLang="zh-CN"/>
+          </a:p>
+        </p:txBody>
+      </p:sp>
+      <p:pic>
+        <p:nvPicPr>
+          <p:cNvPr id="6" name="图片 5"/>
+          <p:cNvPicPr>
+            <a:picLocks noChangeAspect="1"/>
+          </p:cNvPicPr>
+          <p:nvPr/>
+        </p:nvPicPr>
+        <p:blipFill>
+          <a:blip r:embed="rId2"/>
+          <a:stretch>
+            <a:fillRect/>
+          </a:stretch>
+        </p:blipFill>
+        <p:spPr>
+          <a:xfrm>
+            <a:off x="3294477" y="2473792"/>
+            <a:ext cx="5334000" cy="3378200"/>
+          </a:xfrm>
+          <a:prstGeom prst="rect">
+            <a:avLst/>
+          </a:prstGeom>
+        </p:spPr>
+      </p:pic>
+    </p:spTree>
+    <p:extLst>
+      <p:ext uri="{BB962C8B-B14F-4D97-AF65-F5344CB8AC3E}">
+        <p14:creationId xmlns:p14="http://schemas.microsoft.com/office/powerpoint/2010/main" val="1779367576"/>
+      </p:ext>
+    </p:extLst>
+  </p:cSld>
+  <p:clrMapOvr>
+    <a:masterClrMapping/>
+  </p:clrMapOvr>
+  <p:timing>
+    <p:tnLst>
+      <p:par>
+        <p:cTn id="1" dur="indefinite" restart="never" nodeType="tmRoot"/>
+      </p:par>
+    </p:tnLst>
+  </p:timing>
+</p:sld>
+</file>
+
+<file path=ppt/slides/slide15.xml><?xml version="1.0" encoding="utf-8"?>
+<p:sld xmlns:a="http://schemas.openxmlformats.org/drawingml/2006/main" xmlns:r="http://schemas.openxmlformats.org/officeDocument/2006/relationships" xmlns:p="http://schemas.openxmlformats.org/presentationml/2006/main">
+  <p:cSld>
+    <p:spTree>
+      <p:nvGrpSpPr>
+        <p:cNvPr id="1" name=""/>
+        <p:cNvGrpSpPr/>
+        <p:nvPr/>
+      </p:nvGrpSpPr>
+      <p:grpSpPr>
+        <a:xfrm>
+          <a:off x="0" y="0"/>
+          <a:ext cx="0" cy="0"/>
+          <a:chOff x="0" y="0"/>
+          <a:chExt cx="0" cy="0"/>
+        </a:xfrm>
+      </p:grpSpPr>
+      <p:sp>
+        <p:nvSpPr>
+          <p:cNvPr id="2" name="标题 1"/>
+          <p:cNvSpPr>
+            <a:spLocks noGrp="1"/>
+          </p:cNvSpPr>
+          <p:nvPr>
+            <p:ph type="title"/>
+          </p:nvPr>
+        </p:nvSpPr>
+        <p:spPr/>
+        <p:txBody>
+          <a:bodyPr/>
+          <a:lstStyle/>
+          <a:p>
+            <a:r>
+              <a:rPr lang="en-US" altLang="zh-CN" dirty="0" smtClean="0"/>
+              <a:t>Fairness</a:t>
+            </a:r>
+            <a:endParaRPr lang="en-US" altLang="zh-CN" dirty="0"/>
+          </a:p>
+        </p:txBody>
+      </p:sp>
+      <p:sp>
+        <p:nvSpPr>
+          <p:cNvPr id="3" name="内容占位符 2"/>
+          <p:cNvSpPr>
+            <a:spLocks noGrp="1"/>
+          </p:cNvSpPr>
+          <p:nvPr>
+            <p:ph idx="1"/>
+          </p:nvPr>
+        </p:nvSpPr>
+        <p:spPr/>
+        <p:txBody>
+          <a:bodyPr/>
+          <a:lstStyle/>
+          <a:p>
+            <a:r>
+              <a:rPr lang="en-US" sz="1800" dirty="0">
+                <a:latin typeface="Times New Roman" charset="0"/>
+                <a:ea typeface="Times New Roman" charset="0"/>
+                <a:cs typeface="Times New Roman" charset="0"/>
+              </a:rPr>
+              <a:t>Optimizing </a:t>
+            </a:r>
+            <a:r>
+              <a:rPr lang="en-US" sz="1800" dirty="0" err="1">
+                <a:latin typeface="Times New Roman" charset="0"/>
+                <a:ea typeface="Times New Roman" charset="0"/>
+                <a:cs typeface="Times New Roman" charset="0"/>
+              </a:rPr>
+              <a:t>coflow</a:t>
+            </a:r>
+            <a:r>
+              <a:rPr lang="en-US" sz="1800" dirty="0">
+                <a:latin typeface="Times New Roman" charset="0"/>
+                <a:ea typeface="Times New Roman" charset="0"/>
+                <a:cs typeface="Times New Roman" charset="0"/>
+              </a:rPr>
+              <a:t> completion times with utility max-min </a:t>
+            </a:r>
+            <a:r>
+              <a:rPr lang="en-US" sz="1800" dirty="0" smtClean="0">
+                <a:latin typeface="Times New Roman" charset="0"/>
+                <a:ea typeface="Times New Roman" charset="0"/>
+                <a:cs typeface="Times New Roman" charset="0"/>
+              </a:rPr>
+              <a:t>fairness</a:t>
+            </a:r>
+          </a:p>
+          <a:p>
+            <a:r>
+              <a:rPr lang="en-US" sz="1800" dirty="0">
+                <a:latin typeface="Times New Roman" charset="0"/>
+                <a:ea typeface="Times New Roman" charset="0"/>
+                <a:cs typeface="Times New Roman" charset="0"/>
+              </a:rPr>
+              <a:t>Li </a:t>
+            </a:r>
+            <a:r>
+              <a:rPr lang="en-US" sz="1800" dirty="0" smtClean="0">
+                <a:latin typeface="Times New Roman" charset="0"/>
+                <a:ea typeface="Times New Roman" charset="0"/>
+                <a:cs typeface="Times New Roman" charset="0"/>
+              </a:rPr>
+              <a:t>Chen, </a:t>
+            </a:r>
+            <a:r>
+              <a:rPr lang="en-US" sz="1800" dirty="0">
+                <a:latin typeface="Times New Roman" charset="0"/>
+                <a:ea typeface="Times New Roman" charset="0"/>
+                <a:cs typeface="Times New Roman" charset="0"/>
+              </a:rPr>
+              <a:t>Wei </a:t>
+            </a:r>
+            <a:r>
+              <a:rPr lang="en-US" sz="1800" dirty="0" smtClean="0">
+                <a:latin typeface="Times New Roman" charset="0"/>
+                <a:ea typeface="Times New Roman" charset="0"/>
+                <a:cs typeface="Times New Roman" charset="0"/>
+              </a:rPr>
+              <a:t>Cui, </a:t>
+            </a:r>
+            <a:r>
+              <a:rPr lang="en-US" sz="1800" dirty="0" err="1">
+                <a:latin typeface="Times New Roman" charset="0"/>
+                <a:ea typeface="Times New Roman" charset="0"/>
+                <a:cs typeface="Times New Roman" charset="0"/>
+              </a:rPr>
+              <a:t>Baochun</a:t>
+            </a:r>
+            <a:r>
+              <a:rPr lang="en-US" sz="1800" dirty="0">
+                <a:latin typeface="Times New Roman" charset="0"/>
+                <a:ea typeface="Times New Roman" charset="0"/>
+                <a:cs typeface="Times New Roman" charset="0"/>
+              </a:rPr>
+              <a:t> </a:t>
+            </a:r>
+            <a:r>
+              <a:rPr lang="en-US" sz="1800" dirty="0" smtClean="0">
+                <a:latin typeface="Times New Roman" charset="0"/>
+                <a:ea typeface="Times New Roman" charset="0"/>
+                <a:cs typeface="Times New Roman" charset="0"/>
+              </a:rPr>
+              <a:t>Li, </a:t>
+            </a:r>
+            <a:r>
+              <a:rPr lang="en-US" sz="1800" dirty="0">
+                <a:latin typeface="Times New Roman" charset="0"/>
+                <a:ea typeface="Times New Roman" charset="0"/>
+                <a:cs typeface="Times New Roman" charset="0"/>
+              </a:rPr>
+              <a:t>Bo Li </a:t>
+            </a:r>
+          </a:p>
+          <a:p>
+            <a:r>
+              <a:rPr lang="en-US" altLang="zh-CN" sz="1800" dirty="0" smtClean="0">
+                <a:latin typeface="Times New Roman" charset="0"/>
+                <a:ea typeface="Times New Roman" charset="0"/>
+                <a:cs typeface="Times New Roman" charset="0"/>
+              </a:rPr>
+              <a:t>INFOCOM</a:t>
+            </a:r>
+            <a:r>
+              <a:rPr lang="zh-CN" altLang="en-US" sz="1800" dirty="0" smtClean="0">
+                <a:latin typeface="Times New Roman" charset="0"/>
+                <a:ea typeface="Times New Roman" charset="0"/>
+                <a:cs typeface="Times New Roman" charset="0"/>
+              </a:rPr>
+              <a:t> </a:t>
+            </a:r>
+            <a:r>
+              <a:rPr lang="en-US" altLang="zh-CN" sz="1800" dirty="0" smtClean="0">
+                <a:latin typeface="Times New Roman" charset="0"/>
+                <a:ea typeface="Times New Roman" charset="0"/>
+                <a:cs typeface="Times New Roman" charset="0"/>
+              </a:rPr>
+              <a:t>2016</a:t>
+            </a:r>
+          </a:p>
+          <a:p>
+            <a:endParaRPr lang="en-US" altLang="zh-CN" sz="1800" dirty="0">
+              <a:latin typeface="Times New Roman" charset="0"/>
+              <a:ea typeface="Times New Roman" charset="0"/>
+              <a:cs typeface="Times New Roman" charset="0"/>
+            </a:endParaRPr>
+          </a:p>
+          <a:p>
+            <a:r>
+              <a:rPr lang="en-US" altLang="zh-CN" sz="1800" dirty="0" smtClean="0">
+                <a:latin typeface="Times New Roman" charset="0"/>
+                <a:ea typeface="Times New Roman" charset="0"/>
+                <a:cs typeface="Times New Roman" charset="0"/>
+              </a:rPr>
+              <a:t>LP</a:t>
+            </a:r>
+            <a:endParaRPr lang="en-US" altLang="zh-CN" sz="1800" dirty="0">
+              <a:latin typeface="Times New Roman" charset="0"/>
+              <a:ea typeface="Times New Roman" charset="0"/>
+              <a:cs typeface="Times New Roman" charset="0"/>
+            </a:endParaRPr>
+          </a:p>
+          <a:p>
+            <a:endParaRPr lang="en-US" altLang="zh-CN" sz="1800" dirty="0" smtClean="0">
+              <a:latin typeface="Times New Roman" charset="0"/>
+              <a:ea typeface="Times New Roman" charset="0"/>
+              <a:cs typeface="Times New Roman" charset="0"/>
+            </a:endParaRPr>
+          </a:p>
+          <a:p>
+            <a:endParaRPr lang="en-US" altLang="zh-CN" sz="1800" dirty="0">
+              <a:latin typeface="Times New Roman" charset="0"/>
+              <a:ea typeface="Times New Roman" charset="0"/>
+              <a:cs typeface="Times New Roman" charset="0"/>
+            </a:endParaRPr>
+          </a:p>
+          <a:p>
+            <a:endParaRPr lang="en-US" altLang="zh-CN" sz="1800" dirty="0">
+              <a:latin typeface="Times New Roman" charset="0"/>
+              <a:ea typeface="Times New Roman" charset="0"/>
+              <a:cs typeface="Times New Roman" charset="0"/>
+            </a:endParaRPr>
+          </a:p>
+        </p:txBody>
+      </p:sp>
+      <p:sp>
+        <p:nvSpPr>
+          <p:cNvPr id="4" name="日期占位符 3"/>
+          <p:cNvSpPr>
+            <a:spLocks noGrp="1"/>
+          </p:cNvSpPr>
+          <p:nvPr>
+            <p:ph type="dt" sz="half" idx="10"/>
+          </p:nvPr>
+        </p:nvSpPr>
+        <p:spPr/>
+        <p:txBody>
+          <a:bodyPr/>
+          <a:lstStyle/>
+          <a:p>
+            <a:pPr>
+              <a:defRPr/>
+            </a:pPr>
+            <a:fld id="{1EF8A7FA-5522-479A-8698-B2B03B063E4C}" type="datetime1">
+              <a:rPr lang="zh-CN" altLang="en-US" smtClean="0"/>
+              <a:pPr>
+                <a:defRPr/>
+              </a:pPr>
+              <a:t>2018/11/7</a:t>
+            </a:fld>
+            <a:endParaRPr lang="en-US" altLang="zh-CN"/>
+          </a:p>
+        </p:txBody>
+      </p:sp>
+      <p:sp>
+        <p:nvSpPr>
+          <p:cNvPr id="5" name="灯片编号占位符 4"/>
+          <p:cNvSpPr>
+            <a:spLocks noGrp="1"/>
+          </p:cNvSpPr>
+          <p:nvPr>
+            <p:ph type="sldNum" sz="quarter" idx="12"/>
+          </p:nvPr>
+        </p:nvSpPr>
+        <p:spPr/>
+        <p:txBody>
+          <a:bodyPr/>
+          <a:lstStyle/>
+          <a:p>
+            <a:pPr>
+              <a:defRPr/>
+            </a:pPr>
+            <a:fld id="{4446BC8E-503C-458B-B3B7-290611512584}" type="slidenum">
+              <a:rPr lang="en-US" altLang="zh-CN" smtClean="0"/>
+              <a:pPr>
+                <a:defRPr/>
+              </a:pPr>
+              <a:t>15</a:t>
+            </a:fld>
+            <a:endParaRPr lang="en-US" altLang="zh-CN"/>
+          </a:p>
+        </p:txBody>
+      </p:sp>
+    </p:spTree>
+    <p:extLst>
+      <p:ext uri="{BB962C8B-B14F-4D97-AF65-F5344CB8AC3E}">
+        <p14:creationId xmlns:p14="http://schemas.microsoft.com/office/powerpoint/2010/main" val="410437371"/>
+      </p:ext>
+    </p:extLst>
+  </p:cSld>
+  <p:clrMapOvr>
+    <a:masterClrMapping/>
+  </p:clrMapOvr>
+  <p:timing>
+    <p:tnLst>
+      <p:par>
+        <p:cTn id="1" dur="indefinite" restart="never" nodeType="tmRoot"/>
+      </p:par>
+    </p:tnLst>
+  </p:timing>
+</p:sld>
+</file>
+
+<file path=ppt/slides/slide16.xml><?xml version="1.0" encoding="utf-8"?>
+<p:sld xmlns:a="http://schemas.openxmlformats.org/drawingml/2006/main" xmlns:r="http://schemas.openxmlformats.org/officeDocument/2006/relationships" xmlns:p="http://schemas.openxmlformats.org/presentationml/2006/main">
+  <p:cSld>
+    <p:spTree>
+      <p:nvGrpSpPr>
+        <p:cNvPr id="1" name=""/>
+        <p:cNvGrpSpPr/>
+        <p:nvPr/>
+      </p:nvGrpSpPr>
+      <p:grpSpPr>
+        <a:xfrm>
+          <a:off x="0" y="0"/>
+          <a:ext cx="0" cy="0"/>
+          <a:chOff x="0" y="0"/>
+          <a:chExt cx="0" cy="0"/>
+        </a:xfrm>
+      </p:grpSpPr>
+      <p:sp>
+        <p:nvSpPr>
+          <p:cNvPr id="2" name="标题 1"/>
+          <p:cNvSpPr>
+            <a:spLocks noGrp="1"/>
+          </p:cNvSpPr>
+          <p:nvPr>
+            <p:ph type="title"/>
+          </p:nvPr>
+        </p:nvSpPr>
+        <p:spPr/>
+        <p:txBody>
+          <a:bodyPr/>
+          <a:lstStyle/>
+          <a:p>
+            <a:r>
+              <a:rPr lang="en-US" altLang="zh-CN" dirty="0" smtClean="0"/>
+              <a:t>Information </a:t>
+            </a:r>
+            <a:r>
+              <a:rPr lang="en-US" altLang="zh-CN" dirty="0" err="1" smtClean="0"/>
+              <a:t>ignostic</a:t>
+            </a:r>
+            <a:endParaRPr lang="en-US" altLang="zh-CN" dirty="0"/>
+          </a:p>
+        </p:txBody>
+      </p:sp>
+      <p:sp>
+        <p:nvSpPr>
+          <p:cNvPr id="3" name="内容占位符 2"/>
+          <p:cNvSpPr>
+            <a:spLocks noGrp="1"/>
+          </p:cNvSpPr>
+          <p:nvPr>
+            <p:ph idx="1"/>
+          </p:nvPr>
+        </p:nvSpPr>
+        <p:spPr/>
+        <p:txBody>
+          <a:bodyPr/>
+          <a:lstStyle/>
+          <a:p>
+            <a:r>
+              <a:rPr lang="en-US" sz="1800" dirty="0">
+                <a:latin typeface="Times New Roman" charset="0"/>
+                <a:ea typeface="Times New Roman" charset="0"/>
+                <a:cs typeface="Times New Roman" charset="0"/>
+              </a:rPr>
+              <a:t>Fair </a:t>
+            </a:r>
+            <a:r>
+              <a:rPr lang="en-US" sz="1800" dirty="0" err="1">
+                <a:latin typeface="Times New Roman" charset="0"/>
+                <a:ea typeface="Times New Roman" charset="0"/>
+                <a:cs typeface="Times New Roman" charset="0"/>
+              </a:rPr>
+              <a:t>Coflow</a:t>
+            </a:r>
+            <a:r>
+              <a:rPr lang="en-US" sz="1800" dirty="0">
+                <a:latin typeface="Times New Roman" charset="0"/>
+                <a:ea typeface="Times New Roman" charset="0"/>
+                <a:cs typeface="Times New Roman" charset="0"/>
+              </a:rPr>
+              <a:t> Scheduling without Prior Knowledge </a:t>
+            </a:r>
+            <a:endParaRPr lang="en-US" sz="1800" dirty="0" smtClean="0">
+              <a:latin typeface="Times New Roman" charset="0"/>
+              <a:ea typeface="Times New Roman" charset="0"/>
+              <a:cs typeface="Times New Roman" charset="0"/>
+            </a:endParaRPr>
+          </a:p>
+          <a:p>
+            <a:r>
+              <a:rPr lang="en-US" sz="1800" dirty="0" err="1">
+                <a:latin typeface="Times New Roman" charset="0"/>
+                <a:ea typeface="Times New Roman" charset="0"/>
+                <a:cs typeface="Times New Roman" charset="0"/>
+              </a:rPr>
+              <a:t>Luping</a:t>
+            </a:r>
+            <a:r>
+              <a:rPr lang="en-US" sz="1800" dirty="0">
+                <a:latin typeface="Times New Roman" charset="0"/>
+                <a:ea typeface="Times New Roman" charset="0"/>
+                <a:cs typeface="Times New Roman" charset="0"/>
+              </a:rPr>
+              <a:t> Wang, Wei </a:t>
+            </a:r>
+            <a:r>
+              <a:rPr lang="en-US" sz="1800" dirty="0" smtClean="0">
+                <a:latin typeface="Times New Roman" charset="0"/>
+                <a:ea typeface="Times New Roman" charset="0"/>
+                <a:cs typeface="Times New Roman" charset="0"/>
+              </a:rPr>
+              <a:t>Wang </a:t>
+            </a:r>
+            <a:endParaRPr lang="en-US" sz="1800" dirty="0">
+              <a:latin typeface="Times New Roman" charset="0"/>
+              <a:ea typeface="Times New Roman" charset="0"/>
+              <a:cs typeface="Times New Roman" charset="0"/>
+            </a:endParaRPr>
+          </a:p>
+          <a:p>
+            <a:r>
+              <a:rPr lang="en-US" altLang="zh-CN" sz="1800" dirty="0" smtClean="0">
+                <a:latin typeface="Times New Roman" charset="0"/>
+                <a:ea typeface="Times New Roman" charset="0"/>
+                <a:cs typeface="Times New Roman" charset="0"/>
+              </a:rPr>
+              <a:t>ICDCS</a:t>
+            </a:r>
+            <a:r>
+              <a:rPr lang="zh-CN" altLang="en-US" sz="1800" dirty="0" smtClean="0">
+                <a:latin typeface="Times New Roman" charset="0"/>
+                <a:ea typeface="Times New Roman" charset="0"/>
+                <a:cs typeface="Times New Roman" charset="0"/>
+              </a:rPr>
+              <a:t> </a:t>
+            </a:r>
+            <a:r>
+              <a:rPr lang="en-US" altLang="zh-CN" sz="1800" dirty="0" smtClean="0">
+                <a:latin typeface="Times New Roman" charset="0"/>
+                <a:ea typeface="Times New Roman" charset="0"/>
+                <a:cs typeface="Times New Roman" charset="0"/>
+              </a:rPr>
+              <a:t>2018</a:t>
+            </a:r>
+          </a:p>
+          <a:p>
+            <a:endParaRPr lang="en-US" altLang="zh-CN" sz="1800" dirty="0" smtClean="0">
+              <a:latin typeface="Times New Roman" charset="0"/>
+              <a:ea typeface="Times New Roman" charset="0"/>
+              <a:cs typeface="Times New Roman" charset="0"/>
+            </a:endParaRPr>
+          </a:p>
+          <a:p>
+            <a:endParaRPr lang="en-US" altLang="zh-CN" sz="1800" dirty="0">
+              <a:latin typeface="Times New Roman" charset="0"/>
+              <a:ea typeface="Times New Roman" charset="0"/>
+              <a:cs typeface="Times New Roman" charset="0"/>
+            </a:endParaRPr>
+          </a:p>
+          <a:p>
+            <a:r>
+              <a:rPr lang="en-US" altLang="zh-CN" sz="1800" dirty="0" smtClean="0">
+                <a:latin typeface="Times New Roman" charset="0"/>
+                <a:ea typeface="Times New Roman" charset="0"/>
+                <a:cs typeface="Times New Roman" charset="0"/>
+              </a:rPr>
+              <a:t>Count flow </a:t>
+            </a:r>
+            <a:r>
+              <a:rPr lang="en-US" altLang="zh-CN" sz="1800" smtClean="0">
+                <a:latin typeface="Times New Roman" charset="0"/>
+                <a:ea typeface="Times New Roman" charset="0"/>
+                <a:cs typeface="Times New Roman" charset="0"/>
+              </a:rPr>
+              <a:t>on links</a:t>
+            </a:r>
+            <a:endParaRPr lang="en-US" altLang="zh-CN" sz="1800" dirty="0">
+              <a:latin typeface="Times New Roman" charset="0"/>
+              <a:ea typeface="Times New Roman" charset="0"/>
+              <a:cs typeface="Times New Roman" charset="0"/>
+            </a:endParaRPr>
+          </a:p>
+          <a:p>
+            <a:r>
+              <a:rPr lang="en-US" altLang="zh-CN" sz="1800" dirty="0">
+                <a:latin typeface="Times New Roman" charset="0"/>
+                <a:ea typeface="Times New Roman" charset="0"/>
+                <a:cs typeface="Times New Roman" charset="0"/>
+              </a:rPr>
+              <a:t>Non-Clairvoyant DRF </a:t>
+            </a:r>
+          </a:p>
+          <a:p>
+            <a:endParaRPr lang="en-US" altLang="zh-CN" sz="1800" dirty="0">
+              <a:latin typeface="Times New Roman" charset="0"/>
+              <a:ea typeface="Times New Roman" charset="0"/>
+              <a:cs typeface="Times New Roman" charset="0"/>
+            </a:endParaRPr>
+          </a:p>
+          <a:p>
+            <a:endParaRPr lang="en-US" altLang="zh-CN" sz="1800" dirty="0" smtClean="0">
+              <a:latin typeface="Times New Roman" charset="0"/>
+              <a:ea typeface="Times New Roman" charset="0"/>
+              <a:cs typeface="Times New Roman" charset="0"/>
+            </a:endParaRPr>
+          </a:p>
+          <a:p>
+            <a:endParaRPr lang="en-US" altLang="zh-CN" sz="1800" dirty="0">
+              <a:latin typeface="Times New Roman" charset="0"/>
+              <a:ea typeface="Times New Roman" charset="0"/>
+              <a:cs typeface="Times New Roman" charset="0"/>
+            </a:endParaRPr>
+          </a:p>
+          <a:p>
+            <a:endParaRPr lang="en-US" altLang="zh-CN" sz="1800" dirty="0">
+              <a:latin typeface="Times New Roman" charset="0"/>
+              <a:ea typeface="Times New Roman" charset="0"/>
+              <a:cs typeface="Times New Roman" charset="0"/>
+            </a:endParaRPr>
+          </a:p>
+        </p:txBody>
+      </p:sp>
+      <p:sp>
+        <p:nvSpPr>
+          <p:cNvPr id="4" name="日期占位符 3"/>
+          <p:cNvSpPr>
+            <a:spLocks noGrp="1"/>
+          </p:cNvSpPr>
+          <p:nvPr>
+            <p:ph type="dt" sz="half" idx="10"/>
+          </p:nvPr>
+        </p:nvSpPr>
+        <p:spPr/>
+        <p:txBody>
+          <a:bodyPr/>
+          <a:lstStyle/>
+          <a:p>
+            <a:pPr>
+              <a:defRPr/>
+            </a:pPr>
+            <a:fld id="{1EF8A7FA-5522-479A-8698-B2B03B063E4C}" type="datetime1">
+              <a:rPr lang="zh-CN" altLang="en-US" smtClean="0"/>
+              <a:pPr>
+                <a:defRPr/>
+              </a:pPr>
+              <a:t>2018/11/7</a:t>
+            </a:fld>
+            <a:endParaRPr lang="en-US" altLang="zh-CN"/>
+          </a:p>
+        </p:txBody>
+      </p:sp>
+      <p:sp>
+        <p:nvSpPr>
+          <p:cNvPr id="5" name="灯片编号占位符 4"/>
+          <p:cNvSpPr>
+            <a:spLocks noGrp="1"/>
+          </p:cNvSpPr>
+          <p:nvPr>
+            <p:ph type="sldNum" sz="quarter" idx="12"/>
+          </p:nvPr>
+        </p:nvSpPr>
+        <p:spPr/>
+        <p:txBody>
+          <a:bodyPr/>
+          <a:lstStyle/>
+          <a:p>
+            <a:pPr>
+              <a:defRPr/>
+            </a:pPr>
+            <a:fld id="{4446BC8E-503C-458B-B3B7-290611512584}" type="slidenum">
+              <a:rPr lang="en-US" altLang="zh-CN" smtClean="0"/>
+              <a:pPr>
+                <a:defRPr/>
+              </a:pPr>
+              <a:t>16</a:t>
+            </a:fld>
+            <a:endParaRPr lang="en-US" altLang="zh-CN"/>
+          </a:p>
+        </p:txBody>
+      </p:sp>
+    </p:spTree>
+    <p:extLst>
+      <p:ext uri="{BB962C8B-B14F-4D97-AF65-F5344CB8AC3E}">
+        <p14:creationId xmlns:p14="http://schemas.microsoft.com/office/powerpoint/2010/main" val="2084588890"/>
+      </p:ext>
+    </p:extLst>
+  </p:cSld>
+  <p:clrMapOvr>
+    <a:masterClrMapping/>
+  </p:clrMapOvr>
+  <p:timing>
+    <p:tnLst>
+      <p:par>
+        <p:cTn id="1" dur="indefinite" restart="never" nodeType="tmRoot"/>
+      </p:par>
+    </p:tnLst>
+  </p:timing>
+</p:sld>
+</file>
+
+<file path=ppt/slides/slide17.xml><?xml version="1.0" encoding="utf-8"?>
+<p:sld xmlns:a="http://schemas.openxmlformats.org/drawingml/2006/main" xmlns:r="http://schemas.openxmlformats.org/officeDocument/2006/relationships" xmlns:p="http://schemas.openxmlformats.org/presentationml/2006/main">
+  <p:cSld>
+    <p:spTree>
+      <p:nvGrpSpPr>
+        <p:cNvPr id="1" name=""/>
+        <p:cNvGrpSpPr/>
+        <p:nvPr/>
+      </p:nvGrpSpPr>
+      <p:grpSpPr>
+        <a:xfrm>
+          <a:off x="0" y="0"/>
+          <a:ext cx="0" cy="0"/>
+          <a:chOff x="0" y="0"/>
+          <a:chExt cx="0" cy="0"/>
+        </a:xfrm>
+      </p:grpSpPr>
+      <p:sp>
+        <p:nvSpPr>
+          <p:cNvPr id="2" name="标题 1"/>
+          <p:cNvSpPr>
+            <a:spLocks noGrp="1"/>
+          </p:cNvSpPr>
+          <p:nvPr>
+            <p:ph type="title"/>
+          </p:nvPr>
+        </p:nvSpPr>
+        <p:spPr/>
+        <p:txBody>
+          <a:bodyPr/>
+          <a:lstStyle/>
+          <a:p>
+            <a:r>
+              <a:rPr lang="en-US" altLang="zh-CN" dirty="0" smtClean="0"/>
+              <a:t>both</a:t>
+            </a:r>
+            <a:endParaRPr lang="en-US" altLang="zh-CN" dirty="0"/>
+          </a:p>
+        </p:txBody>
+      </p:sp>
+      <p:sp>
+        <p:nvSpPr>
+          <p:cNvPr id="3" name="内容占位符 2"/>
+          <p:cNvSpPr>
+            <a:spLocks noGrp="1"/>
+          </p:cNvSpPr>
+          <p:nvPr>
+            <p:ph idx="1"/>
+          </p:nvPr>
+        </p:nvSpPr>
+        <p:spPr/>
+        <p:txBody>
+          <a:bodyPr/>
+          <a:lstStyle/>
+          <a:p>
+            <a:r>
+              <a:rPr lang="en-US" sz="1800" dirty="0" err="1">
+                <a:latin typeface="Times New Roman" charset="0"/>
+                <a:ea typeface="Times New Roman" charset="0"/>
+                <a:cs typeface="Times New Roman" charset="0"/>
+              </a:rPr>
+              <a:t>Coflex</a:t>
+            </a:r>
+            <a:r>
+              <a:rPr lang="en-US" sz="1800" dirty="0">
+                <a:latin typeface="Times New Roman" charset="0"/>
+                <a:ea typeface="Times New Roman" charset="0"/>
+                <a:cs typeface="Times New Roman" charset="0"/>
+              </a:rPr>
+              <a:t> Navigating the fairness-efficiency tradeoff for </a:t>
+            </a:r>
+            <a:r>
+              <a:rPr lang="en-US" sz="1800" dirty="0" err="1">
+                <a:latin typeface="Times New Roman" charset="0"/>
+                <a:ea typeface="Times New Roman" charset="0"/>
+                <a:cs typeface="Times New Roman" charset="0"/>
+              </a:rPr>
+              <a:t>coflow</a:t>
+            </a:r>
+            <a:r>
+              <a:rPr lang="en-US" sz="1800" dirty="0">
+                <a:latin typeface="Times New Roman" charset="0"/>
+                <a:ea typeface="Times New Roman" charset="0"/>
+                <a:cs typeface="Times New Roman" charset="0"/>
+              </a:rPr>
+              <a:t> </a:t>
+            </a:r>
+            <a:r>
+              <a:rPr lang="en-US" sz="1800" dirty="0" smtClean="0">
+                <a:latin typeface="Times New Roman" charset="0"/>
+                <a:ea typeface="Times New Roman" charset="0"/>
+                <a:cs typeface="Times New Roman" charset="0"/>
+              </a:rPr>
+              <a:t>scheduling</a:t>
+            </a:r>
+          </a:p>
+          <a:p>
+            <a:r>
+              <a:rPr lang="en-US" sz="1800" dirty="0">
+                <a:latin typeface="Times New Roman" charset="0"/>
+                <a:ea typeface="Times New Roman" charset="0"/>
+                <a:cs typeface="Times New Roman" charset="0"/>
+              </a:rPr>
+              <a:t>Wei </a:t>
+            </a:r>
+            <a:r>
+              <a:rPr lang="en-US" sz="1800" dirty="0" smtClean="0">
+                <a:latin typeface="Times New Roman" charset="0"/>
+                <a:ea typeface="Times New Roman" charset="0"/>
+                <a:cs typeface="Times New Roman" charset="0"/>
+              </a:rPr>
+              <a:t>Wang, </a:t>
+            </a:r>
+            <a:r>
+              <a:rPr lang="en-US" sz="1800" dirty="0" err="1">
+                <a:latin typeface="Times New Roman" charset="0"/>
+                <a:ea typeface="Times New Roman" charset="0"/>
+                <a:cs typeface="Times New Roman" charset="0"/>
+              </a:rPr>
+              <a:t>Shiyao</a:t>
+            </a:r>
+            <a:r>
+              <a:rPr lang="en-US" sz="1800" dirty="0">
+                <a:latin typeface="Times New Roman" charset="0"/>
+                <a:ea typeface="Times New Roman" charset="0"/>
+                <a:cs typeface="Times New Roman" charset="0"/>
+              </a:rPr>
+              <a:t> </a:t>
+            </a:r>
+            <a:r>
+              <a:rPr lang="en-US" sz="1800" dirty="0" smtClean="0">
+                <a:latin typeface="Times New Roman" charset="0"/>
+                <a:ea typeface="Times New Roman" charset="0"/>
+                <a:cs typeface="Times New Roman" charset="0"/>
+              </a:rPr>
+              <a:t>Ma, </a:t>
+            </a:r>
+            <a:r>
+              <a:rPr lang="en-US" sz="1800" dirty="0">
+                <a:latin typeface="Times New Roman" charset="0"/>
+                <a:ea typeface="Times New Roman" charset="0"/>
+                <a:cs typeface="Times New Roman" charset="0"/>
+              </a:rPr>
+              <a:t>Bo </a:t>
+            </a:r>
+            <a:r>
+              <a:rPr lang="en-US" sz="1800" dirty="0" smtClean="0">
+                <a:latin typeface="Times New Roman" charset="0"/>
+                <a:ea typeface="Times New Roman" charset="0"/>
+                <a:cs typeface="Times New Roman" charset="0"/>
+              </a:rPr>
+              <a:t>Li, </a:t>
+            </a:r>
+            <a:r>
+              <a:rPr lang="en-US" sz="1800" dirty="0" err="1">
+                <a:latin typeface="Times New Roman" charset="0"/>
+                <a:ea typeface="Times New Roman" charset="0"/>
+                <a:cs typeface="Times New Roman" charset="0"/>
+              </a:rPr>
+              <a:t>Baochun</a:t>
+            </a:r>
+            <a:r>
+              <a:rPr lang="en-US" sz="1800" dirty="0">
+                <a:latin typeface="Times New Roman" charset="0"/>
+                <a:ea typeface="Times New Roman" charset="0"/>
+                <a:cs typeface="Times New Roman" charset="0"/>
+              </a:rPr>
+              <a:t> </a:t>
+            </a:r>
+            <a:r>
+              <a:rPr lang="en-US" sz="1800" dirty="0" smtClean="0">
+                <a:latin typeface="Times New Roman" charset="0"/>
+                <a:ea typeface="Times New Roman" charset="0"/>
+                <a:cs typeface="Times New Roman" charset="0"/>
+              </a:rPr>
+              <a:t>Li</a:t>
+            </a:r>
+            <a:endParaRPr lang="en-US" sz="1800" dirty="0">
+              <a:latin typeface="Times New Roman" charset="0"/>
+              <a:ea typeface="Times New Roman" charset="0"/>
+              <a:cs typeface="Times New Roman" charset="0"/>
+            </a:endParaRPr>
+          </a:p>
+          <a:p>
+            <a:r>
+              <a:rPr lang="en-US" altLang="zh-CN" sz="1800" dirty="0" smtClean="0">
+                <a:latin typeface="Times New Roman" charset="0"/>
+                <a:ea typeface="Times New Roman" charset="0"/>
+                <a:cs typeface="Times New Roman" charset="0"/>
+              </a:rPr>
+              <a:t>INFOCOM</a:t>
+            </a:r>
+            <a:r>
+              <a:rPr lang="zh-CN" altLang="en-US" sz="1800" dirty="0" smtClean="0">
+                <a:latin typeface="Times New Roman" charset="0"/>
+                <a:ea typeface="Times New Roman" charset="0"/>
+                <a:cs typeface="Times New Roman" charset="0"/>
+              </a:rPr>
+              <a:t> </a:t>
+            </a:r>
+            <a:r>
+              <a:rPr lang="en-US" altLang="zh-CN" sz="1800" dirty="0" smtClean="0">
+                <a:latin typeface="Times New Roman" charset="0"/>
+                <a:ea typeface="Times New Roman" charset="0"/>
+                <a:cs typeface="Times New Roman" charset="0"/>
+              </a:rPr>
+              <a:t>2017</a:t>
+            </a:r>
+          </a:p>
+          <a:p>
+            <a:endParaRPr lang="en-US" altLang="zh-CN" sz="1800" dirty="0">
+              <a:latin typeface="Times New Roman" charset="0"/>
+              <a:ea typeface="Times New Roman" charset="0"/>
+              <a:cs typeface="Times New Roman" charset="0"/>
+            </a:endParaRPr>
+          </a:p>
+          <a:p>
+            <a:r>
+              <a:rPr lang="en-US" altLang="zh-CN" sz="1800" dirty="0">
+                <a:latin typeface="Times New Roman" charset="0"/>
+                <a:ea typeface="Times New Roman" charset="0"/>
+                <a:cs typeface="Times New Roman" charset="0"/>
+              </a:rPr>
+              <a:t>a tunable fairness </a:t>
+            </a:r>
+            <a:r>
+              <a:rPr lang="en-US" altLang="zh-CN" sz="1800" dirty="0" smtClean="0">
+                <a:latin typeface="Times New Roman" charset="0"/>
+                <a:ea typeface="Times New Roman" charset="0"/>
+                <a:cs typeface="Times New Roman" charset="0"/>
+              </a:rPr>
+              <a:t>knob</a:t>
+            </a:r>
+            <a:endParaRPr lang="en-US" altLang="zh-CN" sz="1800" dirty="0">
+              <a:latin typeface="Times New Roman" charset="0"/>
+              <a:ea typeface="Times New Roman" charset="0"/>
+              <a:cs typeface="Times New Roman" charset="0"/>
+            </a:endParaRPr>
+          </a:p>
+          <a:p>
+            <a:endParaRPr lang="en-US" altLang="zh-CN" sz="1800" dirty="0" smtClean="0">
+              <a:latin typeface="Times New Roman" charset="0"/>
+              <a:ea typeface="Times New Roman" charset="0"/>
+              <a:cs typeface="Times New Roman" charset="0"/>
+            </a:endParaRPr>
+          </a:p>
+          <a:p>
+            <a:endParaRPr lang="en-US" altLang="zh-CN" sz="1800" dirty="0">
+              <a:latin typeface="Times New Roman" charset="0"/>
+              <a:ea typeface="Times New Roman" charset="0"/>
+              <a:cs typeface="Times New Roman" charset="0"/>
+            </a:endParaRPr>
+          </a:p>
+          <a:p>
+            <a:endParaRPr lang="en-US" altLang="zh-CN" sz="1800" dirty="0">
+              <a:latin typeface="Times New Roman" charset="0"/>
+              <a:ea typeface="Times New Roman" charset="0"/>
+              <a:cs typeface="Times New Roman" charset="0"/>
+            </a:endParaRPr>
+          </a:p>
+        </p:txBody>
+      </p:sp>
+      <p:sp>
+        <p:nvSpPr>
+          <p:cNvPr id="4" name="日期占位符 3"/>
+          <p:cNvSpPr>
+            <a:spLocks noGrp="1"/>
+          </p:cNvSpPr>
+          <p:nvPr>
+            <p:ph type="dt" sz="half" idx="10"/>
+          </p:nvPr>
+        </p:nvSpPr>
+        <p:spPr/>
+        <p:txBody>
+          <a:bodyPr/>
+          <a:lstStyle/>
+          <a:p>
+            <a:pPr>
+              <a:defRPr/>
+            </a:pPr>
+            <a:fld id="{1EF8A7FA-5522-479A-8698-B2B03B063E4C}" type="datetime1">
+              <a:rPr lang="zh-CN" altLang="en-US" smtClean="0"/>
+              <a:pPr>
+                <a:defRPr/>
+              </a:pPr>
+              <a:t>2018/11/7</a:t>
+            </a:fld>
+            <a:endParaRPr lang="en-US" altLang="zh-CN"/>
+          </a:p>
+        </p:txBody>
+      </p:sp>
+      <p:sp>
+        <p:nvSpPr>
+          <p:cNvPr id="5" name="灯片编号占位符 4"/>
+          <p:cNvSpPr>
+            <a:spLocks noGrp="1"/>
+          </p:cNvSpPr>
+          <p:nvPr>
+            <p:ph type="sldNum" sz="quarter" idx="12"/>
+          </p:nvPr>
+        </p:nvSpPr>
+        <p:spPr/>
+        <p:txBody>
+          <a:bodyPr/>
+          <a:lstStyle/>
+          <a:p>
+            <a:pPr>
+              <a:defRPr/>
+            </a:pPr>
+            <a:fld id="{4446BC8E-503C-458B-B3B7-290611512584}" type="slidenum">
+              <a:rPr lang="en-US" altLang="zh-CN" smtClean="0"/>
+              <a:pPr>
+                <a:defRPr/>
+              </a:pPr>
+              <a:t>17</a:t>
+            </a:fld>
+            <a:endParaRPr lang="en-US" altLang="zh-CN"/>
+          </a:p>
+        </p:txBody>
+      </p:sp>
+    </p:spTree>
+    <p:extLst>
+      <p:ext uri="{BB962C8B-B14F-4D97-AF65-F5344CB8AC3E}">
+        <p14:creationId xmlns:p14="http://schemas.microsoft.com/office/powerpoint/2010/main" val="834837096"/>
+      </p:ext>
+    </p:extLst>
+  </p:cSld>
+  <p:clrMapOvr>
+    <a:masterClrMapping/>
+  </p:clrMapOvr>
+  <p:timing>
+    <p:tnLst>
+      <p:par>
+        <p:cTn id="1" dur="indefinite" restart="never" nodeType="tmRoot"/>
+      </p:par>
+    </p:tnLst>
+  </p:timing>
+</p:sld>
+</file>
+
+<file path=ppt/slides/slide18.xml><?xml version="1.0" encoding="utf-8"?>
+<p:sld xmlns:a="http://schemas.openxmlformats.org/drawingml/2006/main" xmlns:r="http://schemas.openxmlformats.org/officeDocument/2006/relationships" xmlns:p="http://schemas.openxmlformats.org/presentationml/2006/main">
+  <p:cSld>
+    <p:spTree>
+      <p:nvGrpSpPr>
+        <p:cNvPr id="1" name=""/>
+        <p:cNvGrpSpPr/>
+        <p:nvPr/>
+      </p:nvGrpSpPr>
+      <p:grpSpPr>
+        <a:xfrm>
+          <a:off x="0" y="0"/>
+          <a:ext cx="0" cy="0"/>
+          <a:chOff x="0" y="0"/>
+          <a:chExt cx="0" cy="0"/>
+        </a:xfrm>
+      </p:grpSpPr>
+      <p:sp>
+        <p:nvSpPr>
+          <p:cNvPr id="2" name="标题 1"/>
+          <p:cNvSpPr>
+            <a:spLocks noGrp="1"/>
+          </p:cNvSpPr>
+          <p:nvPr>
+            <p:ph type="title"/>
+          </p:nvPr>
+        </p:nvSpPr>
+        <p:spPr/>
+        <p:txBody>
+          <a:bodyPr/>
+          <a:lstStyle/>
+          <a:p>
+            <a:r>
+              <a:rPr lang="en-US" altLang="zh-CN" dirty="0" smtClean="0"/>
+              <a:t>both</a:t>
+            </a:r>
+            <a:endParaRPr lang="en-US" altLang="zh-CN" dirty="0"/>
+          </a:p>
+        </p:txBody>
+      </p:sp>
+      <p:sp>
+        <p:nvSpPr>
+          <p:cNvPr id="3" name="内容占位符 2"/>
+          <p:cNvSpPr>
+            <a:spLocks noGrp="1"/>
+          </p:cNvSpPr>
+          <p:nvPr>
+            <p:ph idx="1"/>
+          </p:nvPr>
+        </p:nvSpPr>
+        <p:spPr/>
+        <p:txBody>
+          <a:bodyPr/>
+          <a:lstStyle/>
+          <a:p>
+            <a:r>
+              <a:rPr lang="en-US" sz="1800" dirty="0">
+                <a:latin typeface="Times New Roman" charset="0"/>
+                <a:ea typeface="Times New Roman" charset="0"/>
+                <a:cs typeface="Times New Roman" charset="0"/>
+              </a:rPr>
+              <a:t>Utopia- Near-optimal </a:t>
+            </a:r>
+            <a:r>
+              <a:rPr lang="en-US" sz="1800" dirty="0" err="1">
+                <a:latin typeface="Times New Roman" charset="0"/>
+                <a:ea typeface="Times New Roman" charset="0"/>
+                <a:cs typeface="Times New Roman" charset="0"/>
+              </a:rPr>
+              <a:t>Coflow</a:t>
+            </a:r>
+            <a:r>
+              <a:rPr lang="en-US" sz="1800" dirty="0">
+                <a:latin typeface="Times New Roman" charset="0"/>
+                <a:ea typeface="Times New Roman" charset="0"/>
+                <a:cs typeface="Times New Roman" charset="0"/>
+              </a:rPr>
+              <a:t> Scheduling with Isolation Guarantee </a:t>
+            </a:r>
+            <a:endParaRPr lang="en-US" sz="1800" dirty="0" smtClean="0">
+              <a:latin typeface="Times New Roman" charset="0"/>
+              <a:ea typeface="Times New Roman" charset="0"/>
+              <a:cs typeface="Times New Roman" charset="0"/>
+            </a:endParaRPr>
+          </a:p>
+          <a:p>
+            <a:r>
+              <a:rPr lang="en-US" sz="1800" dirty="0" err="1">
+                <a:latin typeface="Times New Roman" charset="0"/>
+                <a:ea typeface="Times New Roman" charset="0"/>
+                <a:cs typeface="Times New Roman" charset="0"/>
+              </a:rPr>
+              <a:t>Luping</a:t>
+            </a:r>
+            <a:r>
+              <a:rPr lang="en-US" sz="1800" dirty="0">
+                <a:latin typeface="Times New Roman" charset="0"/>
+                <a:ea typeface="Times New Roman" charset="0"/>
+                <a:cs typeface="Times New Roman" charset="0"/>
+              </a:rPr>
+              <a:t> Wang, Wei Wang, Bo </a:t>
+            </a:r>
+            <a:r>
+              <a:rPr lang="en-US" sz="1800" dirty="0" smtClean="0">
+                <a:latin typeface="Times New Roman" charset="0"/>
+                <a:ea typeface="Times New Roman" charset="0"/>
+                <a:cs typeface="Times New Roman" charset="0"/>
+              </a:rPr>
+              <a:t>Li</a:t>
+            </a:r>
+            <a:endParaRPr lang="en-US" sz="1800" dirty="0">
+              <a:latin typeface="Times New Roman" charset="0"/>
+              <a:ea typeface="Times New Roman" charset="0"/>
+              <a:cs typeface="Times New Roman" charset="0"/>
+            </a:endParaRPr>
+          </a:p>
+          <a:p>
+            <a:r>
+              <a:rPr lang="en-US" altLang="zh-CN" sz="1800" dirty="0" smtClean="0">
+                <a:latin typeface="Times New Roman" charset="0"/>
+                <a:ea typeface="Times New Roman" charset="0"/>
+                <a:cs typeface="Times New Roman" charset="0"/>
+              </a:rPr>
+              <a:t>INFOCOM</a:t>
+            </a:r>
+            <a:r>
+              <a:rPr lang="zh-CN" altLang="en-US" sz="1800" dirty="0" smtClean="0">
+                <a:latin typeface="Times New Roman" charset="0"/>
+                <a:ea typeface="Times New Roman" charset="0"/>
+                <a:cs typeface="Times New Roman" charset="0"/>
+              </a:rPr>
+              <a:t> </a:t>
+            </a:r>
+            <a:r>
+              <a:rPr lang="en-US" altLang="zh-CN" sz="1800" dirty="0" smtClean="0">
+                <a:latin typeface="Times New Roman" charset="0"/>
+                <a:ea typeface="Times New Roman" charset="0"/>
+                <a:cs typeface="Times New Roman" charset="0"/>
+              </a:rPr>
+              <a:t>2018</a:t>
+            </a:r>
+          </a:p>
+          <a:p>
+            <a:endParaRPr lang="en-US" altLang="zh-CN" sz="1800" dirty="0">
+              <a:latin typeface="Times New Roman" charset="0"/>
+              <a:ea typeface="Times New Roman" charset="0"/>
+              <a:cs typeface="Times New Roman" charset="0"/>
+            </a:endParaRPr>
+          </a:p>
+          <a:p>
+            <a:r>
+              <a:rPr lang="en-US" altLang="zh-CN" sz="1800" dirty="0" smtClean="0">
+                <a:latin typeface="Times New Roman" charset="0"/>
+                <a:ea typeface="Times New Roman" charset="0"/>
+                <a:cs typeface="Times New Roman" charset="0"/>
+              </a:rPr>
+              <a:t>Super-</a:t>
+            </a:r>
+            <a:r>
+              <a:rPr lang="en-US" altLang="zh-CN" sz="1800" dirty="0" err="1" smtClean="0">
+                <a:latin typeface="Times New Roman" charset="0"/>
+                <a:ea typeface="Times New Roman" charset="0"/>
+                <a:cs typeface="Times New Roman" charset="0"/>
+              </a:rPr>
+              <a:t>coflow</a:t>
+            </a:r>
+            <a:endParaRPr lang="en-US" altLang="zh-CN" sz="1800" dirty="0">
+              <a:latin typeface="Times New Roman" charset="0"/>
+              <a:ea typeface="Times New Roman" charset="0"/>
+              <a:cs typeface="Times New Roman" charset="0"/>
+            </a:endParaRPr>
+          </a:p>
+          <a:p>
+            <a:endParaRPr lang="en-US" altLang="zh-CN" sz="1800" dirty="0" smtClean="0">
+              <a:latin typeface="Times New Roman" charset="0"/>
+              <a:ea typeface="Times New Roman" charset="0"/>
+              <a:cs typeface="Times New Roman" charset="0"/>
+            </a:endParaRPr>
+          </a:p>
+          <a:p>
+            <a:endParaRPr lang="en-US" altLang="zh-CN" sz="1800" dirty="0">
+              <a:latin typeface="Times New Roman" charset="0"/>
+              <a:ea typeface="Times New Roman" charset="0"/>
+              <a:cs typeface="Times New Roman" charset="0"/>
+            </a:endParaRPr>
+          </a:p>
+          <a:p>
+            <a:endParaRPr lang="en-US" altLang="zh-CN" sz="1800" dirty="0">
+              <a:latin typeface="Times New Roman" charset="0"/>
+              <a:ea typeface="Times New Roman" charset="0"/>
+              <a:cs typeface="Times New Roman" charset="0"/>
+            </a:endParaRPr>
+          </a:p>
+        </p:txBody>
+      </p:sp>
+      <p:sp>
+        <p:nvSpPr>
+          <p:cNvPr id="4" name="日期占位符 3"/>
+          <p:cNvSpPr>
+            <a:spLocks noGrp="1"/>
+          </p:cNvSpPr>
+          <p:nvPr>
+            <p:ph type="dt" sz="half" idx="10"/>
+          </p:nvPr>
+        </p:nvSpPr>
+        <p:spPr/>
+        <p:txBody>
+          <a:bodyPr/>
+          <a:lstStyle/>
+          <a:p>
+            <a:pPr>
+              <a:defRPr/>
+            </a:pPr>
+            <a:fld id="{1EF8A7FA-5522-479A-8698-B2B03B063E4C}" type="datetime1">
+              <a:rPr lang="zh-CN" altLang="en-US" smtClean="0"/>
+              <a:pPr>
+                <a:defRPr/>
+              </a:pPr>
+              <a:t>2018/11/7</a:t>
+            </a:fld>
+            <a:endParaRPr lang="en-US" altLang="zh-CN"/>
+          </a:p>
+        </p:txBody>
+      </p:sp>
+      <p:sp>
+        <p:nvSpPr>
+          <p:cNvPr id="5" name="灯片编号占位符 4"/>
+          <p:cNvSpPr>
+            <a:spLocks noGrp="1"/>
+          </p:cNvSpPr>
+          <p:nvPr>
+            <p:ph type="sldNum" sz="quarter" idx="12"/>
+          </p:nvPr>
+        </p:nvSpPr>
+        <p:spPr/>
+        <p:txBody>
+          <a:bodyPr/>
+          <a:lstStyle/>
+          <a:p>
+            <a:pPr>
+              <a:defRPr/>
+            </a:pPr>
+            <a:fld id="{4446BC8E-503C-458B-B3B7-290611512584}" type="slidenum">
+              <a:rPr lang="en-US" altLang="zh-CN" smtClean="0"/>
+              <a:pPr>
+                <a:defRPr/>
+              </a:pPr>
+              <a:t>18</a:t>
+            </a:fld>
+            <a:endParaRPr lang="en-US" altLang="zh-CN"/>
+          </a:p>
+        </p:txBody>
+      </p:sp>
+      <p:pic>
+        <p:nvPicPr>
+          <p:cNvPr id="6" name="图片 5"/>
+          <p:cNvPicPr>
+            <a:picLocks noChangeAspect="1"/>
+          </p:cNvPicPr>
+          <p:nvPr/>
+        </p:nvPicPr>
+        <p:blipFill>
+          <a:blip r:embed="rId2"/>
+          <a:stretch>
+            <a:fillRect/>
+          </a:stretch>
+        </p:blipFill>
+        <p:spPr>
+          <a:xfrm>
+            <a:off x="2654300" y="2996952"/>
+            <a:ext cx="5803900" cy="2552700"/>
+          </a:xfrm>
+          <a:prstGeom prst="rect">
+            <a:avLst/>
+          </a:prstGeom>
+        </p:spPr>
+      </p:pic>
+    </p:spTree>
+    <p:extLst>
+      <p:ext uri="{BB962C8B-B14F-4D97-AF65-F5344CB8AC3E}">
+        <p14:creationId xmlns:p14="http://schemas.microsoft.com/office/powerpoint/2010/main" val="1681490007"/>
+      </p:ext>
+    </p:extLst>
+  </p:cSld>
+  <p:clrMapOvr>
+    <a:masterClrMapping/>
+  </p:clrMapOvr>
+  <p:timing>
+    <p:tnLst>
+      <p:par>
+        <p:cTn id="1" dur="indefinite" restart="never" nodeType="tmRoot"/>
+      </p:par>
+    </p:tnLst>
+  </p:timing>
+</p:sld>
+</file>
+
+<file path=ppt/slides/slide19.xml><?xml version="1.0" encoding="utf-8"?>
 <p:sld xmlns:a="http://schemas.openxmlformats.org/drawingml/2006/main" xmlns:r="http://schemas.openxmlformats.org/officeDocument/2006/relationships" xmlns:p="http://schemas.openxmlformats.org/presentationml/2006/main">
   <p:cSld>
     <p:spTree>
@@ -6595,7 +9546,7 @@
                 <a:latin typeface="Arial" panose="020B0604020202020204" pitchFamily="34" charset="0"/>
               </a:rPr>
               <a:pPr/>
-              <a:t>3</a:t>
+              <a:t>19</a:t>
             </a:fld>
             <a:endParaRPr lang="en-US" altLang="zh-CN" smtClean="0">
               <a:latin typeface="Arial" panose="020B0604020202020204" pitchFamily="34" charset="0"/>
@@ -6604,6 +9555,2859 @@
         </p:txBody>
       </p:sp>
     </p:spTree>
+  </p:cSld>
+  <p:clrMapOvr>
+    <a:masterClrMapping/>
+  </p:clrMapOvr>
+  <p:timing>
+    <p:tnLst>
+      <p:par>
+        <p:cTn id="1" dur="indefinite" restart="never" nodeType="tmRoot"/>
+      </p:par>
+    </p:tnLst>
+  </p:timing>
+</p:sld>
+</file>
+
+<file path=ppt/slides/slide2.xml><?xml version="1.0" encoding="utf-8"?>
+<p:sld xmlns:a="http://schemas.openxmlformats.org/drawingml/2006/main" xmlns:r="http://schemas.openxmlformats.org/officeDocument/2006/relationships" xmlns:p="http://schemas.openxmlformats.org/presentationml/2006/main">
+  <p:cSld>
+    <p:spTree>
+      <p:nvGrpSpPr>
+        <p:cNvPr id="1" name=""/>
+        <p:cNvGrpSpPr/>
+        <p:nvPr/>
+      </p:nvGrpSpPr>
+      <p:grpSpPr>
+        <a:xfrm>
+          <a:off x="0" y="0"/>
+          <a:ext cx="0" cy="0"/>
+          <a:chOff x="0" y="0"/>
+          <a:chExt cx="0" cy="0"/>
+        </a:xfrm>
+      </p:grpSpPr>
+      <p:sp>
+        <p:nvSpPr>
+          <p:cNvPr id="2" name="标题 1"/>
+          <p:cNvSpPr>
+            <a:spLocks noGrp="1"/>
+          </p:cNvSpPr>
+          <p:nvPr>
+            <p:ph type="title"/>
+          </p:nvPr>
+        </p:nvSpPr>
+        <p:spPr/>
+        <p:txBody>
+          <a:bodyPr/>
+          <a:lstStyle/>
+          <a:p>
+            <a:endParaRPr lang="en-US"/>
+          </a:p>
+        </p:txBody>
+      </p:sp>
+      <p:sp>
+        <p:nvSpPr>
+          <p:cNvPr id="3" name="内容占位符 2"/>
+          <p:cNvSpPr>
+            <a:spLocks noGrp="1"/>
+          </p:cNvSpPr>
+          <p:nvPr>
+            <p:ph idx="1"/>
+          </p:nvPr>
+        </p:nvSpPr>
+        <p:spPr/>
+        <p:txBody>
+          <a:bodyPr/>
+          <a:lstStyle/>
+          <a:p>
+            <a:r>
+              <a:rPr lang="en-US" sz="1800" dirty="0">
+                <a:latin typeface="Times New Roman" charset="0"/>
+                <a:ea typeface="Times New Roman" charset="0"/>
+                <a:cs typeface="Times New Roman" charset="0"/>
+              </a:rPr>
+              <a:t>Managing Data Transfers in Computer Clusters with </a:t>
+            </a:r>
+            <a:r>
+              <a:rPr lang="en-US" sz="1800" dirty="0" smtClean="0">
+                <a:latin typeface="Times New Roman" charset="0"/>
+                <a:ea typeface="Times New Roman" charset="0"/>
+                <a:cs typeface="Times New Roman" charset="0"/>
+              </a:rPr>
+              <a:t>Orchestra</a:t>
+            </a:r>
+            <a:endParaRPr lang="zh-CN" altLang="en-US" sz="1800" dirty="0" smtClean="0">
+              <a:latin typeface="Times New Roman" charset="0"/>
+              <a:ea typeface="Times New Roman" charset="0"/>
+              <a:cs typeface="Times New Roman" charset="0"/>
+            </a:endParaRPr>
+          </a:p>
+          <a:p>
+            <a:r>
+              <a:rPr lang="en-US" sz="1800" dirty="0">
+                <a:latin typeface="Times New Roman" charset="0"/>
+                <a:ea typeface="Times New Roman" charset="0"/>
+                <a:cs typeface="Times New Roman" charset="0"/>
+              </a:rPr>
+              <a:t>M. </a:t>
+            </a:r>
+            <a:r>
+              <a:rPr lang="en-US" sz="1800" dirty="0" smtClean="0">
+                <a:latin typeface="Times New Roman" charset="0"/>
+                <a:ea typeface="Times New Roman" charset="0"/>
+                <a:cs typeface="Times New Roman" charset="0"/>
+              </a:rPr>
+              <a:t>Chowdhury</a:t>
+            </a:r>
+            <a:endParaRPr lang="zh-CN" altLang="en-US" sz="1800" dirty="0" smtClean="0">
+              <a:latin typeface="Times New Roman" charset="0"/>
+              <a:ea typeface="Times New Roman" charset="0"/>
+              <a:cs typeface="Times New Roman" charset="0"/>
+            </a:endParaRPr>
+          </a:p>
+          <a:p>
+            <a:r>
+              <a:rPr lang="en-US" altLang="zh-CN" sz="1800" dirty="0" smtClean="0">
+                <a:latin typeface="Times New Roman" charset="0"/>
+                <a:ea typeface="Times New Roman" charset="0"/>
+                <a:cs typeface="Times New Roman" charset="0"/>
+              </a:rPr>
+              <a:t>SIGCOMM</a:t>
+            </a:r>
+            <a:r>
+              <a:rPr lang="zh-CN" altLang="en-US" sz="1800" dirty="0" smtClean="0">
+                <a:latin typeface="Times New Roman" charset="0"/>
+                <a:ea typeface="Times New Roman" charset="0"/>
+                <a:cs typeface="Times New Roman" charset="0"/>
+              </a:rPr>
+              <a:t> </a:t>
+            </a:r>
+            <a:r>
+              <a:rPr lang="en-US" altLang="zh-CN" sz="1800" dirty="0" smtClean="0">
+                <a:latin typeface="Times New Roman" charset="0"/>
+                <a:ea typeface="Times New Roman" charset="0"/>
+                <a:cs typeface="Times New Roman" charset="0"/>
+              </a:rPr>
+              <a:t>2011</a:t>
+            </a:r>
+            <a:endParaRPr lang="zh-CN" altLang="en-US" sz="1800" dirty="0" smtClean="0">
+              <a:latin typeface="Times New Roman" charset="0"/>
+              <a:ea typeface="Times New Roman" charset="0"/>
+              <a:cs typeface="Times New Roman" charset="0"/>
+            </a:endParaRPr>
+          </a:p>
+          <a:p>
+            <a:endParaRPr lang="zh-CN" altLang="en-US" sz="1800" dirty="0" smtClean="0">
+              <a:latin typeface="Times New Roman" charset="0"/>
+              <a:ea typeface="Times New Roman" charset="0"/>
+              <a:cs typeface="Times New Roman" charset="0"/>
+            </a:endParaRPr>
+          </a:p>
+          <a:p>
+            <a:r>
+              <a:rPr lang="en-US" altLang="zh-CN" sz="1800" dirty="0" smtClean="0">
+                <a:latin typeface="Times New Roman" charset="0"/>
+                <a:ea typeface="Times New Roman" charset="0"/>
+                <a:cs typeface="Times New Roman" charset="0"/>
+              </a:rPr>
+              <a:t>FIFO</a:t>
+            </a:r>
+            <a:endParaRPr lang="en-US" altLang="zh-CN" sz="1800" dirty="0">
+              <a:latin typeface="Times New Roman" charset="0"/>
+              <a:ea typeface="Times New Roman" charset="0"/>
+              <a:cs typeface="Times New Roman" charset="0"/>
+            </a:endParaRPr>
+          </a:p>
+        </p:txBody>
+      </p:sp>
+      <p:sp>
+        <p:nvSpPr>
+          <p:cNvPr id="4" name="日期占位符 3"/>
+          <p:cNvSpPr>
+            <a:spLocks noGrp="1"/>
+          </p:cNvSpPr>
+          <p:nvPr>
+            <p:ph type="dt" sz="half" idx="10"/>
+          </p:nvPr>
+        </p:nvSpPr>
+        <p:spPr/>
+        <p:txBody>
+          <a:bodyPr/>
+          <a:lstStyle/>
+          <a:p>
+            <a:pPr>
+              <a:defRPr/>
+            </a:pPr>
+            <a:fld id="{1EF8A7FA-5522-479A-8698-B2B03B063E4C}" type="datetime1">
+              <a:rPr lang="zh-CN" altLang="en-US" smtClean="0"/>
+              <a:pPr>
+                <a:defRPr/>
+              </a:pPr>
+              <a:t>2018/11/7</a:t>
+            </a:fld>
+            <a:endParaRPr lang="en-US" altLang="zh-CN"/>
+          </a:p>
+        </p:txBody>
+      </p:sp>
+      <p:sp>
+        <p:nvSpPr>
+          <p:cNvPr id="5" name="灯片编号占位符 4"/>
+          <p:cNvSpPr>
+            <a:spLocks noGrp="1"/>
+          </p:cNvSpPr>
+          <p:nvPr>
+            <p:ph type="sldNum" sz="quarter" idx="12"/>
+          </p:nvPr>
+        </p:nvSpPr>
+        <p:spPr/>
+        <p:txBody>
+          <a:bodyPr/>
+          <a:lstStyle/>
+          <a:p>
+            <a:pPr>
+              <a:defRPr/>
+            </a:pPr>
+            <a:fld id="{4446BC8E-503C-458B-B3B7-290611512584}" type="slidenum">
+              <a:rPr lang="en-US" altLang="zh-CN" smtClean="0"/>
+              <a:pPr>
+                <a:defRPr/>
+              </a:pPr>
+              <a:t>2</a:t>
+            </a:fld>
+            <a:endParaRPr lang="en-US" altLang="zh-CN"/>
+          </a:p>
+        </p:txBody>
+      </p:sp>
+      <p:pic>
+        <p:nvPicPr>
+          <p:cNvPr id="7" name="图片 6"/>
+          <p:cNvPicPr>
+            <a:picLocks noChangeAspect="1"/>
+          </p:cNvPicPr>
+          <p:nvPr/>
+        </p:nvPicPr>
+        <p:blipFill>
+          <a:blip r:embed="rId2"/>
+          <a:stretch>
+            <a:fillRect/>
+          </a:stretch>
+        </p:blipFill>
+        <p:spPr>
+          <a:xfrm>
+            <a:off x="3563888" y="2357425"/>
+            <a:ext cx="4088110" cy="3519500"/>
+          </a:xfrm>
+          <a:prstGeom prst="rect">
+            <a:avLst/>
+          </a:prstGeom>
+        </p:spPr>
+      </p:pic>
+    </p:spTree>
+    <p:extLst>
+      <p:ext uri="{BB962C8B-B14F-4D97-AF65-F5344CB8AC3E}">
+        <p14:creationId xmlns:p14="http://schemas.microsoft.com/office/powerpoint/2010/main" val="1931507430"/>
+      </p:ext>
+    </p:extLst>
+  </p:cSld>
+  <p:clrMapOvr>
+    <a:masterClrMapping/>
+  </p:clrMapOvr>
+  <p:timing>
+    <p:tnLst>
+      <p:par>
+        <p:cTn id="1" dur="indefinite" restart="never" nodeType="tmRoot"/>
+      </p:par>
+    </p:tnLst>
+  </p:timing>
+</p:sld>
+</file>
+
+<file path=ppt/slides/slide3.xml><?xml version="1.0" encoding="utf-8"?>
+<p:sld xmlns:a="http://schemas.openxmlformats.org/drawingml/2006/main" xmlns:r="http://schemas.openxmlformats.org/officeDocument/2006/relationships" xmlns:p="http://schemas.openxmlformats.org/presentationml/2006/main">
+  <p:cSld>
+    <p:spTree>
+      <p:nvGrpSpPr>
+        <p:cNvPr id="1" name=""/>
+        <p:cNvGrpSpPr/>
+        <p:nvPr/>
+      </p:nvGrpSpPr>
+      <p:grpSpPr>
+        <a:xfrm>
+          <a:off x="0" y="0"/>
+          <a:ext cx="0" cy="0"/>
+          <a:chOff x="0" y="0"/>
+          <a:chExt cx="0" cy="0"/>
+        </a:xfrm>
+      </p:grpSpPr>
+      <p:sp>
+        <p:nvSpPr>
+          <p:cNvPr id="2" name="标题 1"/>
+          <p:cNvSpPr>
+            <a:spLocks noGrp="1"/>
+          </p:cNvSpPr>
+          <p:nvPr>
+            <p:ph type="title"/>
+          </p:nvPr>
+        </p:nvSpPr>
+        <p:spPr/>
+        <p:txBody>
+          <a:bodyPr/>
+          <a:lstStyle/>
+          <a:p>
+            <a:endParaRPr lang="en-US"/>
+          </a:p>
+        </p:txBody>
+      </p:sp>
+      <p:sp>
+        <p:nvSpPr>
+          <p:cNvPr id="3" name="内容占位符 2"/>
+          <p:cNvSpPr>
+            <a:spLocks noGrp="1"/>
+          </p:cNvSpPr>
+          <p:nvPr>
+            <p:ph idx="1"/>
+          </p:nvPr>
+        </p:nvSpPr>
+        <p:spPr/>
+        <p:txBody>
+          <a:bodyPr/>
+          <a:lstStyle/>
+          <a:p>
+            <a:r>
+              <a:rPr lang="en-US" sz="1800" dirty="0" err="1" smtClean="0">
+                <a:latin typeface="Times New Roman" charset="0"/>
+                <a:ea typeface="Times New Roman" charset="0"/>
+                <a:cs typeface="Times New Roman" charset="0"/>
+              </a:rPr>
+              <a:t>Coflow</a:t>
+            </a:r>
+            <a:r>
+              <a:rPr lang="en-US" sz="1800" dirty="0" smtClean="0">
+                <a:latin typeface="Times New Roman" charset="0"/>
+                <a:ea typeface="Times New Roman" charset="0"/>
+                <a:cs typeface="Times New Roman" charset="0"/>
+              </a:rPr>
+              <a:t>: </a:t>
+            </a:r>
+            <a:r>
+              <a:rPr lang="en-US" sz="1800" dirty="0">
+                <a:latin typeface="Times New Roman" charset="0"/>
+                <a:ea typeface="Times New Roman" charset="0"/>
+                <a:cs typeface="Times New Roman" charset="0"/>
+              </a:rPr>
+              <a:t>a networking abstraction for cluster </a:t>
+            </a:r>
+            <a:r>
+              <a:rPr lang="en-US" sz="1800" dirty="0" smtClean="0">
+                <a:latin typeface="Times New Roman" charset="0"/>
+                <a:ea typeface="Times New Roman" charset="0"/>
+                <a:cs typeface="Times New Roman" charset="0"/>
+              </a:rPr>
+              <a:t>applications</a:t>
+            </a:r>
+            <a:endParaRPr lang="zh-CN" altLang="en-US" sz="1800" dirty="0" smtClean="0">
+              <a:latin typeface="Times New Roman" charset="0"/>
+              <a:ea typeface="Times New Roman" charset="0"/>
+              <a:cs typeface="Times New Roman" charset="0"/>
+            </a:endParaRPr>
+          </a:p>
+          <a:p>
+            <a:r>
+              <a:rPr lang="en-US" sz="1800" dirty="0" smtClean="0">
+                <a:latin typeface="Times New Roman" charset="0"/>
+                <a:ea typeface="Times New Roman" charset="0"/>
+                <a:cs typeface="Times New Roman" charset="0"/>
+              </a:rPr>
+              <a:t>M</a:t>
+            </a:r>
+            <a:r>
+              <a:rPr lang="en-US" sz="1800" dirty="0">
+                <a:latin typeface="Times New Roman" charset="0"/>
+                <a:ea typeface="Times New Roman" charset="0"/>
+                <a:cs typeface="Times New Roman" charset="0"/>
+              </a:rPr>
+              <a:t>. </a:t>
+            </a:r>
+            <a:r>
+              <a:rPr lang="en-US" sz="1800" dirty="0" smtClean="0">
+                <a:latin typeface="Times New Roman" charset="0"/>
+                <a:ea typeface="Times New Roman" charset="0"/>
+                <a:cs typeface="Times New Roman" charset="0"/>
+              </a:rPr>
+              <a:t>Chowdhury</a:t>
+            </a:r>
+            <a:endParaRPr lang="zh-CN" altLang="en-US" sz="1800" dirty="0" smtClean="0">
+              <a:latin typeface="Times New Roman" charset="0"/>
+              <a:ea typeface="Times New Roman" charset="0"/>
+              <a:cs typeface="Times New Roman" charset="0"/>
+            </a:endParaRPr>
+          </a:p>
+          <a:p>
+            <a:r>
+              <a:rPr lang="en-US" altLang="zh-CN" sz="1800" dirty="0" err="1" smtClean="0">
+                <a:latin typeface="Times New Roman" charset="0"/>
+                <a:ea typeface="Times New Roman" charset="0"/>
+                <a:cs typeface="Times New Roman" charset="0"/>
+              </a:rPr>
+              <a:t>HotNets</a:t>
+            </a:r>
+            <a:r>
+              <a:rPr lang="zh-CN" altLang="en-US" sz="1800" dirty="0" smtClean="0">
+                <a:latin typeface="Times New Roman" charset="0"/>
+                <a:ea typeface="Times New Roman" charset="0"/>
+                <a:cs typeface="Times New Roman" charset="0"/>
+              </a:rPr>
+              <a:t> </a:t>
+            </a:r>
+            <a:r>
+              <a:rPr lang="en-US" altLang="zh-CN" sz="1800" dirty="0" smtClean="0">
+                <a:latin typeface="Times New Roman" charset="0"/>
+                <a:ea typeface="Times New Roman" charset="0"/>
+                <a:cs typeface="Times New Roman" charset="0"/>
+              </a:rPr>
+              <a:t>2012</a:t>
+            </a:r>
+          </a:p>
+          <a:p>
+            <a:endParaRPr lang="en-US" altLang="zh-CN" sz="1800" dirty="0">
+              <a:latin typeface="Times New Roman" charset="0"/>
+              <a:ea typeface="Times New Roman" charset="0"/>
+              <a:cs typeface="Times New Roman" charset="0"/>
+            </a:endParaRPr>
+          </a:p>
+          <a:p>
+            <a:r>
+              <a:rPr lang="zh-CN" altLang="en-US" sz="1800" dirty="0" smtClean="0">
+                <a:latin typeface="Times New Roman" charset="0"/>
+                <a:ea typeface="Times New Roman" charset="0"/>
+                <a:cs typeface="Times New Roman" charset="0"/>
+              </a:rPr>
+              <a:t>提出</a:t>
+            </a:r>
+            <a:r>
+              <a:rPr lang="en-US" altLang="zh-CN" sz="1800" dirty="0" err="1" smtClean="0">
+                <a:latin typeface="Times New Roman" charset="0"/>
+                <a:ea typeface="Times New Roman" charset="0"/>
+                <a:cs typeface="Times New Roman" charset="0"/>
+              </a:rPr>
+              <a:t>coflow</a:t>
+            </a:r>
+            <a:r>
+              <a:rPr lang="zh-CN" altLang="en-US" sz="1800" dirty="0" smtClean="0">
+                <a:latin typeface="Times New Roman" charset="0"/>
+                <a:ea typeface="Times New Roman" charset="0"/>
+                <a:cs typeface="Times New Roman" charset="0"/>
+              </a:rPr>
+              <a:t>概念</a:t>
+            </a:r>
+          </a:p>
+          <a:p>
+            <a:endParaRPr lang="zh-CN" altLang="en-US" sz="1800" dirty="0" smtClean="0">
+              <a:latin typeface="Times New Roman" charset="0"/>
+              <a:ea typeface="Times New Roman" charset="0"/>
+              <a:cs typeface="Times New Roman" charset="0"/>
+            </a:endParaRPr>
+          </a:p>
+        </p:txBody>
+      </p:sp>
+      <p:sp>
+        <p:nvSpPr>
+          <p:cNvPr id="4" name="日期占位符 3"/>
+          <p:cNvSpPr>
+            <a:spLocks noGrp="1"/>
+          </p:cNvSpPr>
+          <p:nvPr>
+            <p:ph type="dt" sz="half" idx="10"/>
+          </p:nvPr>
+        </p:nvSpPr>
+        <p:spPr/>
+        <p:txBody>
+          <a:bodyPr/>
+          <a:lstStyle/>
+          <a:p>
+            <a:pPr>
+              <a:defRPr/>
+            </a:pPr>
+            <a:fld id="{1EF8A7FA-5522-479A-8698-B2B03B063E4C}" type="datetime1">
+              <a:rPr lang="zh-CN" altLang="en-US" smtClean="0"/>
+              <a:pPr>
+                <a:defRPr/>
+              </a:pPr>
+              <a:t>2018/11/7</a:t>
+            </a:fld>
+            <a:endParaRPr lang="en-US" altLang="zh-CN"/>
+          </a:p>
+        </p:txBody>
+      </p:sp>
+      <p:sp>
+        <p:nvSpPr>
+          <p:cNvPr id="5" name="灯片编号占位符 4"/>
+          <p:cNvSpPr>
+            <a:spLocks noGrp="1"/>
+          </p:cNvSpPr>
+          <p:nvPr>
+            <p:ph type="sldNum" sz="quarter" idx="12"/>
+          </p:nvPr>
+        </p:nvSpPr>
+        <p:spPr/>
+        <p:txBody>
+          <a:bodyPr/>
+          <a:lstStyle/>
+          <a:p>
+            <a:pPr>
+              <a:defRPr/>
+            </a:pPr>
+            <a:fld id="{4446BC8E-503C-458B-B3B7-290611512584}" type="slidenum">
+              <a:rPr lang="en-US" altLang="zh-CN" smtClean="0"/>
+              <a:pPr>
+                <a:defRPr/>
+              </a:pPr>
+              <a:t>3</a:t>
+            </a:fld>
+            <a:endParaRPr lang="en-US" altLang="zh-CN"/>
+          </a:p>
+        </p:txBody>
+      </p:sp>
+      <p:pic>
+        <p:nvPicPr>
+          <p:cNvPr id="6" name="图片 5"/>
+          <p:cNvPicPr>
+            <a:picLocks noChangeAspect="1"/>
+          </p:cNvPicPr>
+          <p:nvPr/>
+        </p:nvPicPr>
+        <p:blipFill>
+          <a:blip r:embed="rId2"/>
+          <a:stretch>
+            <a:fillRect/>
+          </a:stretch>
+        </p:blipFill>
+        <p:spPr>
+          <a:xfrm>
+            <a:off x="2627784" y="2283692"/>
+            <a:ext cx="6370572" cy="3593233"/>
+          </a:xfrm>
+          <a:prstGeom prst="rect">
+            <a:avLst/>
+          </a:prstGeom>
+        </p:spPr>
+      </p:pic>
+    </p:spTree>
+    <p:extLst>
+      <p:ext uri="{BB962C8B-B14F-4D97-AF65-F5344CB8AC3E}">
+        <p14:creationId xmlns:p14="http://schemas.microsoft.com/office/powerpoint/2010/main" val="1462519866"/>
+      </p:ext>
+    </p:extLst>
+  </p:cSld>
+  <p:clrMapOvr>
+    <a:masterClrMapping/>
+  </p:clrMapOvr>
+  <p:timing>
+    <p:tnLst>
+      <p:par>
+        <p:cTn id="1" dur="indefinite" restart="never" nodeType="tmRoot"/>
+      </p:par>
+    </p:tnLst>
+  </p:timing>
+</p:sld>
+</file>
+
+<file path=ppt/slides/slide4.xml><?xml version="1.0" encoding="utf-8"?>
+<p:sld xmlns:a="http://schemas.openxmlformats.org/drawingml/2006/main" xmlns:r="http://schemas.openxmlformats.org/officeDocument/2006/relationships" xmlns:p="http://schemas.openxmlformats.org/presentationml/2006/main">
+  <p:cSld>
+    <p:spTree>
+      <p:nvGrpSpPr>
+        <p:cNvPr id="1" name=""/>
+        <p:cNvGrpSpPr/>
+        <p:nvPr/>
+      </p:nvGrpSpPr>
+      <p:grpSpPr>
+        <a:xfrm>
+          <a:off x="0" y="0"/>
+          <a:ext cx="0" cy="0"/>
+          <a:chOff x="0" y="0"/>
+          <a:chExt cx="0" cy="0"/>
+        </a:xfrm>
+      </p:grpSpPr>
+      <p:sp>
+        <p:nvSpPr>
+          <p:cNvPr id="2" name="标题 1"/>
+          <p:cNvSpPr>
+            <a:spLocks noGrp="1"/>
+          </p:cNvSpPr>
+          <p:nvPr>
+            <p:ph type="title"/>
+          </p:nvPr>
+        </p:nvSpPr>
+        <p:spPr/>
+        <p:txBody>
+          <a:bodyPr/>
+          <a:lstStyle/>
+          <a:p>
+            <a:r>
+              <a:rPr lang="en-US" altLang="zh-CN" dirty="0" smtClean="0"/>
+              <a:t>Minimize</a:t>
+            </a:r>
+            <a:r>
+              <a:rPr lang="zh-CN" altLang="en-US" dirty="0" smtClean="0"/>
+              <a:t> </a:t>
+            </a:r>
+            <a:r>
+              <a:rPr lang="en-US" altLang="zh-CN" dirty="0" smtClean="0"/>
+              <a:t>CCT</a:t>
+            </a:r>
+            <a:endParaRPr lang="en-US" dirty="0"/>
+          </a:p>
+        </p:txBody>
+      </p:sp>
+      <p:sp>
+        <p:nvSpPr>
+          <p:cNvPr id="3" name="内容占位符 2"/>
+          <p:cNvSpPr>
+            <a:spLocks noGrp="1"/>
+          </p:cNvSpPr>
+          <p:nvPr>
+            <p:ph idx="1"/>
+          </p:nvPr>
+        </p:nvSpPr>
+        <p:spPr/>
+        <p:txBody>
+          <a:bodyPr/>
+          <a:lstStyle/>
+          <a:p>
+            <a:r>
+              <a:rPr lang="en-US" sz="1800" dirty="0">
+                <a:latin typeface="Times New Roman" charset="0"/>
+                <a:ea typeface="Times New Roman" charset="0"/>
+                <a:cs typeface="Times New Roman" charset="0"/>
+              </a:rPr>
+              <a:t>Efficient </a:t>
+            </a:r>
+            <a:r>
+              <a:rPr lang="en-US" sz="1800" dirty="0" err="1">
+                <a:latin typeface="Times New Roman" charset="0"/>
+                <a:ea typeface="Times New Roman" charset="0"/>
+                <a:cs typeface="Times New Roman" charset="0"/>
+              </a:rPr>
+              <a:t>Coflow</a:t>
+            </a:r>
+            <a:r>
+              <a:rPr lang="en-US" sz="1800" dirty="0">
+                <a:latin typeface="Times New Roman" charset="0"/>
+                <a:ea typeface="Times New Roman" charset="0"/>
+                <a:cs typeface="Times New Roman" charset="0"/>
+              </a:rPr>
+              <a:t> Scheduling with </a:t>
+            </a:r>
+            <a:r>
+              <a:rPr lang="en-US" sz="1800" dirty="0" err="1">
+                <a:latin typeface="Times New Roman" charset="0"/>
+                <a:ea typeface="Times New Roman" charset="0"/>
+                <a:cs typeface="Times New Roman" charset="0"/>
+              </a:rPr>
+              <a:t>Varys</a:t>
+            </a:r>
+            <a:r>
+              <a:rPr lang="en-US" sz="1800" dirty="0">
+                <a:latin typeface="Times New Roman" charset="0"/>
+                <a:ea typeface="Times New Roman" charset="0"/>
+                <a:cs typeface="Times New Roman" charset="0"/>
+              </a:rPr>
+              <a:t> </a:t>
+            </a:r>
+            <a:endParaRPr lang="zh-CN" altLang="en-US" sz="1800" dirty="0" smtClean="0">
+              <a:latin typeface="Times New Roman" charset="0"/>
+              <a:ea typeface="Times New Roman" charset="0"/>
+              <a:cs typeface="Times New Roman" charset="0"/>
+            </a:endParaRPr>
+          </a:p>
+          <a:p>
+            <a:r>
+              <a:rPr lang="en-US" sz="1800" dirty="0" smtClean="0">
+                <a:latin typeface="Times New Roman" charset="0"/>
+                <a:ea typeface="Times New Roman" charset="0"/>
+                <a:cs typeface="Times New Roman" charset="0"/>
+              </a:rPr>
+              <a:t>M</a:t>
+            </a:r>
+            <a:r>
+              <a:rPr lang="en-US" sz="1800" dirty="0">
+                <a:latin typeface="Times New Roman" charset="0"/>
+                <a:ea typeface="Times New Roman" charset="0"/>
+                <a:cs typeface="Times New Roman" charset="0"/>
+              </a:rPr>
+              <a:t>. </a:t>
+            </a:r>
+            <a:r>
+              <a:rPr lang="en-US" sz="1800" dirty="0" smtClean="0">
+                <a:latin typeface="Times New Roman" charset="0"/>
+                <a:ea typeface="Times New Roman" charset="0"/>
+                <a:cs typeface="Times New Roman" charset="0"/>
+              </a:rPr>
+              <a:t>Chowdhury</a:t>
+            </a:r>
+            <a:endParaRPr lang="zh-CN" altLang="en-US" sz="1800" dirty="0" smtClean="0">
+              <a:latin typeface="Times New Roman" charset="0"/>
+              <a:ea typeface="Times New Roman" charset="0"/>
+              <a:cs typeface="Times New Roman" charset="0"/>
+            </a:endParaRPr>
+          </a:p>
+          <a:p>
+            <a:r>
+              <a:rPr lang="en-US" altLang="zh-CN" sz="1800" dirty="0" smtClean="0">
+                <a:latin typeface="Times New Roman" charset="0"/>
+                <a:ea typeface="Times New Roman" charset="0"/>
+                <a:cs typeface="Times New Roman" charset="0"/>
+              </a:rPr>
+              <a:t>SIGCOMM</a:t>
+            </a:r>
+            <a:r>
+              <a:rPr lang="zh-CN" altLang="en-US" sz="1800" dirty="0" smtClean="0">
+                <a:latin typeface="Times New Roman" charset="0"/>
+                <a:ea typeface="Times New Roman" charset="0"/>
+                <a:cs typeface="Times New Roman" charset="0"/>
+              </a:rPr>
+              <a:t> </a:t>
+            </a:r>
+            <a:r>
+              <a:rPr lang="en-US" altLang="zh-CN" sz="1800" dirty="0" smtClean="0">
+                <a:latin typeface="Times New Roman" charset="0"/>
+                <a:ea typeface="Times New Roman" charset="0"/>
+                <a:cs typeface="Times New Roman" charset="0"/>
+              </a:rPr>
+              <a:t>2014</a:t>
+            </a:r>
+          </a:p>
+          <a:p>
+            <a:endParaRPr lang="en-US" altLang="zh-CN" sz="1800" dirty="0">
+              <a:latin typeface="Times New Roman" charset="0"/>
+              <a:ea typeface="Times New Roman" charset="0"/>
+              <a:cs typeface="Times New Roman" charset="0"/>
+            </a:endParaRPr>
+          </a:p>
+          <a:p>
+            <a:r>
+              <a:rPr lang="en-US" altLang="zh-CN" sz="1800" dirty="0" smtClean="0">
+                <a:latin typeface="Times New Roman" charset="0"/>
+                <a:ea typeface="Times New Roman" charset="0"/>
+                <a:cs typeface="Times New Roman" charset="0"/>
+              </a:rPr>
+              <a:t>inter-</a:t>
+            </a:r>
+            <a:r>
+              <a:rPr lang="en-US" altLang="zh-CN" sz="1800" dirty="0" err="1" smtClean="0">
+                <a:latin typeface="Times New Roman" charset="0"/>
+                <a:ea typeface="Times New Roman" charset="0"/>
+                <a:cs typeface="Times New Roman" charset="0"/>
+              </a:rPr>
+              <a:t>coflow</a:t>
+            </a:r>
+            <a:r>
+              <a:rPr lang="zh-CN" altLang="en-US" sz="1800" dirty="0" smtClean="0">
+                <a:latin typeface="Times New Roman" charset="0"/>
+                <a:ea typeface="Times New Roman" charset="0"/>
+                <a:cs typeface="Times New Roman" charset="0"/>
+              </a:rPr>
+              <a:t> </a:t>
+            </a:r>
+            <a:r>
+              <a:rPr lang="en-US" altLang="zh-CN" sz="1800" dirty="0" smtClean="0">
+                <a:latin typeface="Times New Roman" charset="0"/>
+                <a:ea typeface="Times New Roman" charset="0"/>
+                <a:cs typeface="Times New Roman" charset="0"/>
+              </a:rPr>
+              <a:t>SEBF</a:t>
+            </a:r>
+            <a:endParaRPr lang="zh-CN" altLang="en-US" sz="1800" dirty="0" smtClean="0">
+              <a:latin typeface="Times New Roman" charset="0"/>
+              <a:ea typeface="Times New Roman" charset="0"/>
+              <a:cs typeface="Times New Roman" charset="0"/>
+            </a:endParaRPr>
+          </a:p>
+          <a:p>
+            <a:r>
+              <a:rPr lang="en-US" altLang="zh-CN" sz="1800" dirty="0" smtClean="0">
+                <a:latin typeface="Times New Roman" charset="0"/>
+                <a:ea typeface="Times New Roman" charset="0"/>
+                <a:cs typeface="Times New Roman" charset="0"/>
+              </a:rPr>
+              <a:t>Intra-</a:t>
+            </a:r>
+            <a:r>
+              <a:rPr lang="en-US" altLang="zh-CN" sz="1800" dirty="0" err="1" smtClean="0">
+                <a:latin typeface="Times New Roman" charset="0"/>
+                <a:ea typeface="Times New Roman" charset="0"/>
+                <a:cs typeface="Times New Roman" charset="0"/>
+              </a:rPr>
+              <a:t>coflow</a:t>
+            </a:r>
+            <a:r>
+              <a:rPr lang="zh-CN" altLang="en-US" sz="1800" dirty="0" smtClean="0">
+                <a:latin typeface="Times New Roman" charset="0"/>
+                <a:ea typeface="Times New Roman" charset="0"/>
+                <a:cs typeface="Times New Roman" charset="0"/>
+              </a:rPr>
+              <a:t> </a:t>
+            </a:r>
+            <a:r>
+              <a:rPr lang="en-US" altLang="zh-CN" sz="1800" dirty="0" smtClean="0">
+                <a:latin typeface="Times New Roman" charset="0"/>
+                <a:ea typeface="Times New Roman" charset="0"/>
+                <a:cs typeface="Times New Roman" charset="0"/>
+              </a:rPr>
+              <a:t>MADD</a:t>
+            </a:r>
+            <a:endParaRPr lang="zh-CN" altLang="en-US" sz="1800" dirty="0" smtClean="0">
+              <a:latin typeface="Times New Roman" charset="0"/>
+              <a:ea typeface="Times New Roman" charset="0"/>
+              <a:cs typeface="Times New Roman" charset="0"/>
+            </a:endParaRPr>
+          </a:p>
+        </p:txBody>
+      </p:sp>
+      <p:sp>
+        <p:nvSpPr>
+          <p:cNvPr id="4" name="日期占位符 3"/>
+          <p:cNvSpPr>
+            <a:spLocks noGrp="1"/>
+          </p:cNvSpPr>
+          <p:nvPr>
+            <p:ph type="dt" sz="half" idx="10"/>
+          </p:nvPr>
+        </p:nvSpPr>
+        <p:spPr/>
+        <p:txBody>
+          <a:bodyPr/>
+          <a:lstStyle/>
+          <a:p>
+            <a:pPr>
+              <a:defRPr/>
+            </a:pPr>
+            <a:fld id="{1EF8A7FA-5522-479A-8698-B2B03B063E4C}" type="datetime1">
+              <a:rPr lang="zh-CN" altLang="en-US" smtClean="0"/>
+              <a:pPr>
+                <a:defRPr/>
+              </a:pPr>
+              <a:t>2018/11/7</a:t>
+            </a:fld>
+            <a:endParaRPr lang="en-US" altLang="zh-CN"/>
+          </a:p>
+        </p:txBody>
+      </p:sp>
+      <p:sp>
+        <p:nvSpPr>
+          <p:cNvPr id="5" name="灯片编号占位符 4"/>
+          <p:cNvSpPr>
+            <a:spLocks noGrp="1"/>
+          </p:cNvSpPr>
+          <p:nvPr>
+            <p:ph type="sldNum" sz="quarter" idx="12"/>
+          </p:nvPr>
+        </p:nvSpPr>
+        <p:spPr/>
+        <p:txBody>
+          <a:bodyPr/>
+          <a:lstStyle/>
+          <a:p>
+            <a:pPr>
+              <a:defRPr/>
+            </a:pPr>
+            <a:fld id="{4446BC8E-503C-458B-B3B7-290611512584}" type="slidenum">
+              <a:rPr lang="en-US" altLang="zh-CN" smtClean="0"/>
+              <a:pPr>
+                <a:defRPr/>
+              </a:pPr>
+              <a:t>4</a:t>
+            </a:fld>
+            <a:endParaRPr lang="en-US" altLang="zh-CN"/>
+          </a:p>
+        </p:txBody>
+      </p:sp>
+      <p:pic>
+        <p:nvPicPr>
+          <p:cNvPr id="7" name="图片 6"/>
+          <p:cNvPicPr>
+            <a:picLocks noChangeAspect="1"/>
+          </p:cNvPicPr>
+          <p:nvPr/>
+        </p:nvPicPr>
+        <p:blipFill>
+          <a:blip r:embed="rId2"/>
+          <a:stretch>
+            <a:fillRect/>
+          </a:stretch>
+        </p:blipFill>
+        <p:spPr>
+          <a:xfrm>
+            <a:off x="3131840" y="2996952"/>
+            <a:ext cx="5791200" cy="2514600"/>
+          </a:xfrm>
+          <a:prstGeom prst="rect">
+            <a:avLst/>
+          </a:prstGeom>
+        </p:spPr>
+      </p:pic>
+    </p:spTree>
+    <p:extLst>
+      <p:ext uri="{BB962C8B-B14F-4D97-AF65-F5344CB8AC3E}">
+        <p14:creationId xmlns:p14="http://schemas.microsoft.com/office/powerpoint/2010/main" val="279796489"/>
+      </p:ext>
+    </p:extLst>
+  </p:cSld>
+  <p:clrMapOvr>
+    <a:masterClrMapping/>
+  </p:clrMapOvr>
+  <p:timing>
+    <p:tnLst>
+      <p:par>
+        <p:cTn id="1" dur="indefinite" restart="never" nodeType="tmRoot"/>
+      </p:par>
+    </p:tnLst>
+  </p:timing>
+</p:sld>
+</file>
+
+<file path=ppt/slides/slide5.xml><?xml version="1.0" encoding="utf-8"?>
+<p:sld xmlns:a="http://schemas.openxmlformats.org/drawingml/2006/main" xmlns:r="http://schemas.openxmlformats.org/officeDocument/2006/relationships" xmlns:p="http://schemas.openxmlformats.org/presentationml/2006/main">
+  <p:cSld>
+    <p:spTree>
+      <p:nvGrpSpPr>
+        <p:cNvPr id="1" name=""/>
+        <p:cNvGrpSpPr/>
+        <p:nvPr/>
+      </p:nvGrpSpPr>
+      <p:grpSpPr>
+        <a:xfrm>
+          <a:off x="0" y="0"/>
+          <a:ext cx="0" cy="0"/>
+          <a:chOff x="0" y="0"/>
+          <a:chExt cx="0" cy="0"/>
+        </a:xfrm>
+      </p:grpSpPr>
+      <p:sp>
+        <p:nvSpPr>
+          <p:cNvPr id="2" name="标题 1"/>
+          <p:cNvSpPr>
+            <a:spLocks noGrp="1"/>
+          </p:cNvSpPr>
+          <p:nvPr>
+            <p:ph type="title"/>
+          </p:nvPr>
+        </p:nvSpPr>
+        <p:spPr/>
+        <p:txBody>
+          <a:bodyPr/>
+          <a:lstStyle/>
+          <a:p>
+            <a:r>
+              <a:rPr lang="en-US" dirty="0" smtClean="0"/>
+              <a:t>Routing</a:t>
+            </a:r>
+            <a:endParaRPr lang="en-US" dirty="0"/>
+          </a:p>
+        </p:txBody>
+      </p:sp>
+      <p:sp>
+        <p:nvSpPr>
+          <p:cNvPr id="3" name="内容占位符 2"/>
+          <p:cNvSpPr>
+            <a:spLocks noGrp="1"/>
+          </p:cNvSpPr>
+          <p:nvPr>
+            <p:ph idx="1"/>
+          </p:nvPr>
+        </p:nvSpPr>
+        <p:spPr/>
+        <p:txBody>
+          <a:bodyPr/>
+          <a:lstStyle/>
+          <a:p>
+            <a:r>
+              <a:rPr lang="en-US" sz="1800" dirty="0">
+                <a:latin typeface="Times New Roman" charset="0"/>
+                <a:ea typeface="Times New Roman" charset="0"/>
+                <a:cs typeface="Times New Roman" charset="0"/>
+              </a:rPr>
+              <a:t>Rapier: Integrating routing and scheduling for </a:t>
+            </a:r>
+            <a:r>
+              <a:rPr lang="en-US" sz="1800" dirty="0" err="1">
+                <a:latin typeface="Times New Roman" charset="0"/>
+                <a:ea typeface="Times New Roman" charset="0"/>
+                <a:cs typeface="Times New Roman" charset="0"/>
+              </a:rPr>
+              <a:t>coflow</a:t>
+            </a:r>
+            <a:r>
+              <a:rPr lang="en-US" sz="1800" dirty="0">
+                <a:latin typeface="Times New Roman" charset="0"/>
+                <a:ea typeface="Times New Roman" charset="0"/>
+                <a:cs typeface="Times New Roman" charset="0"/>
+              </a:rPr>
+              <a:t>-aware data center networks </a:t>
+            </a:r>
+            <a:endParaRPr lang="zh-CN" altLang="en-US" sz="1800" dirty="0" smtClean="0">
+              <a:latin typeface="Times New Roman" charset="0"/>
+              <a:ea typeface="Times New Roman" charset="0"/>
+              <a:cs typeface="Times New Roman" charset="0"/>
+            </a:endParaRPr>
+          </a:p>
+          <a:p>
+            <a:r>
+              <a:rPr lang="en-US" sz="1800" dirty="0" err="1">
+                <a:latin typeface="Times New Roman" charset="0"/>
+                <a:ea typeface="Times New Roman" charset="0"/>
+                <a:cs typeface="Times New Roman" charset="0"/>
+              </a:rPr>
+              <a:t>Yangming</a:t>
+            </a:r>
+            <a:r>
+              <a:rPr lang="en-US" sz="1800" dirty="0">
+                <a:latin typeface="Times New Roman" charset="0"/>
+                <a:ea typeface="Times New Roman" charset="0"/>
+                <a:cs typeface="Times New Roman" charset="0"/>
+              </a:rPr>
+              <a:t> </a:t>
+            </a:r>
+            <a:r>
+              <a:rPr lang="en-US" sz="1800" dirty="0" smtClean="0">
+                <a:latin typeface="Times New Roman" charset="0"/>
+                <a:ea typeface="Times New Roman" charset="0"/>
+                <a:cs typeface="Times New Roman" charset="0"/>
+              </a:rPr>
+              <a:t>Zhao, Kai </a:t>
+            </a:r>
+            <a:r>
+              <a:rPr lang="en-US" sz="1800" dirty="0">
+                <a:latin typeface="Times New Roman" charset="0"/>
+                <a:ea typeface="Times New Roman" charset="0"/>
+                <a:cs typeface="Times New Roman" charset="0"/>
+              </a:rPr>
+              <a:t>Chen, Wei Bai, </a:t>
+            </a:r>
+            <a:r>
+              <a:rPr lang="en-US" sz="1800" dirty="0" err="1">
+                <a:latin typeface="Times New Roman" charset="0"/>
+                <a:ea typeface="Times New Roman" charset="0"/>
+                <a:cs typeface="Times New Roman" charset="0"/>
+              </a:rPr>
+              <a:t>Minlan</a:t>
+            </a:r>
+            <a:r>
+              <a:rPr lang="en-US" sz="1800" dirty="0">
+                <a:latin typeface="Times New Roman" charset="0"/>
+                <a:ea typeface="Times New Roman" charset="0"/>
+                <a:cs typeface="Times New Roman" charset="0"/>
+              </a:rPr>
+              <a:t> Yu </a:t>
+            </a:r>
+            <a:r>
+              <a:rPr lang="en-US" sz="1800" dirty="0" smtClean="0">
+                <a:latin typeface="Times New Roman" charset="0"/>
+                <a:ea typeface="Times New Roman" charset="0"/>
+                <a:cs typeface="Times New Roman" charset="0"/>
+              </a:rPr>
+              <a:t>, </a:t>
+            </a:r>
+            <a:r>
+              <a:rPr lang="en-US" sz="1800" dirty="0">
+                <a:latin typeface="Times New Roman" charset="0"/>
+                <a:ea typeface="Times New Roman" charset="0"/>
+                <a:cs typeface="Times New Roman" charset="0"/>
+              </a:rPr>
+              <a:t>Chen Tian </a:t>
+            </a:r>
+            <a:r>
+              <a:rPr lang="en-US" sz="1800" dirty="0" smtClean="0">
+                <a:latin typeface="Times New Roman" charset="0"/>
+                <a:ea typeface="Times New Roman" charset="0"/>
+                <a:cs typeface="Times New Roman" charset="0"/>
+              </a:rPr>
+              <a:t>, </a:t>
+            </a:r>
+            <a:r>
+              <a:rPr lang="en-US" sz="1800" dirty="0" err="1">
+                <a:latin typeface="Times New Roman" charset="0"/>
+                <a:ea typeface="Times New Roman" charset="0"/>
+                <a:cs typeface="Times New Roman" charset="0"/>
+              </a:rPr>
+              <a:t>Yanhui</a:t>
+            </a:r>
+            <a:r>
+              <a:rPr lang="en-US" sz="1800" dirty="0">
+                <a:latin typeface="Times New Roman" charset="0"/>
+                <a:ea typeface="Times New Roman" charset="0"/>
+                <a:cs typeface="Times New Roman" charset="0"/>
+              </a:rPr>
+              <a:t> </a:t>
+            </a:r>
+            <a:r>
+              <a:rPr lang="en-US" sz="1800" dirty="0" err="1">
+                <a:latin typeface="Times New Roman" charset="0"/>
+                <a:ea typeface="Times New Roman" charset="0"/>
+                <a:cs typeface="Times New Roman" charset="0"/>
+              </a:rPr>
+              <a:t>Geng</a:t>
+            </a:r>
+            <a:r>
+              <a:rPr lang="en-US" sz="1800" dirty="0">
+                <a:latin typeface="Times New Roman" charset="0"/>
+                <a:ea typeface="Times New Roman" charset="0"/>
+                <a:cs typeface="Times New Roman" charset="0"/>
+              </a:rPr>
+              <a:t> </a:t>
+            </a:r>
+            <a:r>
+              <a:rPr lang="en-US" sz="1800" dirty="0" smtClean="0">
+                <a:latin typeface="Times New Roman" charset="0"/>
+                <a:ea typeface="Times New Roman" charset="0"/>
+                <a:cs typeface="Times New Roman" charset="0"/>
+              </a:rPr>
+              <a:t>, </a:t>
+            </a:r>
+            <a:r>
+              <a:rPr lang="en-US" sz="1800" dirty="0" err="1">
+                <a:latin typeface="Times New Roman" charset="0"/>
+                <a:ea typeface="Times New Roman" charset="0"/>
+                <a:cs typeface="Times New Roman" charset="0"/>
+              </a:rPr>
+              <a:t>Yiming</a:t>
+            </a:r>
+            <a:r>
+              <a:rPr lang="en-US" sz="1800" dirty="0">
+                <a:latin typeface="Times New Roman" charset="0"/>
+                <a:ea typeface="Times New Roman" charset="0"/>
+                <a:cs typeface="Times New Roman" charset="0"/>
+              </a:rPr>
+              <a:t> Zhang </a:t>
+            </a:r>
+            <a:r>
+              <a:rPr lang="en-US" sz="1800" dirty="0" smtClean="0">
+                <a:latin typeface="Times New Roman" charset="0"/>
+                <a:ea typeface="Times New Roman" charset="0"/>
+                <a:cs typeface="Times New Roman" charset="0"/>
+              </a:rPr>
+              <a:t>, </a:t>
+            </a:r>
+            <a:r>
+              <a:rPr lang="en-US" sz="1800" dirty="0">
+                <a:latin typeface="Times New Roman" charset="0"/>
+                <a:ea typeface="Times New Roman" charset="0"/>
+                <a:cs typeface="Times New Roman" charset="0"/>
+              </a:rPr>
+              <a:t>Dan Li </a:t>
+            </a:r>
+            <a:r>
+              <a:rPr lang="en-US" sz="1800" dirty="0" smtClean="0">
+                <a:latin typeface="Times New Roman" charset="0"/>
+                <a:ea typeface="Times New Roman" charset="0"/>
+                <a:cs typeface="Times New Roman" charset="0"/>
+              </a:rPr>
+              <a:t>, </a:t>
+            </a:r>
+            <a:r>
+              <a:rPr lang="en-US" sz="1800" dirty="0">
+                <a:latin typeface="Times New Roman" charset="0"/>
+                <a:ea typeface="Times New Roman" charset="0"/>
+                <a:cs typeface="Times New Roman" charset="0"/>
+              </a:rPr>
+              <a:t>Sheng </a:t>
+            </a:r>
+            <a:r>
+              <a:rPr lang="en-US" sz="1800" dirty="0" smtClean="0">
+                <a:latin typeface="Times New Roman" charset="0"/>
+                <a:ea typeface="Times New Roman" charset="0"/>
+                <a:cs typeface="Times New Roman" charset="0"/>
+              </a:rPr>
+              <a:t>Wang</a:t>
+            </a:r>
+            <a:endParaRPr lang="en-US" sz="1800" dirty="0">
+              <a:latin typeface="Times New Roman" charset="0"/>
+              <a:ea typeface="Times New Roman" charset="0"/>
+              <a:cs typeface="Times New Roman" charset="0"/>
+            </a:endParaRPr>
+          </a:p>
+          <a:p>
+            <a:r>
+              <a:rPr lang="en-US" altLang="zh-CN" sz="1800" dirty="0" smtClean="0">
+                <a:latin typeface="Times New Roman" charset="0"/>
+                <a:ea typeface="Times New Roman" charset="0"/>
+                <a:cs typeface="Times New Roman" charset="0"/>
+              </a:rPr>
+              <a:t>INFOCOM</a:t>
+            </a:r>
+            <a:r>
+              <a:rPr lang="zh-CN" altLang="en-US" sz="1800" dirty="0" smtClean="0">
+                <a:latin typeface="Times New Roman" charset="0"/>
+                <a:ea typeface="Times New Roman" charset="0"/>
+                <a:cs typeface="Times New Roman" charset="0"/>
+              </a:rPr>
+              <a:t> </a:t>
+            </a:r>
+            <a:r>
+              <a:rPr lang="en-US" altLang="zh-CN" sz="1800" dirty="0" smtClean="0">
+                <a:latin typeface="Times New Roman" charset="0"/>
+                <a:ea typeface="Times New Roman" charset="0"/>
+                <a:cs typeface="Times New Roman" charset="0"/>
+              </a:rPr>
+              <a:t>2015</a:t>
+            </a:r>
+          </a:p>
+          <a:p>
+            <a:endParaRPr lang="en-US" altLang="zh-CN" sz="1800" dirty="0" smtClean="0">
+              <a:latin typeface="Times New Roman" charset="0"/>
+              <a:ea typeface="Times New Roman" charset="0"/>
+              <a:cs typeface="Times New Roman" charset="0"/>
+            </a:endParaRPr>
+          </a:p>
+          <a:p>
+            <a:r>
+              <a:rPr lang="en-US" altLang="zh-CN" sz="1800" dirty="0" smtClean="0">
+                <a:latin typeface="Times New Roman" charset="0"/>
+                <a:ea typeface="Times New Roman" charset="0"/>
+                <a:cs typeface="Times New Roman" charset="0"/>
+              </a:rPr>
+              <a:t>Inter-</a:t>
+            </a:r>
+            <a:r>
+              <a:rPr lang="en-US" altLang="zh-CN" sz="1800" dirty="0" err="1" smtClean="0">
+                <a:latin typeface="Times New Roman" charset="0"/>
+                <a:ea typeface="Times New Roman" charset="0"/>
+                <a:cs typeface="Times New Roman" charset="0"/>
+              </a:rPr>
+              <a:t>coflow</a:t>
+            </a:r>
+            <a:r>
+              <a:rPr lang="en-US" altLang="zh-CN" sz="1800" dirty="0" smtClean="0">
+                <a:latin typeface="Times New Roman" charset="0"/>
+                <a:ea typeface="Times New Roman" charset="0"/>
+                <a:cs typeface="Times New Roman" charset="0"/>
+              </a:rPr>
+              <a:t> SJF</a:t>
+            </a:r>
+          </a:p>
+          <a:p>
+            <a:endParaRPr lang="en-US" altLang="zh-CN" sz="1800" dirty="0">
+              <a:latin typeface="Times New Roman" charset="0"/>
+              <a:ea typeface="Times New Roman" charset="0"/>
+              <a:cs typeface="Times New Roman" charset="0"/>
+            </a:endParaRPr>
+          </a:p>
+          <a:p>
+            <a:r>
+              <a:rPr lang="en-US" altLang="zh-CN" sz="1800" dirty="0" smtClean="0">
+                <a:latin typeface="Times New Roman" charset="0"/>
+                <a:ea typeface="Times New Roman" charset="0"/>
+                <a:cs typeface="Times New Roman" charset="0"/>
+              </a:rPr>
+              <a:t>Approximation: K</a:t>
+            </a:r>
+            <a:endParaRPr lang="en-US" altLang="zh-CN" sz="1800" dirty="0">
+              <a:latin typeface="Times New Roman" charset="0"/>
+              <a:ea typeface="Times New Roman" charset="0"/>
+              <a:cs typeface="Times New Roman" charset="0"/>
+            </a:endParaRPr>
+          </a:p>
+        </p:txBody>
+      </p:sp>
+      <p:sp>
+        <p:nvSpPr>
+          <p:cNvPr id="4" name="日期占位符 3"/>
+          <p:cNvSpPr>
+            <a:spLocks noGrp="1"/>
+          </p:cNvSpPr>
+          <p:nvPr>
+            <p:ph type="dt" sz="half" idx="10"/>
+          </p:nvPr>
+        </p:nvSpPr>
+        <p:spPr/>
+        <p:txBody>
+          <a:bodyPr/>
+          <a:lstStyle/>
+          <a:p>
+            <a:pPr>
+              <a:defRPr/>
+            </a:pPr>
+            <a:fld id="{1EF8A7FA-5522-479A-8698-B2B03B063E4C}" type="datetime1">
+              <a:rPr lang="zh-CN" altLang="en-US" smtClean="0"/>
+              <a:pPr>
+                <a:defRPr/>
+              </a:pPr>
+              <a:t>2018/11/7</a:t>
+            </a:fld>
+            <a:endParaRPr lang="en-US" altLang="zh-CN"/>
+          </a:p>
+        </p:txBody>
+      </p:sp>
+      <p:sp>
+        <p:nvSpPr>
+          <p:cNvPr id="5" name="灯片编号占位符 4"/>
+          <p:cNvSpPr>
+            <a:spLocks noGrp="1"/>
+          </p:cNvSpPr>
+          <p:nvPr>
+            <p:ph type="sldNum" sz="quarter" idx="12"/>
+          </p:nvPr>
+        </p:nvSpPr>
+        <p:spPr/>
+        <p:txBody>
+          <a:bodyPr/>
+          <a:lstStyle/>
+          <a:p>
+            <a:pPr>
+              <a:defRPr/>
+            </a:pPr>
+            <a:fld id="{4446BC8E-503C-458B-B3B7-290611512584}" type="slidenum">
+              <a:rPr lang="en-US" altLang="zh-CN" smtClean="0"/>
+              <a:pPr>
+                <a:defRPr/>
+              </a:pPr>
+              <a:t>5</a:t>
+            </a:fld>
+            <a:endParaRPr lang="en-US" altLang="zh-CN"/>
+          </a:p>
+        </p:txBody>
+      </p:sp>
+      <p:pic>
+        <p:nvPicPr>
+          <p:cNvPr id="6" name="图片 5"/>
+          <p:cNvPicPr>
+            <a:picLocks noChangeAspect="1"/>
+          </p:cNvPicPr>
+          <p:nvPr/>
+        </p:nvPicPr>
+        <p:blipFill>
+          <a:blip r:embed="rId2"/>
+          <a:stretch>
+            <a:fillRect/>
+          </a:stretch>
+        </p:blipFill>
+        <p:spPr>
+          <a:xfrm>
+            <a:off x="899592" y="1591821"/>
+            <a:ext cx="8026369" cy="4320480"/>
+          </a:xfrm>
+          <a:prstGeom prst="rect">
+            <a:avLst/>
+          </a:prstGeom>
+        </p:spPr>
+      </p:pic>
+    </p:spTree>
+    <p:extLst>
+      <p:ext uri="{BB962C8B-B14F-4D97-AF65-F5344CB8AC3E}">
+        <p14:creationId xmlns:p14="http://schemas.microsoft.com/office/powerpoint/2010/main" val="239432128"/>
+      </p:ext>
+    </p:extLst>
+  </p:cSld>
+  <p:clrMapOvr>
+    <a:masterClrMapping/>
+  </p:clrMapOvr>
+  <p:timing>
+    <p:tnLst>
+      <p:par>
+        <p:cTn id="1" dur="indefinite" restart="never" nodeType="tmRoot">
+          <p:childTnLst>
+            <p:seq concurrent="1" nextAc="seek">
+              <p:cTn id="2" dur="indefinite" nodeType="mainSeq">
+                <p:childTnLst>
+                  <p:par>
+                    <p:cTn id="3" fill="hold">
+                      <p:stCondLst>
+                        <p:cond delay="indefinite"/>
+                      </p:stCondLst>
+                      <p:childTnLst>
+                        <p:par>
+                          <p:cTn id="4" fill="hold">
+                            <p:stCondLst>
+                              <p:cond delay="0"/>
+                            </p:stCondLst>
+                            <p:childTnLst>
+                              <p:par>
+                                <p:cTn id="5" presetID="1" presetClass="entr" presetSubtype="0" fill="hold" nodeType="clickEffect">
+                                  <p:stCondLst>
+                                    <p:cond delay="0"/>
+                                  </p:stCondLst>
+                                  <p:childTnLst>
+                                    <p:set>
+                                      <p:cBhvr>
+                                        <p:cTn id="6" dur="1" fill="hold">
+                                          <p:stCondLst>
+                                            <p:cond delay="0"/>
+                                          </p:stCondLst>
+                                        </p:cTn>
+                                        <p:tgtEl>
+                                          <p:spTgt spid="6"/>
+                                        </p:tgtEl>
+                                        <p:attrNameLst>
+                                          <p:attrName>style.visibility</p:attrName>
+                                        </p:attrNameLst>
+                                      </p:cBhvr>
+                                      <p:to>
+                                        <p:strVal val="visible"/>
+                                      </p:to>
+                                    </p:set>
+                                  </p:childTnLst>
+                                </p:cTn>
+                              </p:par>
+                            </p:childTnLst>
+                          </p:cTn>
+                        </p:par>
+                      </p:childTnLst>
+                    </p:cTn>
+                  </p:par>
+                </p:childTnLst>
+              </p:cTn>
+              <p:prevCondLst>
+                <p:cond evt="onPrev" delay="0">
+                  <p:tgtEl>
+                    <p:sldTgt/>
+                  </p:tgtEl>
+                </p:cond>
+              </p:prevCondLst>
+              <p:nextCondLst>
+                <p:cond evt="onNext" delay="0">
+                  <p:tgtEl>
+                    <p:sldTgt/>
+                  </p:tgtEl>
+                </p:cond>
+              </p:nextCondLst>
+            </p:seq>
+          </p:childTnLst>
+        </p:cTn>
+      </p:par>
+    </p:tnLst>
+  </p:timing>
+</p:sld>
+</file>
+
+<file path=ppt/slides/slide6.xml><?xml version="1.0" encoding="utf-8"?>
+<p:sld xmlns:a="http://schemas.openxmlformats.org/drawingml/2006/main" xmlns:r="http://schemas.openxmlformats.org/officeDocument/2006/relationships" xmlns:p="http://schemas.openxmlformats.org/presentationml/2006/main">
+  <p:cSld>
+    <p:spTree>
+      <p:nvGrpSpPr>
+        <p:cNvPr id="1" name=""/>
+        <p:cNvGrpSpPr/>
+        <p:nvPr/>
+      </p:nvGrpSpPr>
+      <p:grpSpPr>
+        <a:xfrm>
+          <a:off x="0" y="0"/>
+          <a:ext cx="0" cy="0"/>
+          <a:chOff x="0" y="0"/>
+          <a:chExt cx="0" cy="0"/>
+        </a:xfrm>
+      </p:grpSpPr>
+      <p:sp>
+        <p:nvSpPr>
+          <p:cNvPr id="2" name="标题 1"/>
+          <p:cNvSpPr>
+            <a:spLocks noGrp="1"/>
+          </p:cNvSpPr>
+          <p:nvPr>
+            <p:ph type="title"/>
+          </p:nvPr>
+        </p:nvSpPr>
+        <p:spPr/>
+        <p:txBody>
+          <a:bodyPr/>
+          <a:lstStyle/>
+          <a:p>
+            <a:r>
+              <a:rPr lang="en-US" dirty="0" smtClean="0"/>
+              <a:t>Routing</a:t>
+            </a:r>
+            <a:endParaRPr lang="en-US" dirty="0"/>
+          </a:p>
+        </p:txBody>
+      </p:sp>
+      <p:sp>
+        <p:nvSpPr>
+          <p:cNvPr id="3" name="内容占位符 2"/>
+          <p:cNvSpPr>
+            <a:spLocks noGrp="1"/>
+          </p:cNvSpPr>
+          <p:nvPr>
+            <p:ph idx="1"/>
+          </p:nvPr>
+        </p:nvSpPr>
+        <p:spPr/>
+        <p:txBody>
+          <a:bodyPr/>
+          <a:lstStyle/>
+          <a:p>
+            <a:r>
+              <a:rPr lang="en-US" sz="1800" dirty="0">
+                <a:latin typeface="Times New Roman" charset="0"/>
+                <a:ea typeface="Times New Roman" charset="0"/>
+                <a:cs typeface="Times New Roman" charset="0"/>
+              </a:rPr>
+              <a:t>Efficient online </a:t>
+            </a:r>
+            <a:r>
+              <a:rPr lang="en-US" sz="1800" dirty="0" err="1">
+                <a:latin typeface="Times New Roman" charset="0"/>
+                <a:ea typeface="Times New Roman" charset="0"/>
+                <a:cs typeface="Times New Roman" charset="0"/>
+              </a:rPr>
+              <a:t>coflow</a:t>
+            </a:r>
+            <a:r>
+              <a:rPr lang="en-US" sz="1800" dirty="0">
+                <a:latin typeface="Times New Roman" charset="0"/>
+                <a:ea typeface="Times New Roman" charset="0"/>
+                <a:cs typeface="Times New Roman" charset="0"/>
+              </a:rPr>
+              <a:t> routing and scheduling </a:t>
+            </a:r>
+            <a:endParaRPr lang="zh-CN" altLang="en-US" sz="1800" dirty="0" smtClean="0">
+              <a:latin typeface="Times New Roman" charset="0"/>
+              <a:ea typeface="Times New Roman" charset="0"/>
+              <a:cs typeface="Times New Roman" charset="0"/>
+            </a:endParaRPr>
+          </a:p>
+          <a:p>
+            <a:r>
+              <a:rPr lang="nb-NO" sz="1800" dirty="0" err="1">
+                <a:latin typeface="Times New Roman" charset="0"/>
+                <a:ea typeface="Times New Roman" charset="0"/>
+                <a:cs typeface="Times New Roman" charset="0"/>
+              </a:rPr>
+              <a:t>Yupeng</a:t>
+            </a:r>
+            <a:r>
+              <a:rPr lang="nb-NO" sz="1800" dirty="0">
+                <a:latin typeface="Times New Roman" charset="0"/>
+                <a:ea typeface="Times New Roman" charset="0"/>
+                <a:cs typeface="Times New Roman" charset="0"/>
+              </a:rPr>
+              <a:t> Li, </a:t>
+            </a:r>
+            <a:r>
+              <a:rPr lang="nb-NO" sz="1800" dirty="0" err="1">
+                <a:latin typeface="Times New Roman" charset="0"/>
+                <a:ea typeface="Times New Roman" charset="0"/>
+                <a:cs typeface="Times New Roman" charset="0"/>
+              </a:rPr>
+              <a:t>Shaofeng</a:t>
+            </a:r>
+            <a:r>
+              <a:rPr lang="nb-NO" sz="1800" dirty="0">
+                <a:latin typeface="Times New Roman" charset="0"/>
+                <a:ea typeface="Times New Roman" charset="0"/>
+                <a:cs typeface="Times New Roman" charset="0"/>
+              </a:rPr>
+              <a:t> H.-C. Jiang, Haisheng Tan, </a:t>
+            </a:r>
+            <a:r>
+              <a:rPr lang="nb-NO" sz="1800" dirty="0" err="1">
+                <a:latin typeface="Times New Roman" charset="0"/>
+                <a:ea typeface="Times New Roman" charset="0"/>
+                <a:cs typeface="Times New Roman" charset="0"/>
+              </a:rPr>
+              <a:t>Chenzi</a:t>
+            </a:r>
+            <a:r>
+              <a:rPr lang="nb-NO" sz="1800" dirty="0">
+                <a:latin typeface="Times New Roman" charset="0"/>
+                <a:ea typeface="Times New Roman" charset="0"/>
+                <a:cs typeface="Times New Roman" charset="0"/>
+              </a:rPr>
+              <a:t> Zhang, </a:t>
+            </a:r>
+            <a:r>
+              <a:rPr lang="nb-NO" sz="1800" dirty="0" err="1">
+                <a:latin typeface="Times New Roman" charset="0"/>
+                <a:ea typeface="Times New Roman" charset="0"/>
+                <a:cs typeface="Times New Roman" charset="0"/>
+              </a:rPr>
+              <a:t>Guihai</a:t>
+            </a:r>
+            <a:r>
+              <a:rPr lang="nb-NO" sz="1800" dirty="0">
+                <a:latin typeface="Times New Roman" charset="0"/>
+                <a:ea typeface="Times New Roman" charset="0"/>
+                <a:cs typeface="Times New Roman" charset="0"/>
+              </a:rPr>
+              <a:t> Chen, </a:t>
+            </a:r>
+            <a:r>
+              <a:rPr lang="nb-NO" sz="1800" dirty="0" err="1">
+                <a:latin typeface="Times New Roman" charset="0"/>
+                <a:ea typeface="Times New Roman" charset="0"/>
+                <a:cs typeface="Times New Roman" charset="0"/>
+              </a:rPr>
+              <a:t>Jipeng</a:t>
+            </a:r>
+            <a:r>
+              <a:rPr lang="nb-NO" sz="1800" dirty="0">
+                <a:latin typeface="Times New Roman" charset="0"/>
+                <a:ea typeface="Times New Roman" charset="0"/>
+                <a:cs typeface="Times New Roman" charset="0"/>
+              </a:rPr>
+              <a:t> Zhou, Francis C. M. </a:t>
+            </a:r>
+            <a:r>
+              <a:rPr lang="nb-NO" sz="1800" dirty="0" smtClean="0">
+                <a:latin typeface="Times New Roman" charset="0"/>
+                <a:ea typeface="Times New Roman" charset="0"/>
+                <a:cs typeface="Times New Roman" charset="0"/>
+              </a:rPr>
+              <a:t>Lau</a:t>
+            </a:r>
+          </a:p>
+          <a:p>
+            <a:r>
+              <a:rPr lang="en-US" altLang="zh-CN" sz="1800" dirty="0" err="1" smtClean="0">
+                <a:latin typeface="Times New Roman" charset="0"/>
+                <a:ea typeface="Times New Roman" charset="0"/>
+                <a:cs typeface="Times New Roman" charset="0"/>
+              </a:rPr>
+              <a:t>MobiHoc</a:t>
+            </a:r>
+            <a:r>
+              <a:rPr lang="zh-CN" altLang="en-US" sz="1800" dirty="0" smtClean="0">
+                <a:latin typeface="Times New Roman" charset="0"/>
+                <a:ea typeface="Times New Roman" charset="0"/>
+                <a:cs typeface="Times New Roman" charset="0"/>
+              </a:rPr>
+              <a:t> </a:t>
+            </a:r>
+            <a:r>
+              <a:rPr lang="en-US" altLang="zh-CN" sz="1800" dirty="0" smtClean="0">
+                <a:latin typeface="Times New Roman" charset="0"/>
+                <a:ea typeface="Times New Roman" charset="0"/>
+                <a:cs typeface="Times New Roman" charset="0"/>
+              </a:rPr>
+              <a:t>2016</a:t>
+            </a:r>
+          </a:p>
+          <a:p>
+            <a:endParaRPr lang="en-US" altLang="zh-CN" sz="1800" dirty="0" smtClean="0">
+              <a:latin typeface="Times New Roman" charset="0"/>
+              <a:ea typeface="Times New Roman" charset="0"/>
+              <a:cs typeface="Times New Roman" charset="0"/>
+            </a:endParaRPr>
+          </a:p>
+          <a:p>
+            <a:r>
+              <a:rPr lang="en-US" altLang="zh-CN" sz="1800" dirty="0" smtClean="0">
+                <a:latin typeface="Times New Roman" charset="0"/>
+                <a:ea typeface="Times New Roman" charset="0"/>
+                <a:cs typeface="Times New Roman" charset="0"/>
+              </a:rPr>
+              <a:t>Inter-</a:t>
+            </a:r>
+            <a:r>
+              <a:rPr lang="en-US" altLang="zh-CN" sz="1800" dirty="0" err="1" smtClean="0">
+                <a:latin typeface="Times New Roman" charset="0"/>
+                <a:ea typeface="Times New Roman" charset="0"/>
+                <a:cs typeface="Times New Roman" charset="0"/>
+              </a:rPr>
+              <a:t>coflow</a:t>
+            </a:r>
+            <a:r>
+              <a:rPr lang="en-US" altLang="zh-CN" sz="1800" dirty="0" smtClean="0">
+                <a:latin typeface="Times New Roman" charset="0"/>
+                <a:ea typeface="Times New Roman" charset="0"/>
+                <a:cs typeface="Times New Roman" charset="0"/>
+              </a:rPr>
+              <a:t> weighted sharing</a:t>
+            </a:r>
+          </a:p>
+          <a:p>
+            <a:endParaRPr lang="en-US" altLang="zh-CN" sz="1800" dirty="0">
+              <a:latin typeface="Times New Roman" charset="0"/>
+              <a:ea typeface="Times New Roman" charset="0"/>
+              <a:cs typeface="Times New Roman" charset="0"/>
+            </a:endParaRPr>
+          </a:p>
+          <a:p>
+            <a:r>
+              <a:rPr lang="en-US" altLang="zh-CN" sz="1800" dirty="0" smtClean="0">
+                <a:latin typeface="Times New Roman" charset="0"/>
+                <a:ea typeface="Times New Roman" charset="0"/>
+                <a:cs typeface="Times New Roman" charset="0"/>
+              </a:rPr>
+              <a:t>Approximation: </a:t>
+            </a:r>
+            <a:r>
+              <a:rPr lang="mr-IN" altLang="zh-CN" sz="1800" dirty="0" err="1">
+                <a:latin typeface="Times New Roman" charset="0"/>
+                <a:ea typeface="Times New Roman" charset="0"/>
+                <a:cs typeface="Times New Roman" charset="0"/>
+              </a:rPr>
+              <a:t>O</a:t>
+            </a:r>
+            <a:r>
+              <a:rPr lang="mr-IN" altLang="zh-CN" sz="1800" dirty="0">
+                <a:latin typeface="Times New Roman" charset="0"/>
+                <a:ea typeface="Times New Roman" charset="0"/>
+                <a:cs typeface="Times New Roman" charset="0"/>
+              </a:rPr>
+              <a:t>(</a:t>
+            </a:r>
+            <a:r>
+              <a:rPr lang="mr-IN" altLang="zh-CN" sz="1800" dirty="0" err="1">
+                <a:latin typeface="Times New Roman" charset="0"/>
+                <a:ea typeface="Times New Roman" charset="0"/>
+                <a:cs typeface="Times New Roman" charset="0"/>
+              </a:rPr>
+              <a:t>log</a:t>
+            </a:r>
+            <a:r>
+              <a:rPr lang="mr-IN" altLang="zh-CN" sz="1800" dirty="0">
+                <a:latin typeface="Times New Roman" charset="0"/>
+                <a:ea typeface="Times New Roman" charset="0"/>
+                <a:cs typeface="Times New Roman" charset="0"/>
+              </a:rPr>
+              <a:t> </a:t>
+            </a:r>
+            <a:r>
+              <a:rPr lang="mr-IN" altLang="zh-CN" sz="1800" dirty="0" err="1">
+                <a:latin typeface="Times New Roman" charset="0"/>
+                <a:ea typeface="Times New Roman" charset="0"/>
+                <a:cs typeface="Times New Roman" charset="0"/>
+              </a:rPr>
+              <a:t>n</a:t>
+            </a:r>
+            <a:r>
+              <a:rPr lang="mr-IN" altLang="zh-CN" sz="1800" dirty="0">
+                <a:latin typeface="Times New Roman" charset="0"/>
+                <a:ea typeface="Times New Roman" charset="0"/>
+                <a:cs typeface="Times New Roman" charset="0"/>
+              </a:rPr>
+              <a:t>) </a:t>
+            </a:r>
+          </a:p>
+          <a:p>
+            <a:endParaRPr lang="en-US" altLang="zh-CN" sz="1800" dirty="0">
+              <a:latin typeface="Times New Roman" charset="0"/>
+              <a:ea typeface="Times New Roman" charset="0"/>
+              <a:cs typeface="Times New Roman" charset="0"/>
+            </a:endParaRPr>
+          </a:p>
+        </p:txBody>
+      </p:sp>
+      <p:sp>
+        <p:nvSpPr>
+          <p:cNvPr id="4" name="日期占位符 3"/>
+          <p:cNvSpPr>
+            <a:spLocks noGrp="1"/>
+          </p:cNvSpPr>
+          <p:nvPr>
+            <p:ph type="dt" sz="half" idx="10"/>
+          </p:nvPr>
+        </p:nvSpPr>
+        <p:spPr/>
+        <p:txBody>
+          <a:bodyPr/>
+          <a:lstStyle/>
+          <a:p>
+            <a:pPr>
+              <a:defRPr/>
+            </a:pPr>
+            <a:fld id="{1EF8A7FA-5522-479A-8698-B2B03B063E4C}" type="datetime1">
+              <a:rPr lang="zh-CN" altLang="en-US" smtClean="0"/>
+              <a:pPr>
+                <a:defRPr/>
+              </a:pPr>
+              <a:t>2018/11/7</a:t>
+            </a:fld>
+            <a:endParaRPr lang="en-US" altLang="zh-CN"/>
+          </a:p>
+        </p:txBody>
+      </p:sp>
+      <p:sp>
+        <p:nvSpPr>
+          <p:cNvPr id="5" name="灯片编号占位符 4"/>
+          <p:cNvSpPr>
+            <a:spLocks noGrp="1"/>
+          </p:cNvSpPr>
+          <p:nvPr>
+            <p:ph type="sldNum" sz="quarter" idx="12"/>
+          </p:nvPr>
+        </p:nvSpPr>
+        <p:spPr/>
+        <p:txBody>
+          <a:bodyPr/>
+          <a:lstStyle/>
+          <a:p>
+            <a:pPr>
+              <a:defRPr/>
+            </a:pPr>
+            <a:fld id="{4446BC8E-503C-458B-B3B7-290611512584}" type="slidenum">
+              <a:rPr lang="en-US" altLang="zh-CN" smtClean="0"/>
+              <a:pPr>
+                <a:defRPr/>
+              </a:pPr>
+              <a:t>6</a:t>
+            </a:fld>
+            <a:endParaRPr lang="en-US" altLang="zh-CN"/>
+          </a:p>
+        </p:txBody>
+      </p:sp>
+    </p:spTree>
+    <p:extLst>
+      <p:ext uri="{BB962C8B-B14F-4D97-AF65-F5344CB8AC3E}">
+        <p14:creationId xmlns:p14="http://schemas.microsoft.com/office/powerpoint/2010/main" val="636299943"/>
+      </p:ext>
+    </p:extLst>
+  </p:cSld>
+  <p:clrMapOvr>
+    <a:masterClrMapping/>
+  </p:clrMapOvr>
+  <p:timing>
+    <p:tnLst>
+      <p:par>
+        <p:cTn id="1" dur="indefinite" restart="never" nodeType="tmRoot"/>
+      </p:par>
+    </p:tnLst>
+  </p:timing>
+</p:sld>
+</file>
+
+<file path=ppt/slides/slide7.xml><?xml version="1.0" encoding="utf-8"?>
+<p:sld xmlns:a="http://schemas.openxmlformats.org/drawingml/2006/main" xmlns:r="http://schemas.openxmlformats.org/officeDocument/2006/relationships" xmlns:p="http://schemas.openxmlformats.org/presentationml/2006/main">
+  <p:cSld>
+    <p:spTree>
+      <p:nvGrpSpPr>
+        <p:cNvPr id="1" name=""/>
+        <p:cNvGrpSpPr/>
+        <p:nvPr/>
+      </p:nvGrpSpPr>
+      <p:grpSpPr>
+        <a:xfrm>
+          <a:off x="0" y="0"/>
+          <a:ext cx="0" cy="0"/>
+          <a:chOff x="0" y="0"/>
+          <a:chExt cx="0" cy="0"/>
+        </a:xfrm>
+      </p:grpSpPr>
+      <p:sp>
+        <p:nvSpPr>
+          <p:cNvPr id="2" name="标题 1"/>
+          <p:cNvSpPr>
+            <a:spLocks noGrp="1"/>
+          </p:cNvSpPr>
+          <p:nvPr>
+            <p:ph type="title"/>
+          </p:nvPr>
+        </p:nvSpPr>
+        <p:spPr/>
+        <p:txBody>
+          <a:bodyPr/>
+          <a:lstStyle/>
+          <a:p>
+            <a:r>
+              <a:rPr lang="en-US" dirty="0" smtClean="0"/>
+              <a:t>Decentralized</a:t>
+            </a:r>
+            <a:endParaRPr lang="en-US" dirty="0"/>
+          </a:p>
+        </p:txBody>
+      </p:sp>
+      <p:sp>
+        <p:nvSpPr>
+          <p:cNvPr id="3" name="内容占位符 2"/>
+          <p:cNvSpPr>
+            <a:spLocks noGrp="1"/>
+          </p:cNvSpPr>
+          <p:nvPr>
+            <p:ph idx="1"/>
+          </p:nvPr>
+        </p:nvSpPr>
+        <p:spPr/>
+        <p:txBody>
+          <a:bodyPr/>
+          <a:lstStyle/>
+          <a:p>
+            <a:r>
+              <a:rPr lang="en-US" sz="1800" dirty="0">
+                <a:latin typeface="Times New Roman" charset="0"/>
+                <a:ea typeface="Times New Roman" charset="0"/>
+                <a:cs typeface="Times New Roman" charset="0"/>
+              </a:rPr>
+              <a:t>Towards Practical and Near-Optimal </a:t>
+            </a:r>
+            <a:r>
+              <a:rPr lang="en-US" sz="1800" dirty="0" err="1">
+                <a:latin typeface="Times New Roman" charset="0"/>
+                <a:ea typeface="Times New Roman" charset="0"/>
+                <a:cs typeface="Times New Roman" charset="0"/>
+              </a:rPr>
+              <a:t>Coflow</a:t>
+            </a:r>
+            <a:r>
+              <a:rPr lang="en-US" sz="1800" dirty="0">
+                <a:latin typeface="Times New Roman" charset="0"/>
+                <a:ea typeface="Times New Roman" charset="0"/>
+                <a:cs typeface="Times New Roman" charset="0"/>
+              </a:rPr>
+              <a:t> Scheduling for Data Center Networks </a:t>
+            </a:r>
+            <a:endParaRPr lang="zh-CN" altLang="en-US" sz="1800" dirty="0" smtClean="0">
+              <a:latin typeface="Times New Roman" charset="0"/>
+              <a:ea typeface="Times New Roman" charset="0"/>
+              <a:cs typeface="Times New Roman" charset="0"/>
+            </a:endParaRPr>
+          </a:p>
+          <a:p>
+            <a:r>
+              <a:rPr lang="en-US" sz="1800" dirty="0" err="1">
+                <a:latin typeface="Times New Roman" charset="0"/>
+                <a:ea typeface="Times New Roman" charset="0"/>
+                <a:cs typeface="Times New Roman" charset="0"/>
+              </a:rPr>
+              <a:t>Shouxi</a:t>
+            </a:r>
+            <a:r>
+              <a:rPr lang="en-US" sz="1800" dirty="0">
+                <a:latin typeface="Times New Roman" charset="0"/>
+                <a:ea typeface="Times New Roman" charset="0"/>
+                <a:cs typeface="Times New Roman" charset="0"/>
+              </a:rPr>
+              <a:t> Luo, </a:t>
+            </a:r>
+            <a:r>
+              <a:rPr lang="en-US" sz="1800" dirty="0" err="1">
+                <a:latin typeface="Times New Roman" charset="0"/>
+                <a:ea typeface="Times New Roman" charset="0"/>
+                <a:cs typeface="Times New Roman" charset="0"/>
+              </a:rPr>
+              <a:t>Hongfang</a:t>
+            </a:r>
+            <a:r>
+              <a:rPr lang="en-US" sz="1800" dirty="0">
+                <a:latin typeface="Times New Roman" charset="0"/>
+                <a:ea typeface="Times New Roman" charset="0"/>
+                <a:cs typeface="Times New Roman" charset="0"/>
+              </a:rPr>
+              <a:t> Yu, </a:t>
+            </a:r>
+            <a:r>
+              <a:rPr lang="en-US" sz="1800" dirty="0" err="1">
+                <a:latin typeface="Times New Roman" charset="0"/>
+                <a:ea typeface="Times New Roman" charset="0"/>
+                <a:cs typeface="Times New Roman" charset="0"/>
+              </a:rPr>
+              <a:t>Yangming</a:t>
+            </a:r>
+            <a:r>
+              <a:rPr lang="en-US" sz="1800" dirty="0">
+                <a:latin typeface="Times New Roman" charset="0"/>
+                <a:ea typeface="Times New Roman" charset="0"/>
+                <a:cs typeface="Times New Roman" charset="0"/>
+              </a:rPr>
+              <a:t> Zhao, Sheng Wang, </a:t>
+            </a:r>
+            <a:r>
+              <a:rPr lang="en-US" sz="1800" dirty="0" err="1">
+                <a:latin typeface="Times New Roman" charset="0"/>
+                <a:ea typeface="Times New Roman" charset="0"/>
+                <a:cs typeface="Times New Roman" charset="0"/>
+              </a:rPr>
+              <a:t>Shui</a:t>
+            </a:r>
+            <a:r>
+              <a:rPr lang="en-US" sz="1800" dirty="0">
+                <a:latin typeface="Times New Roman" charset="0"/>
+                <a:ea typeface="Times New Roman" charset="0"/>
+                <a:cs typeface="Times New Roman" charset="0"/>
+              </a:rPr>
+              <a:t> Yu, and </a:t>
+            </a:r>
+            <a:r>
+              <a:rPr lang="en-US" sz="1800" dirty="0" err="1">
+                <a:latin typeface="Times New Roman" charset="0"/>
+                <a:ea typeface="Times New Roman" charset="0"/>
+                <a:cs typeface="Times New Roman" charset="0"/>
+              </a:rPr>
+              <a:t>Lemin</a:t>
+            </a:r>
+            <a:r>
+              <a:rPr lang="en-US" sz="1800" dirty="0">
+                <a:latin typeface="Times New Roman" charset="0"/>
+                <a:ea typeface="Times New Roman" charset="0"/>
+                <a:cs typeface="Times New Roman" charset="0"/>
+              </a:rPr>
+              <a:t> Li </a:t>
+            </a:r>
+            <a:endParaRPr lang="nb-NO" sz="1800" dirty="0" smtClean="0">
+              <a:latin typeface="Times New Roman" charset="0"/>
+              <a:ea typeface="Times New Roman" charset="0"/>
+              <a:cs typeface="Times New Roman" charset="0"/>
+            </a:endParaRPr>
+          </a:p>
+          <a:p>
+            <a:r>
+              <a:rPr lang="en-US" altLang="zh-CN" sz="1800" dirty="0" smtClean="0">
+                <a:latin typeface="Times New Roman" charset="0"/>
+                <a:ea typeface="Times New Roman" charset="0"/>
+                <a:cs typeface="Times New Roman" charset="0"/>
+              </a:rPr>
+              <a:t>TPDS 2016</a:t>
+            </a:r>
+          </a:p>
+          <a:p>
+            <a:endParaRPr lang="en-US" altLang="zh-CN" sz="1800" dirty="0" smtClean="0">
+              <a:latin typeface="Times New Roman" charset="0"/>
+              <a:ea typeface="Times New Roman" charset="0"/>
+              <a:cs typeface="Times New Roman" charset="0"/>
+            </a:endParaRPr>
+          </a:p>
+          <a:p>
+            <a:r>
+              <a:rPr lang="en-US" altLang="zh-CN" sz="1800" dirty="0">
+                <a:latin typeface="Times New Roman" charset="0"/>
+                <a:ea typeface="Times New Roman" charset="0"/>
+                <a:cs typeface="Times New Roman" charset="0"/>
+              </a:rPr>
+              <a:t>inter-</a:t>
+            </a:r>
+            <a:r>
+              <a:rPr lang="en-US" altLang="zh-CN" sz="1800" dirty="0" err="1">
+                <a:latin typeface="Times New Roman" charset="0"/>
+                <a:ea typeface="Times New Roman" charset="0"/>
+                <a:cs typeface="Times New Roman" charset="0"/>
+              </a:rPr>
+              <a:t>coflow</a:t>
+            </a:r>
+            <a:r>
+              <a:rPr lang="zh-CN" altLang="en-US" sz="1800" dirty="0">
+                <a:latin typeface="Times New Roman" charset="0"/>
+                <a:ea typeface="Times New Roman" charset="0"/>
+                <a:cs typeface="Times New Roman" charset="0"/>
+              </a:rPr>
+              <a:t> </a:t>
+            </a:r>
+            <a:r>
+              <a:rPr lang="en-US" altLang="zh-CN" sz="1800" dirty="0" smtClean="0">
+                <a:latin typeface="Times New Roman" charset="0"/>
+                <a:ea typeface="Times New Roman" charset="0"/>
+                <a:cs typeface="Times New Roman" charset="0"/>
+              </a:rPr>
+              <a:t>SJF</a:t>
+            </a:r>
+            <a:endParaRPr lang="zh-CN" altLang="en-US" sz="1800" dirty="0">
+              <a:latin typeface="Times New Roman" charset="0"/>
+              <a:ea typeface="Times New Roman" charset="0"/>
+              <a:cs typeface="Times New Roman" charset="0"/>
+            </a:endParaRPr>
+          </a:p>
+          <a:p>
+            <a:r>
+              <a:rPr lang="en-US" altLang="zh-CN" sz="1800" dirty="0">
+                <a:latin typeface="Times New Roman" charset="0"/>
+                <a:ea typeface="Times New Roman" charset="0"/>
+                <a:cs typeface="Times New Roman" charset="0"/>
+              </a:rPr>
+              <a:t>Intra-</a:t>
+            </a:r>
+            <a:r>
+              <a:rPr lang="en-US" altLang="zh-CN" sz="1800" dirty="0" err="1">
+                <a:latin typeface="Times New Roman" charset="0"/>
+                <a:ea typeface="Times New Roman" charset="0"/>
+                <a:cs typeface="Times New Roman" charset="0"/>
+              </a:rPr>
+              <a:t>coflow</a:t>
+            </a:r>
+            <a:r>
+              <a:rPr lang="zh-CN" altLang="en-US" sz="1800" dirty="0">
+                <a:latin typeface="Times New Roman" charset="0"/>
+                <a:ea typeface="Times New Roman" charset="0"/>
+                <a:cs typeface="Times New Roman" charset="0"/>
+              </a:rPr>
+              <a:t> </a:t>
+            </a:r>
+            <a:r>
+              <a:rPr lang="en-US" altLang="zh-CN" sz="1800" dirty="0" smtClean="0">
+                <a:latin typeface="Times New Roman" charset="0"/>
+                <a:ea typeface="Times New Roman" charset="0"/>
+                <a:cs typeface="Times New Roman" charset="0"/>
+              </a:rPr>
+              <a:t>SJF</a:t>
+            </a:r>
+            <a:endParaRPr lang="zh-CN" altLang="en-US" sz="1800" dirty="0">
+              <a:latin typeface="Times New Roman" charset="0"/>
+              <a:ea typeface="Times New Roman" charset="0"/>
+              <a:cs typeface="Times New Roman" charset="0"/>
+            </a:endParaRPr>
+          </a:p>
+          <a:p>
+            <a:endParaRPr lang="en-US" altLang="zh-CN" sz="1800" dirty="0" smtClean="0">
+              <a:latin typeface="Times New Roman" charset="0"/>
+              <a:ea typeface="Times New Roman" charset="0"/>
+              <a:cs typeface="Times New Roman" charset="0"/>
+            </a:endParaRPr>
+          </a:p>
+          <a:p>
+            <a:endParaRPr lang="en-US" altLang="zh-CN" sz="1800" dirty="0">
+              <a:latin typeface="Times New Roman" charset="0"/>
+              <a:ea typeface="Times New Roman" charset="0"/>
+              <a:cs typeface="Times New Roman" charset="0"/>
+            </a:endParaRPr>
+          </a:p>
+        </p:txBody>
+      </p:sp>
+      <p:sp>
+        <p:nvSpPr>
+          <p:cNvPr id="4" name="日期占位符 3"/>
+          <p:cNvSpPr>
+            <a:spLocks noGrp="1"/>
+          </p:cNvSpPr>
+          <p:nvPr>
+            <p:ph type="dt" sz="half" idx="10"/>
+          </p:nvPr>
+        </p:nvSpPr>
+        <p:spPr/>
+        <p:txBody>
+          <a:bodyPr/>
+          <a:lstStyle/>
+          <a:p>
+            <a:pPr>
+              <a:defRPr/>
+            </a:pPr>
+            <a:fld id="{1EF8A7FA-5522-479A-8698-B2B03B063E4C}" type="datetime1">
+              <a:rPr lang="zh-CN" altLang="en-US" smtClean="0"/>
+              <a:pPr>
+                <a:defRPr/>
+              </a:pPr>
+              <a:t>2018/11/7</a:t>
+            </a:fld>
+            <a:endParaRPr lang="en-US" altLang="zh-CN"/>
+          </a:p>
+        </p:txBody>
+      </p:sp>
+      <p:sp>
+        <p:nvSpPr>
+          <p:cNvPr id="5" name="灯片编号占位符 4"/>
+          <p:cNvSpPr>
+            <a:spLocks noGrp="1"/>
+          </p:cNvSpPr>
+          <p:nvPr>
+            <p:ph type="sldNum" sz="quarter" idx="12"/>
+          </p:nvPr>
+        </p:nvSpPr>
+        <p:spPr/>
+        <p:txBody>
+          <a:bodyPr/>
+          <a:lstStyle/>
+          <a:p>
+            <a:pPr>
+              <a:defRPr/>
+            </a:pPr>
+            <a:fld id="{4446BC8E-503C-458B-B3B7-290611512584}" type="slidenum">
+              <a:rPr lang="en-US" altLang="zh-CN" smtClean="0"/>
+              <a:pPr>
+                <a:defRPr/>
+              </a:pPr>
+              <a:t>7</a:t>
+            </a:fld>
+            <a:endParaRPr lang="en-US" altLang="zh-CN"/>
+          </a:p>
+        </p:txBody>
+      </p:sp>
+    </p:spTree>
+    <p:extLst>
+      <p:ext uri="{BB962C8B-B14F-4D97-AF65-F5344CB8AC3E}">
+        <p14:creationId xmlns:p14="http://schemas.microsoft.com/office/powerpoint/2010/main" val="1014498742"/>
+      </p:ext>
+    </p:extLst>
+  </p:cSld>
+  <p:clrMapOvr>
+    <a:masterClrMapping/>
+  </p:clrMapOvr>
+  <p:timing>
+    <p:tnLst>
+      <p:par>
+        <p:cTn id="1" dur="indefinite" restart="never" nodeType="tmRoot"/>
+      </p:par>
+    </p:tnLst>
+  </p:timing>
+</p:sld>
+</file>
+
+<file path=ppt/slides/slide8.xml><?xml version="1.0" encoding="utf-8"?>
+<p:sld xmlns:a="http://schemas.openxmlformats.org/drawingml/2006/main" xmlns:r="http://schemas.openxmlformats.org/officeDocument/2006/relationships" xmlns:p="http://schemas.openxmlformats.org/presentationml/2006/main">
+  <p:cSld>
+    <p:spTree>
+      <p:nvGrpSpPr>
+        <p:cNvPr id="1" name=""/>
+        <p:cNvGrpSpPr/>
+        <p:nvPr/>
+      </p:nvGrpSpPr>
+      <p:grpSpPr>
+        <a:xfrm>
+          <a:off x="0" y="0"/>
+          <a:ext cx="0" cy="0"/>
+          <a:chOff x="0" y="0"/>
+          <a:chExt cx="0" cy="0"/>
+        </a:xfrm>
+      </p:grpSpPr>
+      <p:sp>
+        <p:nvSpPr>
+          <p:cNvPr id="2" name="标题 1"/>
+          <p:cNvSpPr>
+            <a:spLocks noGrp="1"/>
+          </p:cNvSpPr>
+          <p:nvPr>
+            <p:ph type="title"/>
+          </p:nvPr>
+        </p:nvSpPr>
+        <p:spPr/>
+        <p:txBody>
+          <a:bodyPr/>
+          <a:lstStyle/>
+          <a:p>
+            <a:r>
+              <a:rPr lang="en-US" dirty="0" smtClean="0"/>
+              <a:t>Decentralized</a:t>
+            </a:r>
+            <a:endParaRPr lang="en-US" dirty="0"/>
+          </a:p>
+        </p:txBody>
+      </p:sp>
+      <p:sp>
+        <p:nvSpPr>
+          <p:cNvPr id="3" name="内容占位符 2"/>
+          <p:cNvSpPr>
+            <a:spLocks noGrp="1"/>
+          </p:cNvSpPr>
+          <p:nvPr>
+            <p:ph idx="1"/>
+          </p:nvPr>
+        </p:nvSpPr>
+        <p:spPr/>
+        <p:txBody>
+          <a:bodyPr/>
+          <a:lstStyle/>
+          <a:p>
+            <a:r>
+              <a:rPr lang="en-US" sz="1800" dirty="0">
+                <a:latin typeface="Times New Roman" charset="0"/>
+                <a:ea typeface="Times New Roman" charset="0"/>
+                <a:cs typeface="Times New Roman" charset="0"/>
+              </a:rPr>
+              <a:t>OPTAS: Decentralized flow monitoring and scheduling for tiny tasks </a:t>
+            </a:r>
+            <a:endParaRPr lang="zh-CN" altLang="en-US" sz="1800" dirty="0" smtClean="0">
+              <a:latin typeface="Times New Roman" charset="0"/>
+              <a:ea typeface="Times New Roman" charset="0"/>
+              <a:cs typeface="Times New Roman" charset="0"/>
+            </a:endParaRPr>
+          </a:p>
+          <a:p>
+            <a:r>
+              <a:rPr lang="en-US" sz="1800" dirty="0" err="1">
+                <a:latin typeface="Times New Roman" charset="0"/>
+                <a:ea typeface="Times New Roman" charset="0"/>
+                <a:cs typeface="Times New Roman" charset="0"/>
+              </a:rPr>
+              <a:t>Ziyang</a:t>
+            </a:r>
+            <a:r>
+              <a:rPr lang="en-US" sz="1800" dirty="0">
+                <a:latin typeface="Times New Roman" charset="0"/>
+                <a:ea typeface="Times New Roman" charset="0"/>
+                <a:cs typeface="Times New Roman" charset="0"/>
+              </a:rPr>
+              <a:t> </a:t>
+            </a:r>
+            <a:r>
+              <a:rPr lang="en-US" sz="1800" dirty="0" smtClean="0">
+                <a:latin typeface="Times New Roman" charset="0"/>
+                <a:ea typeface="Times New Roman" charset="0"/>
+                <a:cs typeface="Times New Roman" charset="0"/>
+              </a:rPr>
+              <a:t>Li, </a:t>
+            </a:r>
+            <a:r>
+              <a:rPr lang="en-US" sz="1800" dirty="0" err="1">
+                <a:latin typeface="Times New Roman" charset="0"/>
+                <a:ea typeface="Times New Roman" charset="0"/>
+                <a:cs typeface="Times New Roman" charset="0"/>
+              </a:rPr>
+              <a:t>Yiming</a:t>
+            </a:r>
+            <a:r>
+              <a:rPr lang="en-US" sz="1800" dirty="0">
+                <a:latin typeface="Times New Roman" charset="0"/>
+                <a:ea typeface="Times New Roman" charset="0"/>
+                <a:cs typeface="Times New Roman" charset="0"/>
+              </a:rPr>
+              <a:t> </a:t>
+            </a:r>
+            <a:r>
+              <a:rPr lang="en-US" sz="1800" dirty="0" smtClean="0">
+                <a:latin typeface="Times New Roman" charset="0"/>
+                <a:ea typeface="Times New Roman" charset="0"/>
+                <a:cs typeface="Times New Roman" charset="0"/>
+              </a:rPr>
+              <a:t>Zhang, </a:t>
+            </a:r>
+            <a:r>
+              <a:rPr lang="en-US" sz="1800" dirty="0" err="1">
+                <a:latin typeface="Times New Roman" charset="0"/>
+                <a:ea typeface="Times New Roman" charset="0"/>
+                <a:cs typeface="Times New Roman" charset="0"/>
+              </a:rPr>
+              <a:t>Dongsheng</a:t>
+            </a:r>
+            <a:r>
+              <a:rPr lang="en-US" sz="1800" dirty="0">
+                <a:latin typeface="Times New Roman" charset="0"/>
+                <a:ea typeface="Times New Roman" charset="0"/>
+                <a:cs typeface="Times New Roman" charset="0"/>
+              </a:rPr>
+              <a:t> </a:t>
+            </a:r>
+            <a:r>
+              <a:rPr lang="en-US" sz="1800" dirty="0" smtClean="0">
+                <a:latin typeface="Times New Roman" charset="0"/>
+                <a:ea typeface="Times New Roman" charset="0"/>
+                <a:cs typeface="Times New Roman" charset="0"/>
+              </a:rPr>
+              <a:t>Li, </a:t>
+            </a:r>
+            <a:r>
+              <a:rPr lang="en-US" sz="1800" dirty="0">
+                <a:latin typeface="Times New Roman" charset="0"/>
+                <a:ea typeface="Times New Roman" charset="0"/>
+                <a:cs typeface="Times New Roman" charset="0"/>
+              </a:rPr>
+              <a:t>Kai </a:t>
+            </a:r>
+            <a:r>
+              <a:rPr lang="en-US" sz="1800" dirty="0" smtClean="0">
+                <a:latin typeface="Times New Roman" charset="0"/>
+                <a:ea typeface="Times New Roman" charset="0"/>
+                <a:cs typeface="Times New Roman" charset="0"/>
+              </a:rPr>
+              <a:t>Chen, </a:t>
+            </a:r>
+            <a:r>
+              <a:rPr lang="en-US" sz="1800" dirty="0" err="1">
+                <a:latin typeface="Times New Roman" charset="0"/>
+                <a:ea typeface="Times New Roman" charset="0"/>
+                <a:cs typeface="Times New Roman" charset="0"/>
+              </a:rPr>
+              <a:t>Yuxing</a:t>
+            </a:r>
+            <a:r>
+              <a:rPr lang="en-US" sz="1800" dirty="0">
+                <a:latin typeface="Times New Roman" charset="0"/>
+                <a:ea typeface="Times New Roman" charset="0"/>
+                <a:cs typeface="Times New Roman" charset="0"/>
+              </a:rPr>
+              <a:t> Peng </a:t>
+            </a:r>
+            <a:endParaRPr lang="nb-NO" sz="1800" dirty="0" smtClean="0">
+              <a:latin typeface="Times New Roman" charset="0"/>
+              <a:ea typeface="Times New Roman" charset="0"/>
+              <a:cs typeface="Times New Roman" charset="0"/>
+            </a:endParaRPr>
+          </a:p>
+          <a:p>
+            <a:r>
+              <a:rPr lang="en-US" altLang="zh-CN" sz="1800" dirty="0" smtClean="0">
+                <a:latin typeface="Times New Roman" charset="0"/>
+                <a:ea typeface="Times New Roman" charset="0"/>
+                <a:cs typeface="Times New Roman" charset="0"/>
+              </a:rPr>
+              <a:t>INFOCOM 2016</a:t>
+            </a:r>
+          </a:p>
+          <a:p>
+            <a:endParaRPr lang="en-US" altLang="zh-CN" sz="1800" dirty="0" smtClean="0">
+              <a:latin typeface="Times New Roman" charset="0"/>
+              <a:ea typeface="Times New Roman" charset="0"/>
+              <a:cs typeface="Times New Roman" charset="0"/>
+            </a:endParaRPr>
+          </a:p>
+          <a:p>
+            <a:r>
+              <a:rPr lang="en-US" altLang="zh-CN" sz="1800" dirty="0">
+                <a:latin typeface="Times New Roman" charset="0"/>
+                <a:ea typeface="Times New Roman" charset="0"/>
+                <a:cs typeface="Times New Roman" charset="0"/>
+              </a:rPr>
+              <a:t>inter-</a:t>
+            </a:r>
+            <a:r>
+              <a:rPr lang="en-US" altLang="zh-CN" sz="1800" dirty="0" err="1">
+                <a:latin typeface="Times New Roman" charset="0"/>
+                <a:ea typeface="Times New Roman" charset="0"/>
+                <a:cs typeface="Times New Roman" charset="0"/>
+              </a:rPr>
+              <a:t>coflow</a:t>
+            </a:r>
+            <a:r>
+              <a:rPr lang="zh-CN" altLang="en-US" sz="1800" dirty="0">
+                <a:latin typeface="Times New Roman" charset="0"/>
+                <a:ea typeface="Times New Roman" charset="0"/>
+                <a:cs typeface="Times New Roman" charset="0"/>
+              </a:rPr>
+              <a:t> </a:t>
+            </a:r>
+            <a:r>
+              <a:rPr lang="en-US" altLang="zh-CN" sz="1800" dirty="0" smtClean="0">
+                <a:latin typeface="Times New Roman" charset="0"/>
+                <a:ea typeface="Times New Roman" charset="0"/>
+                <a:cs typeface="Times New Roman" charset="0"/>
+              </a:rPr>
+              <a:t>FIFO</a:t>
+            </a:r>
+            <a:endParaRPr lang="zh-CN" altLang="en-US" sz="1800" dirty="0">
+              <a:latin typeface="Times New Roman" charset="0"/>
+              <a:ea typeface="Times New Roman" charset="0"/>
+              <a:cs typeface="Times New Roman" charset="0"/>
+            </a:endParaRPr>
+          </a:p>
+          <a:p>
+            <a:r>
+              <a:rPr lang="en-US" altLang="zh-CN" sz="1800" dirty="0">
+                <a:latin typeface="Times New Roman" charset="0"/>
+                <a:ea typeface="Times New Roman" charset="0"/>
+                <a:cs typeface="Times New Roman" charset="0"/>
+              </a:rPr>
+              <a:t>Intra-</a:t>
+            </a:r>
+            <a:r>
+              <a:rPr lang="en-US" altLang="zh-CN" sz="1800" dirty="0" err="1">
+                <a:latin typeface="Times New Roman" charset="0"/>
+                <a:ea typeface="Times New Roman" charset="0"/>
+                <a:cs typeface="Times New Roman" charset="0"/>
+              </a:rPr>
+              <a:t>coflow</a:t>
+            </a:r>
+            <a:r>
+              <a:rPr lang="zh-CN" altLang="en-US" sz="1800" dirty="0">
+                <a:latin typeface="Times New Roman" charset="0"/>
+                <a:ea typeface="Times New Roman" charset="0"/>
+                <a:cs typeface="Times New Roman" charset="0"/>
+              </a:rPr>
+              <a:t> </a:t>
+            </a:r>
+            <a:r>
+              <a:rPr lang="en-US" altLang="zh-CN" sz="1800" dirty="0" smtClean="0">
+                <a:latin typeface="Times New Roman" charset="0"/>
+                <a:ea typeface="Times New Roman" charset="0"/>
+                <a:cs typeface="Times New Roman" charset="0"/>
+              </a:rPr>
+              <a:t>FIFO</a:t>
+            </a:r>
+            <a:endParaRPr lang="zh-CN" altLang="en-US" sz="1800" dirty="0">
+              <a:latin typeface="Times New Roman" charset="0"/>
+              <a:ea typeface="Times New Roman" charset="0"/>
+              <a:cs typeface="Times New Roman" charset="0"/>
+            </a:endParaRPr>
+          </a:p>
+          <a:p>
+            <a:endParaRPr lang="en-US" altLang="zh-CN" sz="1800" dirty="0" smtClean="0">
+              <a:latin typeface="Times New Roman" charset="0"/>
+              <a:ea typeface="Times New Roman" charset="0"/>
+              <a:cs typeface="Times New Roman" charset="0"/>
+            </a:endParaRPr>
+          </a:p>
+          <a:p>
+            <a:endParaRPr lang="en-US" altLang="zh-CN" sz="1800" dirty="0">
+              <a:latin typeface="Times New Roman" charset="0"/>
+              <a:ea typeface="Times New Roman" charset="0"/>
+              <a:cs typeface="Times New Roman" charset="0"/>
+            </a:endParaRPr>
+          </a:p>
+        </p:txBody>
+      </p:sp>
+      <p:sp>
+        <p:nvSpPr>
+          <p:cNvPr id="4" name="日期占位符 3"/>
+          <p:cNvSpPr>
+            <a:spLocks noGrp="1"/>
+          </p:cNvSpPr>
+          <p:nvPr>
+            <p:ph type="dt" sz="half" idx="10"/>
+          </p:nvPr>
+        </p:nvSpPr>
+        <p:spPr/>
+        <p:txBody>
+          <a:bodyPr/>
+          <a:lstStyle/>
+          <a:p>
+            <a:pPr>
+              <a:defRPr/>
+            </a:pPr>
+            <a:fld id="{1EF8A7FA-5522-479A-8698-B2B03B063E4C}" type="datetime1">
+              <a:rPr lang="zh-CN" altLang="en-US" smtClean="0"/>
+              <a:pPr>
+                <a:defRPr/>
+              </a:pPr>
+              <a:t>2018/11/7</a:t>
+            </a:fld>
+            <a:endParaRPr lang="en-US" altLang="zh-CN"/>
+          </a:p>
+        </p:txBody>
+      </p:sp>
+      <p:sp>
+        <p:nvSpPr>
+          <p:cNvPr id="5" name="灯片编号占位符 4"/>
+          <p:cNvSpPr>
+            <a:spLocks noGrp="1"/>
+          </p:cNvSpPr>
+          <p:nvPr>
+            <p:ph type="sldNum" sz="quarter" idx="12"/>
+          </p:nvPr>
+        </p:nvSpPr>
+        <p:spPr/>
+        <p:txBody>
+          <a:bodyPr/>
+          <a:lstStyle/>
+          <a:p>
+            <a:pPr>
+              <a:defRPr/>
+            </a:pPr>
+            <a:fld id="{4446BC8E-503C-458B-B3B7-290611512584}" type="slidenum">
+              <a:rPr lang="en-US" altLang="zh-CN" smtClean="0"/>
+              <a:pPr>
+                <a:defRPr/>
+              </a:pPr>
+              <a:t>8</a:t>
+            </a:fld>
+            <a:endParaRPr lang="en-US" altLang="zh-CN"/>
+          </a:p>
+        </p:txBody>
+      </p:sp>
+    </p:spTree>
+    <p:extLst>
+      <p:ext uri="{BB962C8B-B14F-4D97-AF65-F5344CB8AC3E}">
+        <p14:creationId xmlns:p14="http://schemas.microsoft.com/office/powerpoint/2010/main" val="1439004319"/>
+      </p:ext>
+    </p:extLst>
+  </p:cSld>
+  <p:clrMapOvr>
+    <a:masterClrMapping/>
+  </p:clrMapOvr>
+  <p:timing>
+    <p:tnLst>
+      <p:par>
+        <p:cTn id="1" dur="indefinite" restart="never" nodeType="tmRoot"/>
+      </p:par>
+    </p:tnLst>
+  </p:timing>
+</p:sld>
+</file>
+
+<file path=ppt/slides/slide9.xml><?xml version="1.0" encoding="utf-8"?>
+<p:sld xmlns:a="http://schemas.openxmlformats.org/drawingml/2006/main" xmlns:r="http://schemas.openxmlformats.org/officeDocument/2006/relationships" xmlns:p="http://schemas.openxmlformats.org/presentationml/2006/main">
+  <p:cSld>
+    <p:spTree>
+      <p:nvGrpSpPr>
+        <p:cNvPr id="1" name=""/>
+        <p:cNvGrpSpPr/>
+        <p:nvPr/>
+      </p:nvGrpSpPr>
+      <p:grpSpPr>
+        <a:xfrm>
+          <a:off x="0" y="0"/>
+          <a:ext cx="0" cy="0"/>
+          <a:chOff x="0" y="0"/>
+          <a:chExt cx="0" cy="0"/>
+        </a:xfrm>
+      </p:grpSpPr>
+      <p:sp>
+        <p:nvSpPr>
+          <p:cNvPr id="2" name="标题 1"/>
+          <p:cNvSpPr>
+            <a:spLocks noGrp="1"/>
+          </p:cNvSpPr>
+          <p:nvPr>
+            <p:ph type="title"/>
+          </p:nvPr>
+        </p:nvSpPr>
+        <p:spPr/>
+        <p:txBody>
+          <a:bodyPr/>
+          <a:lstStyle/>
+          <a:p>
+            <a:r>
+              <a:rPr lang="en-US" altLang="zh-CN" dirty="0" smtClean="0"/>
+              <a:t>Information-agnostic</a:t>
+            </a:r>
+            <a:endParaRPr lang="en-US" altLang="zh-CN" dirty="0"/>
+          </a:p>
+        </p:txBody>
+      </p:sp>
+      <p:sp>
+        <p:nvSpPr>
+          <p:cNvPr id="3" name="内容占位符 2"/>
+          <p:cNvSpPr>
+            <a:spLocks noGrp="1"/>
+          </p:cNvSpPr>
+          <p:nvPr>
+            <p:ph idx="1"/>
+          </p:nvPr>
+        </p:nvSpPr>
+        <p:spPr/>
+        <p:txBody>
+          <a:bodyPr/>
+          <a:lstStyle/>
+          <a:p>
+            <a:r>
+              <a:rPr lang="en-US" sz="1800" dirty="0">
+                <a:latin typeface="Times New Roman" charset="0"/>
+                <a:ea typeface="Times New Roman" charset="0"/>
+                <a:cs typeface="Times New Roman" charset="0"/>
+              </a:rPr>
+              <a:t>Efficient </a:t>
+            </a:r>
+            <a:r>
+              <a:rPr lang="en-US" sz="1800" dirty="0" err="1">
+                <a:latin typeface="Times New Roman" charset="0"/>
+                <a:ea typeface="Times New Roman" charset="0"/>
+                <a:cs typeface="Times New Roman" charset="0"/>
+              </a:rPr>
+              <a:t>Coflow</a:t>
+            </a:r>
+            <a:r>
+              <a:rPr lang="en-US" sz="1800" dirty="0">
+                <a:latin typeface="Times New Roman" charset="0"/>
+                <a:ea typeface="Times New Roman" charset="0"/>
+                <a:cs typeface="Times New Roman" charset="0"/>
+              </a:rPr>
+              <a:t> Scheduling Without Prior Knowledge </a:t>
+            </a:r>
+            <a:endParaRPr lang="zh-CN" altLang="en-US" sz="1800" dirty="0" smtClean="0">
+              <a:latin typeface="Times New Roman" charset="0"/>
+              <a:ea typeface="Times New Roman" charset="0"/>
+              <a:cs typeface="Times New Roman" charset="0"/>
+            </a:endParaRPr>
+          </a:p>
+          <a:p>
+            <a:r>
+              <a:rPr lang="en-US" sz="1800" dirty="0" smtClean="0">
+                <a:latin typeface="Times New Roman" charset="0"/>
+                <a:ea typeface="Times New Roman" charset="0"/>
+                <a:cs typeface="Times New Roman" charset="0"/>
+              </a:rPr>
+              <a:t>M</a:t>
+            </a:r>
+            <a:r>
+              <a:rPr lang="en-US" sz="1800" dirty="0">
+                <a:latin typeface="Times New Roman" charset="0"/>
+                <a:ea typeface="Times New Roman" charset="0"/>
+                <a:cs typeface="Times New Roman" charset="0"/>
+              </a:rPr>
+              <a:t>. </a:t>
+            </a:r>
+            <a:r>
+              <a:rPr lang="en-US" sz="1800" dirty="0" smtClean="0">
+                <a:latin typeface="Times New Roman" charset="0"/>
+                <a:ea typeface="Times New Roman" charset="0"/>
+                <a:cs typeface="Times New Roman" charset="0"/>
+              </a:rPr>
+              <a:t>Chowdhury</a:t>
+            </a:r>
+            <a:endParaRPr lang="zh-CN" altLang="en-US" sz="1800" dirty="0" smtClean="0">
+              <a:latin typeface="Times New Roman" charset="0"/>
+              <a:ea typeface="Times New Roman" charset="0"/>
+              <a:cs typeface="Times New Roman" charset="0"/>
+            </a:endParaRPr>
+          </a:p>
+          <a:p>
+            <a:r>
+              <a:rPr lang="en-US" altLang="zh-CN" sz="1800" dirty="0" smtClean="0">
+                <a:latin typeface="Times New Roman" charset="0"/>
+                <a:ea typeface="Times New Roman" charset="0"/>
+                <a:cs typeface="Times New Roman" charset="0"/>
+              </a:rPr>
+              <a:t>SIGCOMM</a:t>
+            </a:r>
+            <a:r>
+              <a:rPr lang="zh-CN" altLang="en-US" sz="1800" dirty="0" smtClean="0">
+                <a:latin typeface="Times New Roman" charset="0"/>
+                <a:ea typeface="Times New Roman" charset="0"/>
+                <a:cs typeface="Times New Roman" charset="0"/>
+              </a:rPr>
+              <a:t> </a:t>
+            </a:r>
+            <a:r>
+              <a:rPr lang="en-US" altLang="zh-CN" sz="1800" dirty="0" smtClean="0">
+                <a:latin typeface="Times New Roman" charset="0"/>
+                <a:ea typeface="Times New Roman" charset="0"/>
+                <a:cs typeface="Times New Roman" charset="0"/>
+              </a:rPr>
+              <a:t>2015</a:t>
+            </a:r>
+          </a:p>
+          <a:p>
+            <a:endParaRPr lang="en-US" altLang="zh-CN" sz="1800" dirty="0">
+              <a:latin typeface="Times New Roman" charset="0"/>
+              <a:ea typeface="Times New Roman" charset="0"/>
+              <a:cs typeface="Times New Roman" charset="0"/>
+            </a:endParaRPr>
+          </a:p>
+          <a:p>
+            <a:r>
+              <a:rPr lang="en-US" altLang="zh-CN" sz="1800" dirty="0" smtClean="0">
+                <a:latin typeface="Times New Roman" charset="0"/>
+                <a:ea typeface="Times New Roman" charset="0"/>
+                <a:cs typeface="Times New Roman" charset="0"/>
+              </a:rPr>
+              <a:t>inter-</a:t>
+            </a:r>
+            <a:r>
+              <a:rPr lang="en-US" altLang="zh-CN" sz="1800" dirty="0" err="1" smtClean="0">
+                <a:latin typeface="Times New Roman" charset="0"/>
+                <a:ea typeface="Times New Roman" charset="0"/>
+                <a:cs typeface="Times New Roman" charset="0"/>
+              </a:rPr>
+              <a:t>coflow</a:t>
+            </a:r>
+            <a:r>
+              <a:rPr lang="zh-CN" altLang="en-US" sz="1800" dirty="0" smtClean="0">
+                <a:latin typeface="Times New Roman" charset="0"/>
+                <a:ea typeface="Times New Roman" charset="0"/>
+                <a:cs typeface="Times New Roman" charset="0"/>
+              </a:rPr>
+              <a:t> </a:t>
+            </a:r>
+            <a:r>
+              <a:rPr lang="en-US" altLang="zh-CN" sz="1800" dirty="0" smtClean="0">
+                <a:latin typeface="Times New Roman" charset="0"/>
+                <a:ea typeface="Times New Roman" charset="0"/>
+                <a:cs typeface="Times New Roman" charset="0"/>
+              </a:rPr>
+              <a:t>LAS </a:t>
+            </a:r>
+            <a:endParaRPr lang="en-US" altLang="zh-CN" sz="1800" dirty="0">
+              <a:latin typeface="Times New Roman" charset="0"/>
+              <a:ea typeface="Times New Roman" charset="0"/>
+              <a:cs typeface="Times New Roman" charset="0"/>
+            </a:endParaRPr>
+          </a:p>
+          <a:p>
+            <a:r>
+              <a:rPr lang="en-US" altLang="zh-CN" sz="1800" dirty="0" smtClean="0">
+                <a:latin typeface="Times New Roman" charset="0"/>
+                <a:ea typeface="Times New Roman" charset="0"/>
+                <a:cs typeface="Times New Roman" charset="0"/>
+              </a:rPr>
+              <a:t>Intra-</a:t>
+            </a:r>
+            <a:r>
+              <a:rPr lang="en-US" altLang="zh-CN" sz="1800" dirty="0" err="1" smtClean="0">
+                <a:latin typeface="Times New Roman" charset="0"/>
+                <a:ea typeface="Times New Roman" charset="0"/>
+                <a:cs typeface="Times New Roman" charset="0"/>
+              </a:rPr>
+              <a:t>coflow</a:t>
+            </a:r>
+            <a:r>
+              <a:rPr lang="zh-CN" altLang="en-US" sz="1800" dirty="0" smtClean="0">
+                <a:latin typeface="Times New Roman" charset="0"/>
+                <a:ea typeface="Times New Roman" charset="0"/>
+                <a:cs typeface="Times New Roman" charset="0"/>
+              </a:rPr>
+              <a:t> </a:t>
+            </a:r>
+            <a:r>
+              <a:rPr lang="en-US" altLang="zh-CN" sz="1800" dirty="0">
+                <a:latin typeface="Times New Roman" charset="0"/>
+                <a:ea typeface="Times New Roman" charset="0"/>
+                <a:cs typeface="Times New Roman" charset="0"/>
+              </a:rPr>
+              <a:t>Fair sharing </a:t>
+            </a:r>
+          </a:p>
+        </p:txBody>
+      </p:sp>
+      <p:sp>
+        <p:nvSpPr>
+          <p:cNvPr id="4" name="日期占位符 3"/>
+          <p:cNvSpPr>
+            <a:spLocks noGrp="1"/>
+          </p:cNvSpPr>
+          <p:nvPr>
+            <p:ph type="dt" sz="half" idx="10"/>
+          </p:nvPr>
+        </p:nvSpPr>
+        <p:spPr/>
+        <p:txBody>
+          <a:bodyPr/>
+          <a:lstStyle/>
+          <a:p>
+            <a:pPr>
+              <a:defRPr/>
+            </a:pPr>
+            <a:fld id="{1EF8A7FA-5522-479A-8698-B2B03B063E4C}" type="datetime1">
+              <a:rPr lang="zh-CN" altLang="en-US" smtClean="0"/>
+              <a:pPr>
+                <a:defRPr/>
+              </a:pPr>
+              <a:t>2018/11/7</a:t>
+            </a:fld>
+            <a:endParaRPr lang="en-US" altLang="zh-CN"/>
+          </a:p>
+        </p:txBody>
+      </p:sp>
+      <p:sp>
+        <p:nvSpPr>
+          <p:cNvPr id="5" name="灯片编号占位符 4"/>
+          <p:cNvSpPr>
+            <a:spLocks noGrp="1"/>
+          </p:cNvSpPr>
+          <p:nvPr>
+            <p:ph type="sldNum" sz="quarter" idx="12"/>
+          </p:nvPr>
+        </p:nvSpPr>
+        <p:spPr/>
+        <p:txBody>
+          <a:bodyPr/>
+          <a:lstStyle/>
+          <a:p>
+            <a:pPr>
+              <a:defRPr/>
+            </a:pPr>
+            <a:fld id="{4446BC8E-503C-458B-B3B7-290611512584}" type="slidenum">
+              <a:rPr lang="en-US" altLang="zh-CN" smtClean="0"/>
+              <a:pPr>
+                <a:defRPr/>
+              </a:pPr>
+              <a:t>9</a:t>
+            </a:fld>
+            <a:endParaRPr lang="en-US" altLang="zh-CN"/>
+          </a:p>
+        </p:txBody>
+      </p:sp>
+      <p:pic>
+        <p:nvPicPr>
+          <p:cNvPr id="6" name="图片 5"/>
+          <p:cNvPicPr>
+            <a:picLocks noChangeAspect="1"/>
+          </p:cNvPicPr>
+          <p:nvPr/>
+        </p:nvPicPr>
+        <p:blipFill>
+          <a:blip r:embed="rId2"/>
+          <a:stretch>
+            <a:fillRect/>
+          </a:stretch>
+        </p:blipFill>
+        <p:spPr>
+          <a:xfrm>
+            <a:off x="4067944" y="2016125"/>
+            <a:ext cx="4622800" cy="3860800"/>
+          </a:xfrm>
+          <a:prstGeom prst="rect">
+            <a:avLst/>
+          </a:prstGeom>
+        </p:spPr>
+      </p:pic>
+    </p:spTree>
+    <p:extLst>
+      <p:ext uri="{BB962C8B-B14F-4D97-AF65-F5344CB8AC3E}">
+        <p14:creationId xmlns:p14="http://schemas.microsoft.com/office/powerpoint/2010/main" val="475200414"/>
+      </p:ext>
+    </p:extLst>
   </p:cSld>
   <p:clrMapOvr>
     <a:masterClrMapping/>

--- a/报告/coflow survey.pptx
+++ b/报告/coflow survey.pptx
@@ -8569,15 +8569,7 @@
                 <a:ea typeface="Times New Roman" charset="0"/>
                 <a:cs typeface="Times New Roman" charset="0"/>
               </a:rPr>
-              <a:t>Count flow </a:t>
-            </a:r>
-            <a:r>
-              <a:rPr lang="en-US" altLang="zh-CN" sz="1800" smtClean="0">
-                <a:latin typeface="Times New Roman" charset="0"/>
-                <a:ea typeface="Times New Roman" charset="0"/>
-                <a:cs typeface="Times New Roman" charset="0"/>
-              </a:rPr>
-              <a:t>on links</a:t>
+              <a:t>Count flow on links</a:t>
             </a:r>
             <a:endParaRPr lang="en-US" altLang="zh-CN" sz="1800" dirty="0">
               <a:latin typeface="Times New Roman" charset="0"/>
